--- a/SqlEstateShape/SqlEstateShape.pptx
+++ b/SqlEstateShape/SqlEstateShape.pptx
@@ -219,7 +219,7 @@
           <a:p>
             <a:fld id="{1F8C9BAC-5605-4961-A752-FD19D2B395B1}" type="datetimeFigureOut">
               <a:rPr lang="en-US" smtClean="0"/>
-              <a:t>10/5/2020</a:t>
+              <a:t>10/15/2020</a:t>
             </a:fld>
             <a:endParaRPr lang="en-US" dirty="0"/>
           </a:p>
@@ -4093,7 +4093,7 @@
           <a:p>
             <a:fld id="{6F7AEB39-490D-4470-BB4F-F7E09AA2B520}" type="datetimeFigureOut">
               <a:rPr lang="en-US" smtClean="0"/>
-              <a:t>10/5/2020</a:t>
+              <a:t>10/15/2020</a:t>
             </a:fld>
             <a:endParaRPr lang="en-US" dirty="0"/>
           </a:p>
@@ -4590,7 +4590,7 @@
           <a:p>
             <a:fld id="{6F7AEB39-490D-4470-BB4F-F7E09AA2B520}" type="datetimeFigureOut">
               <a:rPr lang="en-US" smtClean="0"/>
-              <a:t>10/5/2020</a:t>
+              <a:t>10/15/2020</a:t>
             </a:fld>
             <a:endParaRPr lang="en-US" dirty="0"/>
           </a:p>
@@ -8074,17 +8074,14 @@
               <a:rPr lang="en-US" sz="2800" dirty="0">
                 <a:hlinkClick r:id="rId3"/>
               </a:rPr>
-              <a:t>https://github.com/jpomfret/demos/tree/master/</a:t>
-            </a:r>
-            <a:r>
-              <a:rPr lang="en-US" sz="2800" dirty="0">
-                <a:highlight>
-                  <a:srgbClr val="FFFF00"/>
-                </a:highlight>
-                <a:hlinkClick r:id="rId3"/>
-              </a:rPr>
-              <a:t>LifeHacks_dbatools</a:t>
-            </a:r>
+              <a:t>https://github.com/jpomfret/demos/tree/master/SqlEstateShape</a:t>
+            </a:r>
+            <a:endParaRPr lang="en-US" sz="2800" dirty="0"/>
+          </a:p>
+          <a:p>
+            <a:pPr marL="0" indent="0">
+              <a:buNone/>
+            </a:pPr>
             <a:endParaRPr lang="en-US" sz="2800" dirty="0">
               <a:highlight>
                 <a:srgbClr val="FFFF00"/>

--- a/SqlEstateShape/SqlEstateShape.pptx
+++ b/SqlEstateShape/SqlEstateShape.pptx
@@ -5,24 +5,25 @@
     <p:sldMasterId id="2147483671" r:id="rId1"/>
   </p:sldMasterIdLst>
   <p:notesMasterIdLst>
-    <p:notesMasterId r:id="rId17"/>
+    <p:notesMasterId r:id="rId18"/>
   </p:notesMasterIdLst>
   <p:sldIdLst>
     <p:sldId id="256" r:id="rId2"/>
     <p:sldId id="258" r:id="rId3"/>
-    <p:sldId id="319" r:id="rId4"/>
-    <p:sldId id="312" r:id="rId5"/>
-    <p:sldId id="313" r:id="rId6"/>
-    <p:sldId id="308" r:id="rId7"/>
-    <p:sldId id="314" r:id="rId8"/>
-    <p:sldId id="315" r:id="rId9"/>
-    <p:sldId id="309" r:id="rId10"/>
-    <p:sldId id="318" r:id="rId11"/>
-    <p:sldId id="317" r:id="rId12"/>
-    <p:sldId id="311" r:id="rId13"/>
-    <p:sldId id="301" r:id="rId14"/>
-    <p:sldId id="303" r:id="rId15"/>
-    <p:sldId id="300" r:id="rId16"/>
+    <p:sldId id="321" r:id="rId4"/>
+    <p:sldId id="319" r:id="rId5"/>
+    <p:sldId id="312" r:id="rId6"/>
+    <p:sldId id="313" r:id="rId7"/>
+    <p:sldId id="308" r:id="rId8"/>
+    <p:sldId id="314" r:id="rId9"/>
+    <p:sldId id="315" r:id="rId10"/>
+    <p:sldId id="309" r:id="rId11"/>
+    <p:sldId id="318" r:id="rId12"/>
+    <p:sldId id="317" r:id="rId13"/>
+    <p:sldId id="311" r:id="rId14"/>
+    <p:sldId id="301" r:id="rId15"/>
+    <p:sldId id="303" r:id="rId16"/>
+    <p:sldId id="300" r:id="rId17"/>
   </p:sldIdLst>
   <p:sldSz cx="12192000" cy="6858000"/>
   <p:notesSz cx="6858000" cy="9144000"/>
@@ -839,7 +840,7 @@
           <a:p>
             <a:fld id="{0888DEC1-F2AB-4DD2-8E1F-AE80EFAA4036}" type="slidenum">
               <a:rPr lang="en-US" smtClean="0"/>
-              <a:t>11</a:t>
+              <a:t>12</a:t>
             </a:fld>
             <a:endParaRPr lang="en-US" dirty="0"/>
           </a:p>
@@ -1114,7 +1115,7 @@
           <a:p>
             <a:fld id="{0888DEC1-F2AB-4DD2-8E1F-AE80EFAA4036}" type="slidenum">
               <a:rPr lang="en-US" smtClean="0"/>
-              <a:t>12</a:t>
+              <a:t>13</a:t>
             </a:fld>
             <a:endParaRPr lang="en-US" dirty="0"/>
           </a:p>
@@ -1206,7 +1207,7 @@
           <a:p>
             <a:fld id="{0888DEC1-F2AB-4DD2-8E1F-AE80EFAA4036}" type="slidenum">
               <a:rPr lang="en-US" smtClean="0"/>
-              <a:t>13</a:t>
+              <a:t>14</a:t>
             </a:fld>
             <a:endParaRPr lang="en-US" dirty="0"/>
           </a:p>
@@ -1293,7 +1294,7 @@
           <a:p>
             <a:fld id="{FE065C3E-6590-437D-A330-DEC8E2D2EEDE}" type="slidenum">
               <a:rPr lang="en-US" smtClean="0"/>
-              <a:t>15</a:t>
+              <a:t>16</a:t>
             </a:fld>
             <a:endParaRPr lang="en-US" dirty="0"/>
           </a:p>
@@ -1389,7 +1390,7 @@
           <a:p>
             <a:fld id="{0888DEC1-F2AB-4DD2-8E1F-AE80EFAA4036}" type="slidenum">
               <a:rPr lang="en-US" smtClean="0"/>
-              <a:t>3</a:t>
+              <a:t>4</a:t>
             </a:fld>
             <a:endParaRPr lang="en-US" dirty="0"/>
           </a:p>
@@ -1509,7 +1510,7 @@
           <a:p>
             <a:fld id="{0888DEC1-F2AB-4DD2-8E1F-AE80EFAA4036}" type="slidenum">
               <a:rPr lang="en-US" smtClean="0"/>
-              <a:t>4</a:t>
+              <a:t>5</a:t>
             </a:fld>
             <a:endParaRPr lang="en-US" dirty="0"/>
           </a:p>
@@ -1605,7 +1606,7 @@
           <a:p>
             <a:fld id="{0888DEC1-F2AB-4DD2-8E1F-AE80EFAA4036}" type="slidenum">
               <a:rPr lang="en-US" smtClean="0"/>
-              <a:t>5</a:t>
+              <a:t>6</a:t>
             </a:fld>
             <a:endParaRPr lang="en-US" dirty="0"/>
           </a:p>
@@ -1837,7 +1838,7 @@
           <a:p>
             <a:fld id="{0888DEC1-F2AB-4DD2-8E1F-AE80EFAA4036}" type="slidenum">
               <a:rPr lang="en-US" smtClean="0"/>
-              <a:t>6</a:t>
+              <a:t>7</a:t>
             </a:fld>
             <a:endParaRPr lang="en-US" dirty="0"/>
           </a:p>
@@ -1924,7 +1925,7 @@
           <a:p>
             <a:fld id="{0888DEC1-F2AB-4DD2-8E1F-AE80EFAA4036}" type="slidenum">
               <a:rPr lang="en-US" smtClean="0"/>
-              <a:t>7</a:t>
+              <a:t>8</a:t>
             </a:fld>
             <a:endParaRPr lang="en-US" dirty="0"/>
           </a:p>
@@ -2159,7 +2160,7 @@
           <a:p>
             <a:fld id="{0888DEC1-F2AB-4DD2-8E1F-AE80EFAA4036}" type="slidenum">
               <a:rPr lang="en-US" smtClean="0"/>
-              <a:t>8</a:t>
+              <a:t>9</a:t>
             </a:fld>
             <a:endParaRPr lang="en-US" dirty="0"/>
           </a:p>
@@ -2268,7 +2269,7 @@
           <a:p>
             <a:fld id="{0888DEC1-F2AB-4DD2-8E1F-AE80EFAA4036}" type="slidenum">
               <a:rPr lang="en-US" smtClean="0"/>
-              <a:t>9</a:t>
+              <a:t>10</a:t>
             </a:fld>
             <a:endParaRPr lang="en-US" dirty="0"/>
           </a:p>
@@ -2413,7 +2414,7 @@
           <a:p>
             <a:fld id="{0888DEC1-F2AB-4DD2-8E1F-AE80EFAA4036}" type="slidenum">
               <a:rPr lang="en-US" smtClean="0"/>
-              <a:t>10</a:t>
+              <a:t>11</a:t>
             </a:fld>
             <a:endParaRPr lang="en-US" dirty="0"/>
           </a:p>
@@ -7517,6 +7518,111 @@
           <a:p>
             <a:r>
               <a:rPr lang="en-US" dirty="0"/>
+              <a:t>Demo: SQL Server Fitness Test</a:t>
+            </a:r>
+          </a:p>
+        </p:txBody>
+      </p:sp>
+      <p:sp>
+        <p:nvSpPr>
+          <p:cNvPr id="3" name="Content Placeholder 2">
+            <a:extLst>
+              <a:ext uri="{FF2B5EF4-FFF2-40B4-BE49-F238E27FC236}">
+                <a16:creationId xmlns:a16="http://schemas.microsoft.com/office/drawing/2014/main" id="{373F1335-4328-4E58-94A0-BDBC5F307700}"/>
+              </a:ext>
+            </a:extLst>
+          </p:cNvPr>
+          <p:cNvSpPr>
+            <a:spLocks noGrp="1"/>
+          </p:cNvSpPr>
+          <p:nvPr>
+            <p:ph idx="1"/>
+          </p:nvPr>
+        </p:nvSpPr>
+        <p:spPr>
+          <a:xfrm>
+            <a:off x="824345" y="1003852"/>
+            <a:ext cx="10515600" cy="5173111"/>
+          </a:xfrm>
+        </p:spPr>
+        <p:txBody>
+          <a:bodyPr/>
+          <a:lstStyle/>
+          <a:p>
+            <a:r>
+              <a:rPr lang="en-US" sz="2800" dirty="0"/>
+              <a:t>Explore </a:t>
+            </a:r>
+            <a:r>
+              <a:rPr lang="en-US" sz="2800" dirty="0" err="1"/>
+              <a:t>dbachecks</a:t>
+            </a:r>
+            <a:endParaRPr lang="en-US" sz="2800" dirty="0"/>
+          </a:p>
+          <a:p>
+            <a:r>
+              <a:rPr lang="en-US" sz="2800" dirty="0"/>
+              <a:t>Run our baseline fitness test</a:t>
+            </a:r>
+          </a:p>
+          <a:p>
+            <a:endParaRPr lang="en-US" sz="2800" dirty="0"/>
+          </a:p>
+        </p:txBody>
+      </p:sp>
+    </p:spTree>
+    <p:extLst>
+      <p:ext uri="{BB962C8B-B14F-4D97-AF65-F5344CB8AC3E}">
+        <p14:creationId xmlns:p14="http://schemas.microsoft.com/office/powerpoint/2010/main" val="3771636060"/>
+      </p:ext>
+    </p:extLst>
+  </p:cSld>
+  <p:clrMapOvr>
+    <a:masterClrMapping/>
+  </p:clrMapOvr>
+</p:sld>
+</file>
+
+<file path=ppt/slides/slide11.xml><?xml version="1.0" encoding="utf-8"?>
+<p:sld xmlns:a="http://schemas.openxmlformats.org/drawingml/2006/main" xmlns:r="http://schemas.openxmlformats.org/officeDocument/2006/relationships" xmlns:p="http://schemas.openxmlformats.org/presentationml/2006/main">
+  <p:cSld>
+    <p:spTree>
+      <p:nvGrpSpPr>
+        <p:cNvPr id="1" name=""/>
+        <p:cNvGrpSpPr/>
+        <p:nvPr/>
+      </p:nvGrpSpPr>
+      <p:grpSpPr>
+        <a:xfrm>
+          <a:off x="0" y="0"/>
+          <a:ext cx="0" cy="0"/>
+          <a:chOff x="0" y="0"/>
+          <a:chExt cx="0" cy="0"/>
+        </a:xfrm>
+      </p:grpSpPr>
+      <p:sp>
+        <p:nvSpPr>
+          <p:cNvPr id="2" name="Title 1">
+            <a:extLst>
+              <a:ext uri="{FF2B5EF4-FFF2-40B4-BE49-F238E27FC236}">
+                <a16:creationId xmlns:a16="http://schemas.microsoft.com/office/drawing/2014/main" id="{8D422263-0412-436C-BE7A-EF75789E4BDD}"/>
+              </a:ext>
+            </a:extLst>
+          </p:cNvPr>
+          <p:cNvSpPr>
+            <a:spLocks noGrp="1"/>
+          </p:cNvSpPr>
+          <p:nvPr>
+            <p:ph type="title"/>
+          </p:nvPr>
+        </p:nvSpPr>
+        <p:spPr/>
+        <p:txBody>
+          <a:bodyPr/>
+          <a:lstStyle/>
+          <a:p>
+            <a:r>
+              <a:rPr lang="en-US" dirty="0"/>
               <a:t>SQL Server Training Plan</a:t>
             </a:r>
           </a:p>
@@ -7592,7 +7698,7 @@
 </p:sld>
 </file>
 
-<file path=ppt/slides/slide11.xml><?xml version="1.0" encoding="utf-8"?>
+<file path=ppt/slides/slide12.xml><?xml version="1.0" encoding="utf-8"?>
 <p:sld xmlns:a="http://schemas.openxmlformats.org/drawingml/2006/main" xmlns:r="http://schemas.openxmlformats.org/officeDocument/2006/relationships" xmlns:p="http://schemas.openxmlformats.org/presentationml/2006/main">
   <p:cSld>
     <p:spTree>
@@ -7820,7 +7926,7 @@
 </p:sld>
 </file>
 
-<file path=ppt/slides/slide12.xml><?xml version="1.0" encoding="utf-8"?>
+<file path=ppt/slides/slide13.xml><?xml version="1.0" encoding="utf-8"?>
 <p:sld xmlns:a="http://schemas.openxmlformats.org/drawingml/2006/main" xmlns:r="http://schemas.openxmlformats.org/officeDocument/2006/relationships" xmlns:p="http://schemas.openxmlformats.org/presentationml/2006/main">
   <p:cSld>
     <p:spTree>
@@ -7992,117 +8098,6 @@
 </p:sld>
 </file>
 
-<file path=ppt/slides/slide13.xml><?xml version="1.0" encoding="utf-8"?>
-<p:sld xmlns:a="http://schemas.openxmlformats.org/drawingml/2006/main" xmlns:r="http://schemas.openxmlformats.org/officeDocument/2006/relationships" xmlns:p="http://schemas.openxmlformats.org/presentationml/2006/main">
-  <p:cSld>
-    <p:spTree>
-      <p:nvGrpSpPr>
-        <p:cNvPr id="1" name=""/>
-        <p:cNvGrpSpPr/>
-        <p:nvPr/>
-      </p:nvGrpSpPr>
-      <p:grpSpPr>
-        <a:xfrm>
-          <a:off x="0" y="0"/>
-          <a:ext cx="0" cy="0"/>
-          <a:chOff x="0" y="0"/>
-          <a:chExt cx="0" cy="0"/>
-        </a:xfrm>
-      </p:grpSpPr>
-      <p:sp>
-        <p:nvSpPr>
-          <p:cNvPr id="2" name="Title 1">
-            <a:extLst>
-              <a:ext uri="{FF2B5EF4-FFF2-40B4-BE49-F238E27FC236}">
-                <a16:creationId xmlns:a16="http://schemas.microsoft.com/office/drawing/2014/main" id="{8D422263-0412-436C-BE7A-EF75789E4BDD}"/>
-              </a:ext>
-            </a:extLst>
-          </p:cNvPr>
-          <p:cNvSpPr>
-            <a:spLocks noGrp="1"/>
-          </p:cNvSpPr>
-          <p:nvPr>
-            <p:ph type="title"/>
-          </p:nvPr>
-        </p:nvSpPr>
-        <p:spPr/>
-        <p:txBody>
-          <a:bodyPr/>
-          <a:lstStyle/>
-          <a:p>
-            <a:r>
-              <a:rPr lang="en-US" dirty="0"/>
-              <a:t>Demo Time</a:t>
-            </a:r>
-          </a:p>
-        </p:txBody>
-      </p:sp>
-      <p:sp>
-        <p:nvSpPr>
-          <p:cNvPr id="3" name="Content Placeholder 2">
-            <a:extLst>
-              <a:ext uri="{FF2B5EF4-FFF2-40B4-BE49-F238E27FC236}">
-                <a16:creationId xmlns:a16="http://schemas.microsoft.com/office/drawing/2014/main" id="{373F1335-4328-4E58-94A0-BDBC5F307700}"/>
-              </a:ext>
-            </a:extLst>
-          </p:cNvPr>
-          <p:cNvSpPr>
-            <a:spLocks noGrp="1"/>
-          </p:cNvSpPr>
-          <p:nvPr>
-            <p:ph idx="1"/>
-          </p:nvPr>
-        </p:nvSpPr>
-        <p:spPr/>
-        <p:txBody>
-          <a:bodyPr/>
-          <a:lstStyle/>
-          <a:p>
-            <a:pPr marL="0" indent="0">
-              <a:buNone/>
-            </a:pPr>
-            <a:r>
-              <a:rPr lang="en-US" dirty="0"/>
-              <a:t>Demo Files available here:</a:t>
-            </a:r>
-          </a:p>
-          <a:p>
-            <a:pPr marL="0" indent="0">
-              <a:buNone/>
-            </a:pPr>
-            <a:r>
-              <a:rPr lang="en-US" sz="2800" dirty="0">
-                <a:hlinkClick r:id="rId3"/>
-              </a:rPr>
-              <a:t>https://github.com/jpomfret/demos/tree/master/SqlEstateShape</a:t>
-            </a:r>
-            <a:endParaRPr lang="en-US" sz="2800" dirty="0"/>
-          </a:p>
-          <a:p>
-            <a:pPr marL="0" indent="0">
-              <a:buNone/>
-            </a:pPr>
-            <a:endParaRPr lang="en-US" sz="2800" dirty="0">
-              <a:highlight>
-                <a:srgbClr val="FFFF00"/>
-              </a:highlight>
-            </a:endParaRPr>
-          </a:p>
-        </p:txBody>
-      </p:sp>
-    </p:spTree>
-    <p:extLst>
-      <p:ext uri="{BB962C8B-B14F-4D97-AF65-F5344CB8AC3E}">
-        <p14:creationId xmlns:p14="http://schemas.microsoft.com/office/powerpoint/2010/main" val="1710610017"/>
-      </p:ext>
-    </p:extLst>
-  </p:cSld>
-  <p:clrMapOvr>
-    <a:masterClrMapping/>
-  </p:clrMapOvr>
-</p:sld>
-</file>
-
 <file path=ppt/slides/slide14.xml><?xml version="1.0" encoding="utf-8"?>
 <p:sld xmlns:a="http://schemas.openxmlformats.org/drawingml/2006/main" xmlns:r="http://schemas.openxmlformats.org/officeDocument/2006/relationships" xmlns:p="http://schemas.openxmlformats.org/presentationml/2006/main">
   <p:cSld>
@@ -8125,6 +8120,117 @@
           <p:cNvPr id="2" name="Title 1">
             <a:extLst>
               <a:ext uri="{FF2B5EF4-FFF2-40B4-BE49-F238E27FC236}">
+                <a16:creationId xmlns:a16="http://schemas.microsoft.com/office/drawing/2014/main" id="{8D422263-0412-436C-BE7A-EF75789E4BDD}"/>
+              </a:ext>
+            </a:extLst>
+          </p:cNvPr>
+          <p:cNvSpPr>
+            <a:spLocks noGrp="1"/>
+          </p:cNvSpPr>
+          <p:nvPr>
+            <p:ph type="title"/>
+          </p:nvPr>
+        </p:nvSpPr>
+        <p:spPr/>
+        <p:txBody>
+          <a:bodyPr/>
+          <a:lstStyle/>
+          <a:p>
+            <a:r>
+              <a:rPr lang="en-US" dirty="0"/>
+              <a:t>Demo Time</a:t>
+            </a:r>
+          </a:p>
+        </p:txBody>
+      </p:sp>
+      <p:sp>
+        <p:nvSpPr>
+          <p:cNvPr id="3" name="Content Placeholder 2">
+            <a:extLst>
+              <a:ext uri="{FF2B5EF4-FFF2-40B4-BE49-F238E27FC236}">
+                <a16:creationId xmlns:a16="http://schemas.microsoft.com/office/drawing/2014/main" id="{373F1335-4328-4E58-94A0-BDBC5F307700}"/>
+              </a:ext>
+            </a:extLst>
+          </p:cNvPr>
+          <p:cNvSpPr>
+            <a:spLocks noGrp="1"/>
+          </p:cNvSpPr>
+          <p:nvPr>
+            <p:ph idx="1"/>
+          </p:nvPr>
+        </p:nvSpPr>
+        <p:spPr/>
+        <p:txBody>
+          <a:bodyPr/>
+          <a:lstStyle/>
+          <a:p>
+            <a:pPr marL="0" indent="0">
+              <a:buNone/>
+            </a:pPr>
+            <a:r>
+              <a:rPr lang="en-US" dirty="0"/>
+              <a:t>Demo Files available here:</a:t>
+            </a:r>
+          </a:p>
+          <a:p>
+            <a:pPr marL="0" indent="0">
+              <a:buNone/>
+            </a:pPr>
+            <a:r>
+              <a:rPr lang="en-US" sz="2800" dirty="0">
+                <a:hlinkClick r:id="rId3"/>
+              </a:rPr>
+              <a:t>https://github.com/jpomfret/demos/tree/master/SqlEstateShape</a:t>
+            </a:r>
+            <a:endParaRPr lang="en-US" sz="2800" dirty="0"/>
+          </a:p>
+          <a:p>
+            <a:pPr marL="0" indent="0">
+              <a:buNone/>
+            </a:pPr>
+            <a:endParaRPr lang="en-US" sz="2800" dirty="0">
+              <a:highlight>
+                <a:srgbClr val="FFFF00"/>
+              </a:highlight>
+            </a:endParaRPr>
+          </a:p>
+        </p:txBody>
+      </p:sp>
+    </p:spTree>
+    <p:extLst>
+      <p:ext uri="{BB962C8B-B14F-4D97-AF65-F5344CB8AC3E}">
+        <p14:creationId xmlns:p14="http://schemas.microsoft.com/office/powerpoint/2010/main" val="1710610017"/>
+      </p:ext>
+    </p:extLst>
+  </p:cSld>
+  <p:clrMapOvr>
+    <a:masterClrMapping/>
+  </p:clrMapOvr>
+</p:sld>
+</file>
+
+<file path=ppt/slides/slide15.xml><?xml version="1.0" encoding="utf-8"?>
+<p:sld xmlns:a="http://schemas.openxmlformats.org/drawingml/2006/main" xmlns:r="http://schemas.openxmlformats.org/officeDocument/2006/relationships" xmlns:p="http://schemas.openxmlformats.org/presentationml/2006/main">
+  <p:cSld>
+    <p:spTree>
+      <p:nvGrpSpPr>
+        <p:cNvPr id="1" name=""/>
+        <p:cNvGrpSpPr/>
+        <p:nvPr/>
+      </p:nvGrpSpPr>
+      <p:grpSpPr>
+        <a:xfrm>
+          <a:off x="0" y="0"/>
+          <a:ext cx="0" cy="0"/>
+          <a:chOff x="0" y="0"/>
+          <a:chExt cx="0" cy="0"/>
+        </a:xfrm>
+      </p:grpSpPr>
+      <p:sp>
+        <p:nvSpPr>
+          <p:cNvPr id="2" name="Title 1">
+            <a:extLst>
+              <a:ext uri="{FF2B5EF4-FFF2-40B4-BE49-F238E27FC236}">
                 <a16:creationId xmlns:a16="http://schemas.microsoft.com/office/drawing/2014/main" id="{4867FBAA-F213-4F01-B509-33CC7B3B7F47}"/>
               </a:ext>
             </a:extLst>
@@ -8318,7 +8424,7 @@
 </p:sld>
 </file>
 
-<file path=ppt/slides/slide15.xml><?xml version="1.0" encoding="utf-8"?>
+<file path=ppt/slides/slide16.xml><?xml version="1.0" encoding="utf-8"?>
 <p:sld xmlns:a="http://schemas.openxmlformats.org/drawingml/2006/main" xmlns:r="http://schemas.openxmlformats.org/officeDocument/2006/relationships" xmlns:p="http://schemas.openxmlformats.org/presentationml/2006/main">
   <p:cSld>
     <p:spTree>
@@ -8692,6 +8798,539 @@
           <p:cNvPr id="2" name="Title 1">
             <a:extLst>
               <a:ext uri="{FF2B5EF4-FFF2-40B4-BE49-F238E27FC236}">
+                <a16:creationId xmlns:a16="http://schemas.microsoft.com/office/drawing/2014/main" id="{9BB999D7-A602-4E66-A704-5973A80F1D85}"/>
+              </a:ext>
+            </a:extLst>
+          </p:cNvPr>
+          <p:cNvSpPr>
+            <a:spLocks noGrp="1"/>
+          </p:cNvSpPr>
+          <p:nvPr>
+            <p:ph type="title"/>
+          </p:nvPr>
+        </p:nvSpPr>
+        <p:spPr/>
+        <p:txBody>
+          <a:bodyPr/>
+          <a:lstStyle/>
+          <a:p>
+            <a:r>
+              <a:rPr lang="en-GB" dirty="0"/>
+              <a:t>Database Estate</a:t>
+            </a:r>
+          </a:p>
+        </p:txBody>
+      </p:sp>
+      <p:graphicFrame>
+        <p:nvGraphicFramePr>
+          <p:cNvPr id="4" name="Table 4">
+            <a:extLst>
+              <a:ext uri="{FF2B5EF4-FFF2-40B4-BE49-F238E27FC236}">
+                <a16:creationId xmlns:a16="http://schemas.microsoft.com/office/drawing/2014/main" id="{C33DF18E-19A7-4EAC-AF2A-0469758426D6}"/>
+              </a:ext>
+            </a:extLst>
+          </p:cNvPr>
+          <p:cNvGraphicFramePr>
+            <a:graphicFrameLocks noGrp="1"/>
+          </p:cNvGraphicFramePr>
+          <p:nvPr>
+            <p:ph idx="1"/>
+            <p:extLst>
+              <p:ext uri="{D42A27DB-BD31-4B8C-83A1-F6EECF244321}">
+                <p14:modId xmlns:p14="http://schemas.microsoft.com/office/powerpoint/2010/main" val="1731403554"/>
+              </p:ext>
+            </p:extLst>
+          </p:nvPr>
+        </p:nvGraphicFramePr>
+        <p:xfrm>
+          <a:off x="838199" y="1044863"/>
+          <a:ext cx="10515601" cy="2804160"/>
+        </p:xfrm>
+        <a:graphic>
+          <a:graphicData uri="http://schemas.openxmlformats.org/drawingml/2006/table">
+            <a:tbl>
+              <a:tblPr firstRow="1" bandRow="1">
+                <a:tableStyleId>{5C22544A-7EE6-4342-B048-85BDC9FD1C3A}</a:tableStyleId>
+              </a:tblPr>
+              <a:tblGrid>
+                <a:gridCol w="1982426">
+                  <a:extLst>
+                    <a:ext uri="{9D8B030D-6E8A-4147-A177-3AD203B41FA5}">
+                      <a16:colId xmlns:a16="http://schemas.microsoft.com/office/drawing/2014/main" val="1145924454"/>
+                    </a:ext>
+                  </a:extLst>
+                </a:gridCol>
+                <a:gridCol w="2075734">
+                  <a:extLst>
+                    <a:ext uri="{9D8B030D-6E8A-4147-A177-3AD203B41FA5}">
+                      <a16:colId xmlns:a16="http://schemas.microsoft.com/office/drawing/2014/main" val="3993640234"/>
+                    </a:ext>
+                  </a:extLst>
+                </a:gridCol>
+                <a:gridCol w="3609589">
+                  <a:extLst>
+                    <a:ext uri="{9D8B030D-6E8A-4147-A177-3AD203B41FA5}">
+                      <a16:colId xmlns:a16="http://schemas.microsoft.com/office/drawing/2014/main" val="4271697109"/>
+                    </a:ext>
+                  </a:extLst>
+                </a:gridCol>
+                <a:gridCol w="2847852">
+                  <a:extLst>
+                    <a:ext uri="{9D8B030D-6E8A-4147-A177-3AD203B41FA5}">
+                      <a16:colId xmlns:a16="http://schemas.microsoft.com/office/drawing/2014/main" val="1747067810"/>
+                    </a:ext>
+                  </a:extLst>
+                </a:gridCol>
+              </a:tblGrid>
+              <a:tr h="370840">
+                <a:tc>
+                  <a:txBody>
+                    <a:bodyPr/>
+                    <a:lstStyle/>
+                    <a:p>
+                      <a:r>
+                        <a:rPr lang="en-GB" sz="2000" dirty="0"/>
+                        <a:t>Server Name</a:t>
+                      </a:r>
+                    </a:p>
+                  </a:txBody>
+                  <a:tcPr/>
+                </a:tc>
+                <a:tc>
+                  <a:txBody>
+                    <a:bodyPr/>
+                    <a:lstStyle/>
+                    <a:p>
+                      <a:r>
+                        <a:rPr lang="en-GB" sz="2000" dirty="0"/>
+                        <a:t>Instance Name</a:t>
+                      </a:r>
+                    </a:p>
+                  </a:txBody>
+                  <a:tcPr/>
+                </a:tc>
+                <a:tc>
+                  <a:txBody>
+                    <a:bodyPr/>
+                    <a:lstStyle/>
+                    <a:p>
+                      <a:r>
+                        <a:rPr lang="en-GB" sz="2000" dirty="0"/>
+                        <a:t>SQL Version</a:t>
+                      </a:r>
+                    </a:p>
+                  </a:txBody>
+                  <a:tcPr/>
+                </a:tc>
+                <a:tc>
+                  <a:txBody>
+                    <a:bodyPr/>
+                    <a:lstStyle/>
+                    <a:p>
+                      <a:r>
+                        <a:rPr lang="en-GB" sz="2000" dirty="0"/>
+                        <a:t>Databases</a:t>
+                      </a:r>
+                    </a:p>
+                  </a:txBody>
+                  <a:tcPr/>
+                </a:tc>
+                <a:extLst>
+                  <a:ext uri="{0D108BD9-81ED-4DB2-BD59-A6C34878D82A}">
+                    <a16:rowId xmlns:a16="http://schemas.microsoft.com/office/drawing/2014/main" val="1443943050"/>
+                  </a:ext>
+                </a:extLst>
+              </a:tr>
+              <a:tr h="370840">
+                <a:tc>
+                  <a:txBody>
+                    <a:bodyPr/>
+                    <a:lstStyle/>
+                    <a:p>
+                      <a:r>
+                        <a:rPr lang="en-GB" sz="2000" dirty="0"/>
+                        <a:t>mssql1</a:t>
+                      </a:r>
+                    </a:p>
+                  </a:txBody>
+                  <a:tcPr/>
+                </a:tc>
+                <a:tc>
+                  <a:txBody>
+                    <a:bodyPr/>
+                    <a:lstStyle/>
+                    <a:p>
+                      <a:r>
+                        <a:rPr lang="en-GB" sz="2000" dirty="0"/>
+                        <a:t>MSSQLSERVER</a:t>
+                      </a:r>
+                    </a:p>
+                  </a:txBody>
+                  <a:tcPr/>
+                </a:tc>
+                <a:tc>
+                  <a:txBody>
+                    <a:bodyPr/>
+                    <a:lstStyle/>
+                    <a:p>
+                      <a:r>
+                        <a:rPr lang="en-GB" sz="2000" dirty="0"/>
+                        <a:t>SQL Server 2017 - 14.0.3294</a:t>
+                      </a:r>
+                    </a:p>
+                  </a:txBody>
+                  <a:tcPr/>
+                </a:tc>
+                <a:tc>
+                  <a:txBody>
+                    <a:bodyPr/>
+                    <a:lstStyle/>
+                    <a:p>
+                      <a:pPr marL="0" marR="0" lvl="0" indent="0" algn="l" defTabSz="914400" rtl="0" eaLnBrk="1" fontAlgn="auto" latinLnBrk="0" hangingPunct="1">
+                        <a:lnSpc>
+                          <a:spcPct val="100000"/>
+                        </a:lnSpc>
+                        <a:spcBef>
+                          <a:spcPts val="0"/>
+                        </a:spcBef>
+                        <a:spcAft>
+                          <a:spcPts val="0"/>
+                        </a:spcAft>
+                        <a:buClrTx/>
+                        <a:buSzTx/>
+                        <a:buFontTx/>
+                        <a:buNone/>
+                        <a:tabLst/>
+                        <a:defRPr/>
+                      </a:pPr>
+                      <a:r>
+                        <a:rPr lang="en-GB" sz="2000" b="0" kern="1200" dirty="0">
+                          <a:solidFill>
+                            <a:schemeClr val="dk1"/>
+                          </a:solidFill>
+                          <a:effectLst/>
+                          <a:latin typeface="+mn-lt"/>
+                          <a:ea typeface="+mn-ea"/>
+                          <a:cs typeface="+mn-cs"/>
+                        </a:rPr>
+                        <a:t>AdventureWorks2017</a:t>
+                      </a:r>
+                    </a:p>
+                    <a:p>
+                      <a:pPr marL="0" marR="0" lvl="0" indent="0" algn="l" defTabSz="914400" rtl="0" eaLnBrk="1" fontAlgn="auto" latinLnBrk="0" hangingPunct="1">
+                        <a:lnSpc>
+                          <a:spcPct val="100000"/>
+                        </a:lnSpc>
+                        <a:spcBef>
+                          <a:spcPts val="0"/>
+                        </a:spcBef>
+                        <a:spcAft>
+                          <a:spcPts val="0"/>
+                        </a:spcAft>
+                        <a:buClrTx/>
+                        <a:buSzTx/>
+                        <a:buFontTx/>
+                        <a:buNone/>
+                        <a:tabLst/>
+                        <a:defRPr/>
+                      </a:pPr>
+                      <a:r>
+                        <a:rPr lang="en-GB" sz="2000" b="0" kern="1200" dirty="0" err="1">
+                          <a:solidFill>
+                            <a:schemeClr val="dk1"/>
+                          </a:solidFill>
+                          <a:effectLst/>
+                          <a:latin typeface="+mn-lt"/>
+                          <a:ea typeface="+mn-ea"/>
+                          <a:cs typeface="+mn-cs"/>
+                        </a:rPr>
+                        <a:t>DatabaseAdmin</a:t>
+                      </a:r>
+                      <a:endParaRPr lang="en-GB" sz="2000" b="0" kern="1200" dirty="0">
+                        <a:solidFill>
+                          <a:schemeClr val="dk1"/>
+                        </a:solidFill>
+                        <a:effectLst/>
+                        <a:latin typeface="+mn-lt"/>
+                        <a:ea typeface="+mn-ea"/>
+                        <a:cs typeface="+mn-cs"/>
+                      </a:endParaRPr>
+                    </a:p>
+                    <a:p>
+                      <a:pPr marL="0" marR="0" lvl="0" indent="0" algn="l" defTabSz="914400" rtl="0" eaLnBrk="1" fontAlgn="auto" latinLnBrk="0" hangingPunct="1">
+                        <a:lnSpc>
+                          <a:spcPct val="100000"/>
+                        </a:lnSpc>
+                        <a:spcBef>
+                          <a:spcPts val="0"/>
+                        </a:spcBef>
+                        <a:spcAft>
+                          <a:spcPts val="0"/>
+                        </a:spcAft>
+                        <a:buClrTx/>
+                        <a:buSzTx/>
+                        <a:buFontTx/>
+                        <a:buNone/>
+                        <a:tabLst/>
+                        <a:defRPr/>
+                      </a:pPr>
+                      <a:r>
+                        <a:rPr lang="en-GB" sz="2000" b="0" kern="1200" dirty="0" err="1">
+                          <a:solidFill>
+                            <a:schemeClr val="dk1"/>
+                          </a:solidFill>
+                          <a:effectLst/>
+                          <a:latin typeface="+mn-lt"/>
+                          <a:ea typeface="+mn-ea"/>
+                          <a:cs typeface="+mn-cs"/>
+                        </a:rPr>
+                        <a:t>ImportantAppDb</a:t>
+                      </a:r>
+                      <a:endParaRPr lang="en-GB" sz="2000" b="0" kern="1200" dirty="0">
+                        <a:solidFill>
+                          <a:schemeClr val="dk1"/>
+                        </a:solidFill>
+                        <a:effectLst/>
+                        <a:latin typeface="+mn-lt"/>
+                        <a:ea typeface="+mn-ea"/>
+                        <a:cs typeface="+mn-cs"/>
+                      </a:endParaRPr>
+                    </a:p>
+                    <a:p>
+                      <a:pPr marL="0" marR="0" lvl="0" indent="0" algn="l" defTabSz="914400" rtl="0" eaLnBrk="1" fontAlgn="auto" latinLnBrk="0" hangingPunct="1">
+                        <a:lnSpc>
+                          <a:spcPct val="100000"/>
+                        </a:lnSpc>
+                        <a:spcBef>
+                          <a:spcPts val="0"/>
+                        </a:spcBef>
+                        <a:spcAft>
+                          <a:spcPts val="0"/>
+                        </a:spcAft>
+                        <a:buClrTx/>
+                        <a:buSzTx/>
+                        <a:buFontTx/>
+                        <a:buNone/>
+                        <a:tabLst/>
+                        <a:defRPr/>
+                      </a:pPr>
+                      <a:r>
+                        <a:rPr lang="en-GB" sz="2000" b="0" kern="1200" dirty="0">
+                          <a:solidFill>
+                            <a:schemeClr val="dk1"/>
+                          </a:solidFill>
+                          <a:effectLst/>
+                          <a:latin typeface="+mn-lt"/>
+                          <a:ea typeface="+mn-ea"/>
+                          <a:cs typeface="+mn-cs"/>
+                        </a:rPr>
+                        <a:t>ImportantAppDb2</a:t>
+                      </a:r>
+                    </a:p>
+                  </a:txBody>
+                  <a:tcPr/>
+                </a:tc>
+                <a:extLst>
+                  <a:ext uri="{0D108BD9-81ED-4DB2-BD59-A6C34878D82A}">
+                    <a16:rowId xmlns:a16="http://schemas.microsoft.com/office/drawing/2014/main" val="1137689292"/>
+                  </a:ext>
+                </a:extLst>
+              </a:tr>
+              <a:tr h="370840">
+                <a:tc>
+                  <a:txBody>
+                    <a:bodyPr/>
+                    <a:lstStyle/>
+                    <a:p>
+                      <a:r>
+                        <a:rPr lang="en-GB" sz="2000" dirty="0"/>
+                        <a:t>mssql2</a:t>
+                      </a:r>
+                    </a:p>
+                  </a:txBody>
+                  <a:tcPr/>
+                </a:tc>
+                <a:tc>
+                  <a:txBody>
+                    <a:bodyPr/>
+                    <a:lstStyle/>
+                    <a:p>
+                      <a:r>
+                        <a:rPr lang="en-GB" sz="2000" dirty="0"/>
+                        <a:t>MSSQLSERVER</a:t>
+                      </a:r>
+                    </a:p>
+                  </a:txBody>
+                  <a:tcPr/>
+                </a:tc>
+                <a:tc>
+                  <a:txBody>
+                    <a:bodyPr/>
+                    <a:lstStyle/>
+                    <a:p>
+                      <a:r>
+                        <a:rPr lang="en-GB" sz="2000" dirty="0"/>
+                        <a:t>SQL Server 2017 - 14.0.3294</a:t>
+                      </a:r>
+                    </a:p>
+                  </a:txBody>
+                  <a:tcPr/>
+                </a:tc>
+                <a:tc>
+                  <a:txBody>
+                    <a:bodyPr/>
+                    <a:lstStyle/>
+                    <a:p>
+                      <a:pPr marL="0" marR="0" lvl="0" indent="0" algn="l" defTabSz="914400" rtl="0" eaLnBrk="1" fontAlgn="auto" latinLnBrk="0" hangingPunct="1">
+                        <a:lnSpc>
+                          <a:spcPct val="100000"/>
+                        </a:lnSpc>
+                        <a:spcBef>
+                          <a:spcPts val="0"/>
+                        </a:spcBef>
+                        <a:spcAft>
+                          <a:spcPts val="0"/>
+                        </a:spcAft>
+                        <a:buClrTx/>
+                        <a:buSzTx/>
+                        <a:buFontTx/>
+                        <a:buNone/>
+                        <a:tabLst/>
+                        <a:defRPr/>
+                      </a:pPr>
+                      <a:r>
+                        <a:rPr lang="en-GB" sz="2000" b="0" kern="1200" dirty="0" err="1">
+                          <a:solidFill>
+                            <a:schemeClr val="dk1"/>
+                          </a:solidFill>
+                          <a:effectLst/>
+                          <a:latin typeface="+mn-lt"/>
+                          <a:ea typeface="+mn-ea"/>
+                          <a:cs typeface="+mn-cs"/>
+                        </a:rPr>
+                        <a:t>DatabaseAdmin</a:t>
+                      </a:r>
+                      <a:endParaRPr lang="en-GB" sz="2000" dirty="0"/>
+                    </a:p>
+                  </a:txBody>
+                  <a:tcPr/>
+                </a:tc>
+                <a:extLst>
+                  <a:ext uri="{0D108BD9-81ED-4DB2-BD59-A6C34878D82A}">
+                    <a16:rowId xmlns:a16="http://schemas.microsoft.com/office/drawing/2014/main" val="2149620910"/>
+                  </a:ext>
+                </a:extLst>
+              </a:tr>
+              <a:tr h="370840">
+                <a:tc>
+                  <a:txBody>
+                    <a:bodyPr/>
+                    <a:lstStyle/>
+                    <a:p>
+                      <a:r>
+                        <a:rPr lang="en-GB" sz="2000" dirty="0"/>
+                        <a:t>mssql3</a:t>
+                      </a:r>
+                    </a:p>
+                  </a:txBody>
+                  <a:tcPr/>
+                </a:tc>
+                <a:tc>
+                  <a:txBody>
+                    <a:bodyPr/>
+                    <a:lstStyle/>
+                    <a:p>
+                      <a:r>
+                        <a:rPr lang="en-GB" sz="2000" dirty="0"/>
+                        <a:t>MSSQLSERVER</a:t>
+                      </a:r>
+                    </a:p>
+                  </a:txBody>
+                  <a:tcPr/>
+                </a:tc>
+                <a:tc>
+                  <a:txBody>
+                    <a:bodyPr/>
+                    <a:lstStyle/>
+                    <a:p>
+                      <a:r>
+                        <a:rPr lang="en-GB" sz="2000" dirty="0"/>
+                        <a:t>SQL Server 2017 - 14.0.3294</a:t>
+                      </a:r>
+                    </a:p>
+                  </a:txBody>
+                  <a:tcPr/>
+                </a:tc>
+                <a:tc>
+                  <a:txBody>
+                    <a:bodyPr/>
+                    <a:lstStyle/>
+                    <a:p>
+                      <a:r>
+                        <a:rPr lang="en-GB" sz="2000" dirty="0" err="1"/>
+                        <a:t>ImportantAppDW</a:t>
+                      </a:r>
+                      <a:r>
+                        <a:rPr lang="en-GB" sz="2000" dirty="0"/>
+                        <a:t>    </a:t>
+                      </a:r>
+                      <a:r>
+                        <a:rPr lang="en-GB" sz="2000" dirty="0" err="1"/>
+                        <a:t>DatabaseAdmin</a:t>
+                      </a:r>
+                      <a:r>
+                        <a:rPr lang="en-GB" sz="2000" dirty="0"/>
+                        <a:t> </a:t>
+                      </a:r>
+                    </a:p>
+                  </a:txBody>
+                  <a:tcPr/>
+                </a:tc>
+                <a:extLst>
+                  <a:ext uri="{0D108BD9-81ED-4DB2-BD59-A6C34878D82A}">
+                    <a16:rowId xmlns:a16="http://schemas.microsoft.com/office/drawing/2014/main" val="1013372516"/>
+                  </a:ext>
+                </a:extLst>
+              </a:tr>
+            </a:tbl>
+          </a:graphicData>
+        </a:graphic>
+      </p:graphicFrame>
+    </p:spTree>
+    <p:extLst>
+      <p:ext uri="{BB962C8B-B14F-4D97-AF65-F5344CB8AC3E}">
+        <p14:creationId xmlns:p14="http://schemas.microsoft.com/office/powerpoint/2010/main" val="926797922"/>
+      </p:ext>
+    </p:extLst>
+  </p:cSld>
+  <p:clrMapOvr>
+    <a:masterClrMapping/>
+  </p:clrMapOvr>
+</p:sld>
+</file>
+
+<file path=ppt/slides/slide4.xml><?xml version="1.0" encoding="utf-8"?>
+<p:sld xmlns:a="http://schemas.openxmlformats.org/drawingml/2006/main" xmlns:r="http://schemas.openxmlformats.org/officeDocument/2006/relationships" xmlns:p="http://schemas.openxmlformats.org/presentationml/2006/main">
+  <p:cSld>
+    <p:spTree>
+      <p:nvGrpSpPr>
+        <p:cNvPr id="1" name=""/>
+        <p:cNvGrpSpPr/>
+        <p:nvPr/>
+      </p:nvGrpSpPr>
+      <p:grpSpPr>
+        <a:xfrm>
+          <a:off x="0" y="0"/>
+          <a:ext cx="0" cy="0"/>
+          <a:chOff x="0" y="0"/>
+          <a:chExt cx="0" cy="0"/>
+        </a:xfrm>
+      </p:grpSpPr>
+      <p:sp>
+        <p:nvSpPr>
+          <p:cNvPr id="2" name="Title 1">
+            <a:extLst>
+              <a:ext uri="{FF2B5EF4-FFF2-40B4-BE49-F238E27FC236}">
                 <a16:creationId xmlns:a16="http://schemas.microsoft.com/office/drawing/2014/main" id="{DEDB6D27-FC80-4DD8-8D9F-C27D4D63097D}"/>
               </a:ext>
             </a:extLst>
@@ -8943,7 +9582,7 @@
 </p:sld>
 </file>
 
-<file path=ppt/slides/slide4.xml><?xml version="1.0" encoding="utf-8"?>
+<file path=ppt/slides/slide5.xml><?xml version="1.0" encoding="utf-8"?>
 <p:sld xmlns:a="http://schemas.openxmlformats.org/drawingml/2006/main" xmlns:r="http://schemas.openxmlformats.org/officeDocument/2006/relationships" xmlns:p="http://schemas.openxmlformats.org/presentationml/2006/main">
   <p:cSld>
     <p:spTree>
@@ -9253,7 +9892,7 @@
 </p:sld>
 </file>
 
-<file path=ppt/slides/slide5.xml><?xml version="1.0" encoding="utf-8"?>
+<file path=ppt/slides/slide6.xml><?xml version="1.0" encoding="utf-8"?>
 <p:sld xmlns:a="http://schemas.openxmlformats.org/drawingml/2006/main" xmlns:r="http://schemas.openxmlformats.org/officeDocument/2006/relationships" xmlns:p="http://schemas.openxmlformats.org/presentationml/2006/main">
   <p:cSld>
     <p:spTree>
@@ -9363,7 +10002,7 @@
 </p:sld>
 </file>
 
-<file path=ppt/slides/slide6.xml><?xml version="1.0" encoding="utf-8"?>
+<file path=ppt/slides/slide7.xml><?xml version="1.0" encoding="utf-8"?>
 <p:sld xmlns:a="http://schemas.openxmlformats.org/drawingml/2006/main" xmlns:r="http://schemas.openxmlformats.org/officeDocument/2006/relationships" xmlns:p="http://schemas.openxmlformats.org/presentationml/2006/main">
   <p:cSld>
     <p:spTree>
@@ -9691,7 +10330,7 @@
 </p:sld>
 </file>
 
-<file path=ppt/slides/slide7.xml><?xml version="1.0" encoding="utf-8"?>
+<file path=ppt/slides/slide8.xml><?xml version="1.0" encoding="utf-8"?>
 <p:sld xmlns:a="http://schemas.openxmlformats.org/drawingml/2006/main" xmlns:r="http://schemas.openxmlformats.org/officeDocument/2006/relationships" xmlns:p="http://schemas.openxmlformats.org/presentationml/2006/main">
   <p:cSld>
     <p:spTree>
@@ -9801,7 +10440,7 @@
 </p:sld>
 </file>
 
-<file path=ppt/slides/slide8.xml><?xml version="1.0" encoding="utf-8"?>
+<file path=ppt/slides/slide9.xml><?xml version="1.0" encoding="utf-8"?>
 <p:sld xmlns:a="http://schemas.openxmlformats.org/drawingml/2006/main" xmlns:r="http://schemas.openxmlformats.org/officeDocument/2006/relationships" xmlns:p="http://schemas.openxmlformats.org/presentationml/2006/main">
   <p:cSld>
     <p:spTree>
@@ -10139,111 +10778,6 @@
     <p:extLst>
       <p:ext uri="{BB962C8B-B14F-4D97-AF65-F5344CB8AC3E}">
         <p14:creationId xmlns:p14="http://schemas.microsoft.com/office/powerpoint/2010/main" val="3895191517"/>
-      </p:ext>
-    </p:extLst>
-  </p:cSld>
-  <p:clrMapOvr>
-    <a:masterClrMapping/>
-  </p:clrMapOvr>
-</p:sld>
-</file>
-
-<file path=ppt/slides/slide9.xml><?xml version="1.0" encoding="utf-8"?>
-<p:sld xmlns:a="http://schemas.openxmlformats.org/drawingml/2006/main" xmlns:r="http://schemas.openxmlformats.org/officeDocument/2006/relationships" xmlns:p="http://schemas.openxmlformats.org/presentationml/2006/main">
-  <p:cSld>
-    <p:spTree>
-      <p:nvGrpSpPr>
-        <p:cNvPr id="1" name=""/>
-        <p:cNvGrpSpPr/>
-        <p:nvPr/>
-      </p:nvGrpSpPr>
-      <p:grpSpPr>
-        <a:xfrm>
-          <a:off x="0" y="0"/>
-          <a:ext cx="0" cy="0"/>
-          <a:chOff x="0" y="0"/>
-          <a:chExt cx="0" cy="0"/>
-        </a:xfrm>
-      </p:grpSpPr>
-      <p:sp>
-        <p:nvSpPr>
-          <p:cNvPr id="2" name="Title 1">
-            <a:extLst>
-              <a:ext uri="{FF2B5EF4-FFF2-40B4-BE49-F238E27FC236}">
-                <a16:creationId xmlns:a16="http://schemas.microsoft.com/office/drawing/2014/main" id="{8D422263-0412-436C-BE7A-EF75789E4BDD}"/>
-              </a:ext>
-            </a:extLst>
-          </p:cNvPr>
-          <p:cNvSpPr>
-            <a:spLocks noGrp="1"/>
-          </p:cNvSpPr>
-          <p:nvPr>
-            <p:ph type="title"/>
-          </p:nvPr>
-        </p:nvSpPr>
-        <p:spPr/>
-        <p:txBody>
-          <a:bodyPr/>
-          <a:lstStyle/>
-          <a:p>
-            <a:r>
-              <a:rPr lang="en-US" dirty="0"/>
-              <a:t>Demo: SQL Server Fitness Test</a:t>
-            </a:r>
-          </a:p>
-        </p:txBody>
-      </p:sp>
-      <p:sp>
-        <p:nvSpPr>
-          <p:cNvPr id="3" name="Content Placeholder 2">
-            <a:extLst>
-              <a:ext uri="{FF2B5EF4-FFF2-40B4-BE49-F238E27FC236}">
-                <a16:creationId xmlns:a16="http://schemas.microsoft.com/office/drawing/2014/main" id="{373F1335-4328-4E58-94A0-BDBC5F307700}"/>
-              </a:ext>
-            </a:extLst>
-          </p:cNvPr>
-          <p:cNvSpPr>
-            <a:spLocks noGrp="1"/>
-          </p:cNvSpPr>
-          <p:nvPr>
-            <p:ph idx="1"/>
-          </p:nvPr>
-        </p:nvSpPr>
-        <p:spPr>
-          <a:xfrm>
-            <a:off x="824345" y="1003852"/>
-            <a:ext cx="10515600" cy="5173111"/>
-          </a:xfrm>
-        </p:spPr>
-        <p:txBody>
-          <a:bodyPr/>
-          <a:lstStyle/>
-          <a:p>
-            <a:r>
-              <a:rPr lang="en-US" sz="2800" dirty="0"/>
-              <a:t>Explore </a:t>
-            </a:r>
-            <a:r>
-              <a:rPr lang="en-US" sz="2800" dirty="0" err="1"/>
-              <a:t>dbachecks</a:t>
-            </a:r>
-            <a:endParaRPr lang="en-US" sz="2800" dirty="0"/>
-          </a:p>
-          <a:p>
-            <a:r>
-              <a:rPr lang="en-US" sz="2800" dirty="0"/>
-              <a:t>Run our baseline fitness test</a:t>
-            </a:r>
-          </a:p>
-          <a:p>
-            <a:endParaRPr lang="en-US" sz="2800" dirty="0"/>
-          </a:p>
-        </p:txBody>
-      </p:sp>
-    </p:spTree>
-    <p:extLst>
-      <p:ext uri="{BB962C8B-B14F-4D97-AF65-F5344CB8AC3E}">
-        <p14:creationId xmlns:p14="http://schemas.microsoft.com/office/powerpoint/2010/main" val="3771636060"/>
       </p:ext>
     </p:extLst>
   </p:cSld>

--- a/SqlEstateShape/SqlEstateShape.pptx
+++ b/SqlEstateShape/SqlEstateShape.pptx
@@ -5,7 +5,7 @@
     <p:sldMasterId id="2147483671" r:id="rId1"/>
   </p:sldMasterIdLst>
   <p:notesMasterIdLst>
-    <p:notesMasterId r:id="rId18"/>
+    <p:notesMasterId r:id="rId20"/>
   </p:notesMasterIdLst>
   <p:sldIdLst>
     <p:sldId id="256" r:id="rId2"/>
@@ -21,9 +21,11 @@
     <p:sldId id="318" r:id="rId12"/>
     <p:sldId id="317" r:id="rId13"/>
     <p:sldId id="311" r:id="rId14"/>
-    <p:sldId id="301" r:id="rId15"/>
-    <p:sldId id="303" r:id="rId16"/>
-    <p:sldId id="300" r:id="rId17"/>
+    <p:sldId id="323" r:id="rId15"/>
+    <p:sldId id="325" r:id="rId16"/>
+    <p:sldId id="301" r:id="rId17"/>
+    <p:sldId id="303" r:id="rId18"/>
+    <p:sldId id="300" r:id="rId19"/>
   </p:sldIdLst>
   <p:sldSz cx="12192000" cy="6858000"/>
   <p:notesSz cx="6858000" cy="9144000"/>
@@ -138,6 +140,2545 @@
 </p1510:revInfo>
 </file>
 
+<file path=ppt/diagrams/colors1.xml><?xml version="1.0" encoding="utf-8"?>
+<dgm:colorsDef xmlns:dgm="http://schemas.openxmlformats.org/drawingml/2006/diagram" xmlns:a="http://schemas.openxmlformats.org/drawingml/2006/main" uniqueId="urn:microsoft.com/office/officeart/2005/8/colors/accent1_2">
+  <dgm:title val=""/>
+  <dgm:desc val=""/>
+  <dgm:catLst>
+    <dgm:cat type="accent1" pri="11200"/>
+  </dgm:catLst>
+  <dgm:styleLbl name="node0">
+    <dgm:fillClrLst meth="repeat">
+      <a:schemeClr val="accent1"/>
+    </dgm:fillClrLst>
+    <dgm:linClrLst meth="repeat">
+      <a:schemeClr val="lt1"/>
+    </dgm:linClrLst>
+    <dgm:effectClrLst/>
+    <dgm:txLinClrLst/>
+    <dgm:txFillClrLst/>
+    <dgm:txEffectClrLst/>
+  </dgm:styleLbl>
+  <dgm:styleLbl name="alignNode1">
+    <dgm:fillClrLst meth="repeat">
+      <a:schemeClr val="accent1"/>
+    </dgm:fillClrLst>
+    <dgm:linClrLst meth="repeat">
+      <a:schemeClr val="accent1"/>
+    </dgm:linClrLst>
+    <dgm:effectClrLst/>
+    <dgm:txLinClrLst/>
+    <dgm:txFillClrLst/>
+    <dgm:txEffectClrLst/>
+  </dgm:styleLbl>
+  <dgm:styleLbl name="node1">
+    <dgm:fillClrLst meth="repeat">
+      <a:schemeClr val="accent1"/>
+    </dgm:fillClrLst>
+    <dgm:linClrLst meth="repeat">
+      <a:schemeClr val="lt1"/>
+    </dgm:linClrLst>
+    <dgm:effectClrLst/>
+    <dgm:txLinClrLst/>
+    <dgm:txFillClrLst/>
+    <dgm:txEffectClrLst/>
+  </dgm:styleLbl>
+  <dgm:styleLbl name="lnNode1">
+    <dgm:fillClrLst meth="repeat">
+      <a:schemeClr val="accent1"/>
+    </dgm:fillClrLst>
+    <dgm:linClrLst meth="repeat">
+      <a:schemeClr val="lt1"/>
+    </dgm:linClrLst>
+    <dgm:effectClrLst/>
+    <dgm:txLinClrLst/>
+    <dgm:txFillClrLst/>
+    <dgm:txEffectClrLst/>
+  </dgm:styleLbl>
+  <dgm:styleLbl name="vennNode1">
+    <dgm:fillClrLst meth="repeat">
+      <a:schemeClr val="accent1">
+        <a:alpha val="50000"/>
+      </a:schemeClr>
+    </dgm:fillClrLst>
+    <dgm:linClrLst meth="repeat">
+      <a:schemeClr val="lt1"/>
+    </dgm:linClrLst>
+    <dgm:effectClrLst/>
+    <dgm:txLinClrLst/>
+    <dgm:txFillClrLst/>
+    <dgm:txEffectClrLst/>
+  </dgm:styleLbl>
+  <dgm:styleLbl name="node2">
+    <dgm:fillClrLst meth="repeat">
+      <a:schemeClr val="accent1"/>
+    </dgm:fillClrLst>
+    <dgm:linClrLst meth="repeat">
+      <a:schemeClr val="lt1"/>
+    </dgm:linClrLst>
+    <dgm:effectClrLst/>
+    <dgm:txLinClrLst/>
+    <dgm:txFillClrLst/>
+    <dgm:txEffectClrLst/>
+  </dgm:styleLbl>
+  <dgm:styleLbl name="node3">
+    <dgm:fillClrLst meth="repeat">
+      <a:schemeClr val="accent1"/>
+    </dgm:fillClrLst>
+    <dgm:linClrLst meth="repeat">
+      <a:schemeClr val="lt1"/>
+    </dgm:linClrLst>
+    <dgm:effectClrLst/>
+    <dgm:txLinClrLst/>
+    <dgm:txFillClrLst/>
+    <dgm:txEffectClrLst/>
+  </dgm:styleLbl>
+  <dgm:styleLbl name="node4">
+    <dgm:fillClrLst meth="repeat">
+      <a:schemeClr val="accent1"/>
+    </dgm:fillClrLst>
+    <dgm:linClrLst meth="repeat">
+      <a:schemeClr val="lt1"/>
+    </dgm:linClrLst>
+    <dgm:effectClrLst/>
+    <dgm:txLinClrLst/>
+    <dgm:txFillClrLst/>
+    <dgm:txEffectClrLst/>
+  </dgm:styleLbl>
+  <dgm:styleLbl name="fgImgPlace1">
+    <dgm:fillClrLst meth="repeat">
+      <a:schemeClr val="accent1">
+        <a:tint val="50000"/>
+      </a:schemeClr>
+    </dgm:fillClrLst>
+    <dgm:linClrLst meth="repeat">
+      <a:schemeClr val="lt1"/>
+    </dgm:linClrLst>
+    <dgm:effectClrLst/>
+    <dgm:txLinClrLst/>
+    <dgm:txFillClrLst meth="repeat">
+      <a:schemeClr val="lt1"/>
+    </dgm:txFillClrLst>
+    <dgm:txEffectClrLst/>
+  </dgm:styleLbl>
+  <dgm:styleLbl name="alignImgPlace1">
+    <dgm:fillClrLst meth="repeat">
+      <a:schemeClr val="accent1">
+        <a:tint val="50000"/>
+      </a:schemeClr>
+    </dgm:fillClrLst>
+    <dgm:linClrLst meth="repeat">
+      <a:schemeClr val="lt1"/>
+    </dgm:linClrLst>
+    <dgm:effectClrLst/>
+    <dgm:txLinClrLst/>
+    <dgm:txFillClrLst meth="repeat">
+      <a:schemeClr val="lt1"/>
+    </dgm:txFillClrLst>
+    <dgm:txEffectClrLst/>
+  </dgm:styleLbl>
+  <dgm:styleLbl name="bgImgPlace1">
+    <dgm:fillClrLst meth="repeat">
+      <a:schemeClr val="accent1">
+        <a:tint val="50000"/>
+      </a:schemeClr>
+    </dgm:fillClrLst>
+    <dgm:linClrLst meth="repeat">
+      <a:schemeClr val="lt1"/>
+    </dgm:linClrLst>
+    <dgm:effectClrLst/>
+    <dgm:txLinClrLst/>
+    <dgm:txFillClrLst meth="repeat">
+      <a:schemeClr val="lt1"/>
+    </dgm:txFillClrLst>
+    <dgm:txEffectClrLst/>
+  </dgm:styleLbl>
+  <dgm:styleLbl name="sibTrans2D1">
+    <dgm:fillClrLst meth="repeat">
+      <a:schemeClr val="accent1">
+        <a:tint val="60000"/>
+      </a:schemeClr>
+    </dgm:fillClrLst>
+    <dgm:linClrLst meth="repeat">
+      <a:schemeClr val="accent1">
+        <a:tint val="60000"/>
+      </a:schemeClr>
+    </dgm:linClrLst>
+    <dgm:effectClrLst/>
+    <dgm:txLinClrLst/>
+    <dgm:txFillClrLst/>
+    <dgm:txEffectClrLst/>
+  </dgm:styleLbl>
+  <dgm:styleLbl name="fgSibTrans2D1">
+    <dgm:fillClrLst meth="repeat">
+      <a:schemeClr val="accent1">
+        <a:tint val="60000"/>
+      </a:schemeClr>
+    </dgm:fillClrLst>
+    <dgm:linClrLst meth="repeat">
+      <a:schemeClr val="accent1">
+        <a:tint val="60000"/>
+      </a:schemeClr>
+    </dgm:linClrLst>
+    <dgm:effectClrLst/>
+    <dgm:txLinClrLst/>
+    <dgm:txFillClrLst/>
+    <dgm:txEffectClrLst/>
+  </dgm:styleLbl>
+  <dgm:styleLbl name="bgSibTrans2D1">
+    <dgm:fillClrLst meth="repeat">
+      <a:schemeClr val="accent1">
+        <a:tint val="60000"/>
+      </a:schemeClr>
+    </dgm:fillClrLst>
+    <dgm:linClrLst meth="repeat">
+      <a:schemeClr val="accent1">
+        <a:tint val="60000"/>
+      </a:schemeClr>
+    </dgm:linClrLst>
+    <dgm:effectClrLst/>
+    <dgm:txLinClrLst/>
+    <dgm:txFillClrLst/>
+    <dgm:txEffectClrLst/>
+  </dgm:styleLbl>
+  <dgm:styleLbl name="sibTrans1D1">
+    <dgm:fillClrLst meth="repeat">
+      <a:schemeClr val="accent1"/>
+    </dgm:fillClrLst>
+    <dgm:linClrLst meth="repeat">
+      <a:schemeClr val="accent1"/>
+    </dgm:linClrLst>
+    <dgm:effectClrLst/>
+    <dgm:txLinClrLst/>
+    <dgm:txFillClrLst meth="repeat">
+      <a:schemeClr val="tx1"/>
+    </dgm:txFillClrLst>
+    <dgm:txEffectClrLst/>
+  </dgm:styleLbl>
+  <dgm:styleLbl name="callout">
+    <dgm:fillClrLst meth="repeat">
+      <a:schemeClr val="accent1"/>
+    </dgm:fillClrLst>
+    <dgm:linClrLst meth="repeat">
+      <a:schemeClr val="accent1">
+        <a:tint val="50000"/>
+      </a:schemeClr>
+    </dgm:linClrLst>
+    <dgm:effectClrLst/>
+    <dgm:txLinClrLst/>
+    <dgm:txFillClrLst meth="repeat">
+      <a:schemeClr val="tx1"/>
+    </dgm:txFillClrLst>
+    <dgm:txEffectClrLst/>
+  </dgm:styleLbl>
+  <dgm:styleLbl name="asst0">
+    <dgm:fillClrLst meth="repeat">
+      <a:schemeClr val="accent1"/>
+    </dgm:fillClrLst>
+    <dgm:linClrLst meth="repeat">
+      <a:schemeClr val="lt1"/>
+    </dgm:linClrLst>
+    <dgm:effectClrLst/>
+    <dgm:txLinClrLst/>
+    <dgm:txFillClrLst/>
+    <dgm:txEffectClrLst/>
+  </dgm:styleLbl>
+  <dgm:styleLbl name="asst1">
+    <dgm:fillClrLst meth="repeat">
+      <a:schemeClr val="accent1"/>
+    </dgm:fillClrLst>
+    <dgm:linClrLst meth="repeat">
+      <a:schemeClr val="lt1"/>
+    </dgm:linClrLst>
+    <dgm:effectClrLst/>
+    <dgm:txLinClrLst/>
+    <dgm:txFillClrLst/>
+    <dgm:txEffectClrLst/>
+  </dgm:styleLbl>
+  <dgm:styleLbl name="asst2">
+    <dgm:fillClrLst meth="repeat">
+      <a:schemeClr val="accent1"/>
+    </dgm:fillClrLst>
+    <dgm:linClrLst meth="repeat">
+      <a:schemeClr val="lt1"/>
+    </dgm:linClrLst>
+    <dgm:effectClrLst/>
+    <dgm:txLinClrLst/>
+    <dgm:txFillClrLst/>
+    <dgm:txEffectClrLst/>
+  </dgm:styleLbl>
+  <dgm:styleLbl name="asst3">
+    <dgm:fillClrLst meth="repeat">
+      <a:schemeClr val="accent1"/>
+    </dgm:fillClrLst>
+    <dgm:linClrLst meth="repeat">
+      <a:schemeClr val="lt1"/>
+    </dgm:linClrLst>
+    <dgm:effectClrLst/>
+    <dgm:txLinClrLst/>
+    <dgm:txFillClrLst/>
+    <dgm:txEffectClrLst/>
+  </dgm:styleLbl>
+  <dgm:styleLbl name="asst4">
+    <dgm:fillClrLst meth="repeat">
+      <a:schemeClr val="accent1"/>
+    </dgm:fillClrLst>
+    <dgm:linClrLst meth="repeat">
+      <a:schemeClr val="lt1"/>
+    </dgm:linClrLst>
+    <dgm:effectClrLst/>
+    <dgm:txLinClrLst/>
+    <dgm:txFillClrLst/>
+    <dgm:txEffectClrLst/>
+  </dgm:styleLbl>
+  <dgm:styleLbl name="parChTrans2D1">
+    <dgm:fillClrLst meth="repeat">
+      <a:schemeClr val="accent1">
+        <a:tint val="60000"/>
+      </a:schemeClr>
+    </dgm:fillClrLst>
+    <dgm:linClrLst meth="repeat">
+      <a:schemeClr val="accent1">
+        <a:tint val="60000"/>
+      </a:schemeClr>
+    </dgm:linClrLst>
+    <dgm:effectClrLst/>
+    <dgm:txLinClrLst/>
+    <dgm:txFillClrLst meth="repeat">
+      <a:schemeClr val="lt1"/>
+    </dgm:txFillClrLst>
+    <dgm:txEffectClrLst/>
+  </dgm:styleLbl>
+  <dgm:styleLbl name="parChTrans2D2">
+    <dgm:fillClrLst meth="repeat">
+      <a:schemeClr val="accent1"/>
+    </dgm:fillClrLst>
+    <dgm:linClrLst meth="repeat">
+      <a:schemeClr val="accent1"/>
+    </dgm:linClrLst>
+    <dgm:effectClrLst/>
+    <dgm:txLinClrLst/>
+    <dgm:txFillClrLst meth="repeat">
+      <a:schemeClr val="lt1"/>
+    </dgm:txFillClrLst>
+    <dgm:txEffectClrLst/>
+  </dgm:styleLbl>
+  <dgm:styleLbl name="parChTrans2D3">
+    <dgm:fillClrLst meth="repeat">
+      <a:schemeClr val="accent1"/>
+    </dgm:fillClrLst>
+    <dgm:linClrLst meth="repeat">
+      <a:schemeClr val="accent1"/>
+    </dgm:linClrLst>
+    <dgm:effectClrLst/>
+    <dgm:txLinClrLst/>
+    <dgm:txFillClrLst meth="repeat">
+      <a:schemeClr val="lt1"/>
+    </dgm:txFillClrLst>
+    <dgm:txEffectClrLst/>
+  </dgm:styleLbl>
+  <dgm:styleLbl name="parChTrans2D4">
+    <dgm:fillClrLst meth="repeat">
+      <a:schemeClr val="accent1"/>
+    </dgm:fillClrLst>
+    <dgm:linClrLst meth="repeat">
+      <a:schemeClr val="accent1"/>
+    </dgm:linClrLst>
+    <dgm:effectClrLst/>
+    <dgm:txLinClrLst/>
+    <dgm:txFillClrLst meth="repeat">
+      <a:schemeClr val="lt1"/>
+    </dgm:txFillClrLst>
+    <dgm:txEffectClrLst/>
+  </dgm:styleLbl>
+  <dgm:styleLbl name="parChTrans1D1">
+    <dgm:fillClrLst meth="repeat">
+      <a:schemeClr val="accent1"/>
+    </dgm:fillClrLst>
+    <dgm:linClrLst meth="repeat">
+      <a:schemeClr val="accent1">
+        <a:shade val="60000"/>
+      </a:schemeClr>
+    </dgm:linClrLst>
+    <dgm:effectClrLst/>
+    <dgm:txLinClrLst/>
+    <dgm:txFillClrLst meth="repeat">
+      <a:schemeClr val="tx1"/>
+    </dgm:txFillClrLst>
+    <dgm:txEffectClrLst/>
+  </dgm:styleLbl>
+  <dgm:styleLbl name="parChTrans1D2">
+    <dgm:fillClrLst meth="repeat">
+      <a:schemeClr val="accent1"/>
+    </dgm:fillClrLst>
+    <dgm:linClrLst meth="repeat">
+      <a:schemeClr val="accent1">
+        <a:shade val="60000"/>
+      </a:schemeClr>
+    </dgm:linClrLst>
+    <dgm:effectClrLst/>
+    <dgm:txLinClrLst/>
+    <dgm:txFillClrLst meth="repeat">
+      <a:schemeClr val="tx1"/>
+    </dgm:txFillClrLst>
+    <dgm:txEffectClrLst/>
+  </dgm:styleLbl>
+  <dgm:styleLbl name="parChTrans1D3">
+    <dgm:fillClrLst meth="repeat">
+      <a:schemeClr val="accent1"/>
+    </dgm:fillClrLst>
+    <dgm:linClrLst meth="repeat">
+      <a:schemeClr val="accent1">
+        <a:shade val="80000"/>
+      </a:schemeClr>
+    </dgm:linClrLst>
+    <dgm:effectClrLst/>
+    <dgm:txLinClrLst/>
+    <dgm:txFillClrLst meth="repeat">
+      <a:schemeClr val="tx1"/>
+    </dgm:txFillClrLst>
+    <dgm:txEffectClrLst/>
+  </dgm:styleLbl>
+  <dgm:styleLbl name="parChTrans1D4">
+    <dgm:fillClrLst meth="repeat">
+      <a:schemeClr val="accent1"/>
+    </dgm:fillClrLst>
+    <dgm:linClrLst meth="repeat">
+      <a:schemeClr val="accent1">
+        <a:shade val="80000"/>
+      </a:schemeClr>
+    </dgm:linClrLst>
+    <dgm:effectClrLst/>
+    <dgm:txLinClrLst/>
+    <dgm:txFillClrLst meth="repeat">
+      <a:schemeClr val="tx1"/>
+    </dgm:txFillClrLst>
+    <dgm:txEffectClrLst/>
+  </dgm:styleLbl>
+  <dgm:styleLbl name="fgAcc1">
+    <dgm:fillClrLst meth="repeat">
+      <a:schemeClr val="lt1">
+        <a:alpha val="90000"/>
+      </a:schemeClr>
+    </dgm:fillClrLst>
+    <dgm:linClrLst meth="repeat">
+      <a:schemeClr val="accent1"/>
+    </dgm:linClrLst>
+    <dgm:effectClrLst/>
+    <dgm:txLinClrLst/>
+    <dgm:txFillClrLst meth="repeat">
+      <a:schemeClr val="dk1"/>
+    </dgm:txFillClrLst>
+    <dgm:txEffectClrLst/>
+  </dgm:styleLbl>
+  <dgm:styleLbl name="conFgAcc1">
+    <dgm:fillClrLst meth="repeat">
+      <a:schemeClr val="lt1">
+        <a:alpha val="90000"/>
+      </a:schemeClr>
+    </dgm:fillClrLst>
+    <dgm:linClrLst meth="repeat">
+      <a:schemeClr val="accent1"/>
+    </dgm:linClrLst>
+    <dgm:effectClrLst/>
+    <dgm:txLinClrLst/>
+    <dgm:txFillClrLst meth="repeat">
+      <a:schemeClr val="dk1"/>
+    </dgm:txFillClrLst>
+    <dgm:txEffectClrLst/>
+  </dgm:styleLbl>
+  <dgm:styleLbl name="alignAcc1">
+    <dgm:fillClrLst meth="repeat">
+      <a:schemeClr val="lt1">
+        <a:alpha val="90000"/>
+      </a:schemeClr>
+    </dgm:fillClrLst>
+    <dgm:linClrLst meth="repeat">
+      <a:schemeClr val="accent1"/>
+    </dgm:linClrLst>
+    <dgm:effectClrLst/>
+    <dgm:txLinClrLst/>
+    <dgm:txFillClrLst meth="repeat">
+      <a:schemeClr val="dk1"/>
+    </dgm:txFillClrLst>
+    <dgm:txEffectClrLst/>
+  </dgm:styleLbl>
+  <dgm:styleLbl name="trAlignAcc1">
+    <dgm:fillClrLst meth="repeat">
+      <a:schemeClr val="lt1">
+        <a:alpha val="40000"/>
+      </a:schemeClr>
+    </dgm:fillClrLst>
+    <dgm:linClrLst meth="repeat">
+      <a:schemeClr val="accent1"/>
+    </dgm:linClrLst>
+    <dgm:effectClrLst/>
+    <dgm:txLinClrLst/>
+    <dgm:txFillClrLst meth="repeat">
+      <a:schemeClr val="dk1"/>
+    </dgm:txFillClrLst>
+    <dgm:txEffectClrLst/>
+  </dgm:styleLbl>
+  <dgm:styleLbl name="bgAcc1">
+    <dgm:fillClrLst meth="repeat">
+      <a:schemeClr val="lt1">
+        <a:alpha val="90000"/>
+      </a:schemeClr>
+    </dgm:fillClrLst>
+    <dgm:linClrLst meth="repeat">
+      <a:schemeClr val="accent1"/>
+    </dgm:linClrLst>
+    <dgm:effectClrLst/>
+    <dgm:txLinClrLst/>
+    <dgm:txFillClrLst meth="repeat">
+      <a:schemeClr val="dk1"/>
+    </dgm:txFillClrLst>
+    <dgm:txEffectClrLst/>
+  </dgm:styleLbl>
+  <dgm:styleLbl name="solidFgAcc1">
+    <dgm:fillClrLst meth="repeat">
+      <a:schemeClr val="lt1"/>
+    </dgm:fillClrLst>
+    <dgm:linClrLst meth="repeat">
+      <a:schemeClr val="accent1"/>
+    </dgm:linClrLst>
+    <dgm:effectClrLst/>
+    <dgm:txLinClrLst/>
+    <dgm:txFillClrLst meth="repeat">
+      <a:schemeClr val="dk1"/>
+    </dgm:txFillClrLst>
+    <dgm:txEffectClrLst/>
+  </dgm:styleLbl>
+  <dgm:styleLbl name="solidAlignAcc1">
+    <dgm:fillClrLst meth="repeat">
+      <a:schemeClr val="lt1"/>
+    </dgm:fillClrLst>
+    <dgm:linClrLst meth="repeat">
+      <a:schemeClr val="accent1"/>
+    </dgm:linClrLst>
+    <dgm:effectClrLst/>
+    <dgm:txLinClrLst/>
+    <dgm:txFillClrLst meth="repeat">
+      <a:schemeClr val="dk1"/>
+    </dgm:txFillClrLst>
+    <dgm:txEffectClrLst/>
+  </dgm:styleLbl>
+  <dgm:styleLbl name="solidBgAcc1">
+    <dgm:fillClrLst meth="repeat">
+      <a:schemeClr val="lt1"/>
+    </dgm:fillClrLst>
+    <dgm:linClrLst meth="repeat">
+      <a:schemeClr val="accent1"/>
+    </dgm:linClrLst>
+    <dgm:effectClrLst/>
+    <dgm:txLinClrLst/>
+    <dgm:txFillClrLst meth="repeat">
+      <a:schemeClr val="dk1"/>
+    </dgm:txFillClrLst>
+    <dgm:txEffectClrLst/>
+  </dgm:styleLbl>
+  <dgm:styleLbl name="fgAccFollowNode1">
+    <dgm:fillClrLst meth="repeat">
+      <a:schemeClr val="accent1">
+        <a:alpha val="90000"/>
+        <a:tint val="40000"/>
+      </a:schemeClr>
+    </dgm:fillClrLst>
+    <dgm:linClrLst meth="repeat">
+      <a:schemeClr val="accent1">
+        <a:alpha val="90000"/>
+        <a:tint val="40000"/>
+      </a:schemeClr>
+    </dgm:linClrLst>
+    <dgm:effectClrLst/>
+    <dgm:txLinClrLst/>
+    <dgm:txFillClrLst meth="repeat">
+      <a:schemeClr val="dk1"/>
+    </dgm:txFillClrLst>
+    <dgm:txEffectClrLst/>
+  </dgm:styleLbl>
+  <dgm:styleLbl name="alignAccFollowNode1">
+    <dgm:fillClrLst meth="repeat">
+      <a:schemeClr val="accent1">
+        <a:alpha val="90000"/>
+        <a:tint val="40000"/>
+      </a:schemeClr>
+    </dgm:fillClrLst>
+    <dgm:linClrLst meth="repeat">
+      <a:schemeClr val="accent1">
+        <a:alpha val="90000"/>
+        <a:tint val="40000"/>
+      </a:schemeClr>
+    </dgm:linClrLst>
+    <dgm:effectClrLst/>
+    <dgm:txLinClrLst/>
+    <dgm:txFillClrLst meth="repeat">
+      <a:schemeClr val="dk1"/>
+    </dgm:txFillClrLst>
+    <dgm:txEffectClrLst/>
+  </dgm:styleLbl>
+  <dgm:styleLbl name="bgAccFollowNode1">
+    <dgm:fillClrLst meth="repeat">
+      <a:schemeClr val="accent1">
+        <a:alpha val="90000"/>
+        <a:tint val="40000"/>
+      </a:schemeClr>
+    </dgm:fillClrLst>
+    <dgm:linClrLst meth="repeat">
+      <a:schemeClr val="accent1">
+        <a:alpha val="90000"/>
+        <a:tint val="40000"/>
+      </a:schemeClr>
+    </dgm:linClrLst>
+    <dgm:effectClrLst/>
+    <dgm:txLinClrLst/>
+    <dgm:txFillClrLst meth="repeat">
+      <a:schemeClr val="dk1"/>
+    </dgm:txFillClrLst>
+    <dgm:txEffectClrLst/>
+  </dgm:styleLbl>
+  <dgm:styleLbl name="fgAcc0">
+    <dgm:fillClrLst meth="repeat">
+      <a:schemeClr val="lt1">
+        <a:alpha val="90000"/>
+      </a:schemeClr>
+    </dgm:fillClrLst>
+    <dgm:linClrLst meth="repeat">
+      <a:schemeClr val="accent1"/>
+    </dgm:linClrLst>
+    <dgm:effectClrLst/>
+    <dgm:txLinClrLst/>
+    <dgm:txFillClrLst meth="repeat">
+      <a:schemeClr val="dk1"/>
+    </dgm:txFillClrLst>
+    <dgm:txEffectClrLst/>
+  </dgm:styleLbl>
+  <dgm:styleLbl name="fgAcc2">
+    <dgm:fillClrLst meth="repeat">
+      <a:schemeClr val="lt1">
+        <a:alpha val="90000"/>
+      </a:schemeClr>
+    </dgm:fillClrLst>
+    <dgm:linClrLst meth="repeat">
+      <a:schemeClr val="accent1"/>
+    </dgm:linClrLst>
+    <dgm:effectClrLst/>
+    <dgm:txLinClrLst/>
+    <dgm:txFillClrLst meth="repeat">
+      <a:schemeClr val="dk1"/>
+    </dgm:txFillClrLst>
+    <dgm:txEffectClrLst/>
+  </dgm:styleLbl>
+  <dgm:styleLbl name="fgAcc3">
+    <dgm:fillClrLst meth="repeat">
+      <a:schemeClr val="lt1">
+        <a:alpha val="90000"/>
+      </a:schemeClr>
+    </dgm:fillClrLst>
+    <dgm:linClrLst meth="repeat">
+      <a:schemeClr val="accent1"/>
+    </dgm:linClrLst>
+    <dgm:effectClrLst/>
+    <dgm:txLinClrLst/>
+    <dgm:txFillClrLst meth="repeat">
+      <a:schemeClr val="dk1"/>
+    </dgm:txFillClrLst>
+    <dgm:txEffectClrLst/>
+  </dgm:styleLbl>
+  <dgm:styleLbl name="fgAcc4">
+    <dgm:fillClrLst meth="repeat">
+      <a:schemeClr val="lt1">
+        <a:alpha val="90000"/>
+      </a:schemeClr>
+    </dgm:fillClrLst>
+    <dgm:linClrLst meth="repeat">
+      <a:schemeClr val="accent1"/>
+    </dgm:linClrLst>
+    <dgm:effectClrLst/>
+    <dgm:txLinClrLst/>
+    <dgm:txFillClrLst meth="repeat">
+      <a:schemeClr val="dk1"/>
+    </dgm:txFillClrLst>
+    <dgm:txEffectClrLst/>
+  </dgm:styleLbl>
+  <dgm:styleLbl name="bgShp">
+    <dgm:fillClrLst meth="repeat">
+      <a:schemeClr val="accent1">
+        <a:tint val="40000"/>
+      </a:schemeClr>
+    </dgm:fillClrLst>
+    <dgm:linClrLst meth="repeat">
+      <a:schemeClr val="accent1"/>
+    </dgm:linClrLst>
+    <dgm:effectClrLst/>
+    <dgm:txLinClrLst/>
+    <dgm:txFillClrLst meth="repeat">
+      <a:schemeClr val="dk1"/>
+    </dgm:txFillClrLst>
+    <dgm:txEffectClrLst/>
+  </dgm:styleLbl>
+  <dgm:styleLbl name="dkBgShp">
+    <dgm:fillClrLst meth="repeat">
+      <a:schemeClr val="accent1">
+        <a:shade val="80000"/>
+      </a:schemeClr>
+    </dgm:fillClrLst>
+    <dgm:linClrLst meth="repeat">
+      <a:schemeClr val="accent1"/>
+    </dgm:linClrLst>
+    <dgm:effectClrLst/>
+    <dgm:txLinClrLst/>
+    <dgm:txFillClrLst meth="repeat">
+      <a:schemeClr val="lt1"/>
+    </dgm:txFillClrLst>
+    <dgm:txEffectClrLst/>
+  </dgm:styleLbl>
+  <dgm:styleLbl name="trBgShp">
+    <dgm:fillClrLst meth="repeat">
+      <a:schemeClr val="accent1">
+        <a:tint val="50000"/>
+        <a:alpha val="40000"/>
+      </a:schemeClr>
+    </dgm:fillClrLst>
+    <dgm:linClrLst meth="repeat">
+      <a:schemeClr val="accent1"/>
+    </dgm:linClrLst>
+    <dgm:effectClrLst/>
+    <dgm:txLinClrLst/>
+    <dgm:txFillClrLst meth="repeat">
+      <a:schemeClr val="lt1"/>
+    </dgm:txFillClrLst>
+    <dgm:txEffectClrLst/>
+  </dgm:styleLbl>
+  <dgm:styleLbl name="fgShp">
+    <dgm:fillClrLst meth="repeat">
+      <a:schemeClr val="accent1">
+        <a:tint val="60000"/>
+      </a:schemeClr>
+    </dgm:fillClrLst>
+    <dgm:linClrLst meth="repeat">
+      <a:schemeClr val="lt1"/>
+    </dgm:linClrLst>
+    <dgm:effectClrLst/>
+    <dgm:txLinClrLst/>
+    <dgm:txFillClrLst meth="repeat">
+      <a:schemeClr val="dk1"/>
+    </dgm:txFillClrLst>
+    <dgm:txEffectClrLst/>
+  </dgm:styleLbl>
+  <dgm:styleLbl name="revTx">
+    <dgm:fillClrLst meth="repeat">
+      <a:schemeClr val="lt1">
+        <a:alpha val="0"/>
+      </a:schemeClr>
+    </dgm:fillClrLst>
+    <dgm:linClrLst meth="repeat">
+      <a:schemeClr val="dk1">
+        <a:alpha val="0"/>
+      </a:schemeClr>
+    </dgm:linClrLst>
+    <dgm:effectClrLst/>
+    <dgm:txLinClrLst/>
+    <dgm:txFillClrLst meth="repeat">
+      <a:schemeClr val="tx1"/>
+    </dgm:txFillClrLst>
+    <dgm:txEffectClrLst/>
+  </dgm:styleLbl>
+</dgm:colorsDef>
+</file>
+
+<file path=ppt/diagrams/data1.xml><?xml version="1.0" encoding="utf-8"?>
+<dgm:dataModel xmlns:dgm="http://schemas.openxmlformats.org/drawingml/2006/diagram" xmlns:a="http://schemas.openxmlformats.org/drawingml/2006/main">
+  <dgm:ptLst>
+    <dgm:pt modelId="{3B5F95E9-B860-468F-94CC-BD2A98626394}" type="doc">
+      <dgm:prSet loTypeId="urn:microsoft.com/office/officeart/2005/8/layout/process2" loCatId="process" qsTypeId="urn:microsoft.com/office/officeart/2005/8/quickstyle/simple1" qsCatId="simple" csTypeId="urn:microsoft.com/office/officeart/2005/8/colors/accent1_2" csCatId="accent1" phldr="1"/>
+      <dgm:spPr/>
+      <dgm:t>
+        <a:bodyPr/>
+        <a:lstStyle/>
+        <a:p>
+          <a:endParaRPr lang="en-GB"/>
+        </a:p>
+      </dgm:t>
+    </dgm:pt>
+    <dgm:pt modelId="{7AE973A5-63B1-4E05-9E93-313A08616871}">
+      <dgm:prSet phldrT="[Text]"/>
+      <dgm:spPr/>
+      <dgm:t>
+        <a:bodyPr/>
+        <a:lstStyle/>
+        <a:p>
+          <a:r>
+            <a:rPr lang="en-GB" dirty="0"/>
+            <a:t>Decide on the metrics</a:t>
+          </a:r>
+        </a:p>
+      </dgm:t>
+    </dgm:pt>
+    <dgm:pt modelId="{DF5CA97B-3AE6-4503-942C-A230407CBFBF}" type="parTrans" cxnId="{0B80564C-050B-4F1C-A22A-9AA9448E69C8}">
+      <dgm:prSet/>
+      <dgm:spPr/>
+      <dgm:t>
+        <a:bodyPr/>
+        <a:lstStyle/>
+        <a:p>
+          <a:endParaRPr lang="en-GB"/>
+        </a:p>
+      </dgm:t>
+    </dgm:pt>
+    <dgm:pt modelId="{22464519-1222-4E48-A507-844ABAD49EBA}" type="sibTrans" cxnId="{0B80564C-050B-4F1C-A22A-9AA9448E69C8}">
+      <dgm:prSet/>
+      <dgm:spPr/>
+      <dgm:t>
+        <a:bodyPr/>
+        <a:lstStyle/>
+        <a:p>
+          <a:endParaRPr lang="en-GB"/>
+        </a:p>
+      </dgm:t>
+    </dgm:pt>
+    <dgm:pt modelId="{A279BF79-7167-4305-8DE6-47B20AF89CFD}">
+      <dgm:prSet phldrT="[Text]"/>
+      <dgm:spPr/>
+      <dgm:t>
+        <a:bodyPr/>
+        <a:lstStyle/>
+        <a:p>
+          <a:r>
+            <a:rPr lang="en-GB" dirty="0" err="1"/>
+            <a:t>dbachecks</a:t>
+          </a:r>
+          <a:r>
+            <a:rPr lang="en-GB" dirty="0"/>
+            <a:t>: run the test</a:t>
+          </a:r>
+        </a:p>
+      </dgm:t>
+    </dgm:pt>
+    <dgm:pt modelId="{204A7DC0-530A-4A95-977C-88DE6F7F5ED2}" type="parTrans" cxnId="{6369A329-CD58-43CF-BD32-4B36ABBBD1D5}">
+      <dgm:prSet/>
+      <dgm:spPr/>
+      <dgm:t>
+        <a:bodyPr/>
+        <a:lstStyle/>
+        <a:p>
+          <a:endParaRPr lang="en-GB"/>
+        </a:p>
+      </dgm:t>
+    </dgm:pt>
+    <dgm:pt modelId="{C1DC38BC-235A-4007-95D8-27062943EDB6}" type="sibTrans" cxnId="{6369A329-CD58-43CF-BD32-4B36ABBBD1D5}">
+      <dgm:prSet/>
+      <dgm:spPr/>
+      <dgm:t>
+        <a:bodyPr/>
+        <a:lstStyle/>
+        <a:p>
+          <a:endParaRPr lang="en-GB"/>
+        </a:p>
+      </dgm:t>
+    </dgm:pt>
+    <dgm:pt modelId="{0E4C005B-1BCE-4ED5-8DEB-AB775154A558}">
+      <dgm:prSet phldrT="[Text]"/>
+      <dgm:spPr/>
+      <dgm:t>
+        <a:bodyPr/>
+        <a:lstStyle/>
+        <a:p>
+          <a:r>
+            <a:rPr lang="en-GB" dirty="0" err="1"/>
+            <a:t>dbatools</a:t>
+          </a:r>
+          <a:r>
+            <a:rPr lang="en-GB" dirty="0"/>
+            <a:t>: fix issues</a:t>
+          </a:r>
+        </a:p>
+      </dgm:t>
+    </dgm:pt>
+    <dgm:pt modelId="{273A832D-5178-4B7B-B45B-7B60745BD552}" type="parTrans" cxnId="{A92905F8-7BF0-4152-B7A0-906A00D844C4}">
+      <dgm:prSet/>
+      <dgm:spPr/>
+      <dgm:t>
+        <a:bodyPr/>
+        <a:lstStyle/>
+        <a:p>
+          <a:endParaRPr lang="en-GB"/>
+        </a:p>
+      </dgm:t>
+    </dgm:pt>
+    <dgm:pt modelId="{1336F88C-BEF5-4D13-9F50-46CE2C01D4AD}" type="sibTrans" cxnId="{A92905F8-7BF0-4152-B7A0-906A00D844C4}">
+      <dgm:prSet/>
+      <dgm:spPr/>
+      <dgm:t>
+        <a:bodyPr/>
+        <a:lstStyle/>
+        <a:p>
+          <a:endParaRPr lang="en-GB"/>
+        </a:p>
+      </dgm:t>
+    </dgm:pt>
+    <dgm:pt modelId="{A8D09840-35BA-4546-BFC0-22E31DC65F00}" type="pres">
+      <dgm:prSet presAssocID="{3B5F95E9-B860-468F-94CC-BD2A98626394}" presName="linearFlow" presStyleCnt="0">
+        <dgm:presLayoutVars>
+          <dgm:resizeHandles val="exact"/>
+        </dgm:presLayoutVars>
+      </dgm:prSet>
+      <dgm:spPr/>
+    </dgm:pt>
+    <dgm:pt modelId="{1A64C22A-7F74-4882-A2BE-B3614657D198}" type="pres">
+      <dgm:prSet presAssocID="{7AE973A5-63B1-4E05-9E93-313A08616871}" presName="node" presStyleLbl="node1" presStyleIdx="0" presStyleCnt="3" custScaleX="294811">
+        <dgm:presLayoutVars>
+          <dgm:bulletEnabled val="1"/>
+        </dgm:presLayoutVars>
+      </dgm:prSet>
+      <dgm:spPr/>
+    </dgm:pt>
+    <dgm:pt modelId="{BB4994C8-0C80-4F5E-A126-808D720E169F}" type="pres">
+      <dgm:prSet presAssocID="{22464519-1222-4E48-A507-844ABAD49EBA}" presName="sibTrans" presStyleLbl="sibTrans2D1" presStyleIdx="0" presStyleCnt="2"/>
+      <dgm:spPr/>
+    </dgm:pt>
+    <dgm:pt modelId="{A5048856-3AB1-4435-944D-CDD46124D4DA}" type="pres">
+      <dgm:prSet presAssocID="{22464519-1222-4E48-A507-844ABAD49EBA}" presName="connectorText" presStyleLbl="sibTrans2D1" presStyleIdx="0" presStyleCnt="2"/>
+      <dgm:spPr/>
+    </dgm:pt>
+    <dgm:pt modelId="{BF381821-568C-4FD8-9D63-C6DD14BD9395}" type="pres">
+      <dgm:prSet presAssocID="{A279BF79-7167-4305-8DE6-47B20AF89CFD}" presName="node" presStyleLbl="node1" presStyleIdx="1" presStyleCnt="3" custScaleX="294811">
+        <dgm:presLayoutVars>
+          <dgm:bulletEnabled val="1"/>
+        </dgm:presLayoutVars>
+      </dgm:prSet>
+      <dgm:spPr/>
+    </dgm:pt>
+    <dgm:pt modelId="{33D315D9-F7A3-4B37-BB66-CD4173382421}" type="pres">
+      <dgm:prSet presAssocID="{C1DC38BC-235A-4007-95D8-27062943EDB6}" presName="sibTrans" presStyleLbl="sibTrans2D1" presStyleIdx="1" presStyleCnt="2"/>
+      <dgm:spPr/>
+    </dgm:pt>
+    <dgm:pt modelId="{9840E6F4-A081-46C0-B7B8-F60C7B4FBF66}" type="pres">
+      <dgm:prSet presAssocID="{C1DC38BC-235A-4007-95D8-27062943EDB6}" presName="connectorText" presStyleLbl="sibTrans2D1" presStyleIdx="1" presStyleCnt="2"/>
+      <dgm:spPr/>
+    </dgm:pt>
+    <dgm:pt modelId="{B4A874E3-3543-4EF3-A2EF-1D8BD03FAF25}" type="pres">
+      <dgm:prSet presAssocID="{0E4C005B-1BCE-4ED5-8DEB-AB775154A558}" presName="node" presStyleLbl="node1" presStyleIdx="2" presStyleCnt="3" custScaleX="294811">
+        <dgm:presLayoutVars>
+          <dgm:bulletEnabled val="1"/>
+        </dgm:presLayoutVars>
+      </dgm:prSet>
+      <dgm:spPr/>
+    </dgm:pt>
+  </dgm:ptLst>
+  <dgm:cxnLst>
+    <dgm:cxn modelId="{C338F505-DAD3-4E44-98FC-CC6F39FF535C}" type="presOf" srcId="{22464519-1222-4E48-A507-844ABAD49EBA}" destId="{A5048856-3AB1-4435-944D-CDD46124D4DA}" srcOrd="1" destOrd="0" presId="urn:microsoft.com/office/officeart/2005/8/layout/process2"/>
+    <dgm:cxn modelId="{6369A329-CD58-43CF-BD32-4B36ABBBD1D5}" srcId="{3B5F95E9-B860-468F-94CC-BD2A98626394}" destId="{A279BF79-7167-4305-8DE6-47B20AF89CFD}" srcOrd="1" destOrd="0" parTransId="{204A7DC0-530A-4A95-977C-88DE6F7F5ED2}" sibTransId="{C1DC38BC-235A-4007-95D8-27062943EDB6}"/>
+    <dgm:cxn modelId="{B9D5982C-D478-45DF-98A6-9C48E7B51382}" type="presOf" srcId="{3B5F95E9-B860-468F-94CC-BD2A98626394}" destId="{A8D09840-35BA-4546-BFC0-22E31DC65F00}" srcOrd="0" destOrd="0" presId="urn:microsoft.com/office/officeart/2005/8/layout/process2"/>
+    <dgm:cxn modelId="{A981EE34-A66E-4F0D-8052-21BD1793717A}" type="presOf" srcId="{22464519-1222-4E48-A507-844ABAD49EBA}" destId="{BB4994C8-0C80-4F5E-A126-808D720E169F}" srcOrd="0" destOrd="0" presId="urn:microsoft.com/office/officeart/2005/8/layout/process2"/>
+    <dgm:cxn modelId="{3679263E-9B57-44D9-BC19-84FB946A14C3}" type="presOf" srcId="{7AE973A5-63B1-4E05-9E93-313A08616871}" destId="{1A64C22A-7F74-4882-A2BE-B3614657D198}" srcOrd="0" destOrd="0" presId="urn:microsoft.com/office/officeart/2005/8/layout/process2"/>
+    <dgm:cxn modelId="{0B80564C-050B-4F1C-A22A-9AA9448E69C8}" srcId="{3B5F95E9-B860-468F-94CC-BD2A98626394}" destId="{7AE973A5-63B1-4E05-9E93-313A08616871}" srcOrd="0" destOrd="0" parTransId="{DF5CA97B-3AE6-4503-942C-A230407CBFBF}" sibTransId="{22464519-1222-4E48-A507-844ABAD49EBA}"/>
+    <dgm:cxn modelId="{8576A77E-809B-4CC5-8875-8CF0955116B1}" type="presOf" srcId="{C1DC38BC-235A-4007-95D8-27062943EDB6}" destId="{33D315D9-F7A3-4B37-BB66-CD4173382421}" srcOrd="0" destOrd="0" presId="urn:microsoft.com/office/officeart/2005/8/layout/process2"/>
+    <dgm:cxn modelId="{734EDF8C-E5B4-4181-8320-8345154F5AA0}" type="presOf" srcId="{C1DC38BC-235A-4007-95D8-27062943EDB6}" destId="{9840E6F4-A081-46C0-B7B8-F60C7B4FBF66}" srcOrd="1" destOrd="0" presId="urn:microsoft.com/office/officeart/2005/8/layout/process2"/>
+    <dgm:cxn modelId="{1029A99C-6BB5-425A-880C-BE4BF0059389}" type="presOf" srcId="{0E4C005B-1BCE-4ED5-8DEB-AB775154A558}" destId="{B4A874E3-3543-4EF3-A2EF-1D8BD03FAF25}" srcOrd="0" destOrd="0" presId="urn:microsoft.com/office/officeart/2005/8/layout/process2"/>
+    <dgm:cxn modelId="{ACC1BCD9-579C-4C74-AC2A-758B9CF00511}" type="presOf" srcId="{A279BF79-7167-4305-8DE6-47B20AF89CFD}" destId="{BF381821-568C-4FD8-9D63-C6DD14BD9395}" srcOrd="0" destOrd="0" presId="urn:microsoft.com/office/officeart/2005/8/layout/process2"/>
+    <dgm:cxn modelId="{A92905F8-7BF0-4152-B7A0-906A00D844C4}" srcId="{3B5F95E9-B860-468F-94CC-BD2A98626394}" destId="{0E4C005B-1BCE-4ED5-8DEB-AB775154A558}" srcOrd="2" destOrd="0" parTransId="{273A832D-5178-4B7B-B45B-7B60745BD552}" sibTransId="{1336F88C-BEF5-4D13-9F50-46CE2C01D4AD}"/>
+    <dgm:cxn modelId="{CAC04974-B92D-4D4A-9AED-820E00B6B5AB}" type="presParOf" srcId="{A8D09840-35BA-4546-BFC0-22E31DC65F00}" destId="{1A64C22A-7F74-4882-A2BE-B3614657D198}" srcOrd="0" destOrd="0" presId="urn:microsoft.com/office/officeart/2005/8/layout/process2"/>
+    <dgm:cxn modelId="{A7EA0E5F-9080-4F25-B328-D7BEC5F0560F}" type="presParOf" srcId="{A8D09840-35BA-4546-BFC0-22E31DC65F00}" destId="{BB4994C8-0C80-4F5E-A126-808D720E169F}" srcOrd="1" destOrd="0" presId="urn:microsoft.com/office/officeart/2005/8/layout/process2"/>
+    <dgm:cxn modelId="{8BD198D3-321B-4E76-A117-314BCDB7A636}" type="presParOf" srcId="{BB4994C8-0C80-4F5E-A126-808D720E169F}" destId="{A5048856-3AB1-4435-944D-CDD46124D4DA}" srcOrd="0" destOrd="0" presId="urn:microsoft.com/office/officeart/2005/8/layout/process2"/>
+    <dgm:cxn modelId="{3D17851F-01C8-41CD-A9F4-CEA128383908}" type="presParOf" srcId="{A8D09840-35BA-4546-BFC0-22E31DC65F00}" destId="{BF381821-568C-4FD8-9D63-C6DD14BD9395}" srcOrd="2" destOrd="0" presId="urn:microsoft.com/office/officeart/2005/8/layout/process2"/>
+    <dgm:cxn modelId="{5A7DBB88-B29D-4C84-BF19-6382BB6112A2}" type="presParOf" srcId="{A8D09840-35BA-4546-BFC0-22E31DC65F00}" destId="{33D315D9-F7A3-4B37-BB66-CD4173382421}" srcOrd="3" destOrd="0" presId="urn:microsoft.com/office/officeart/2005/8/layout/process2"/>
+    <dgm:cxn modelId="{7F6B3A13-61FB-4FF3-A051-C822F194FADD}" type="presParOf" srcId="{33D315D9-F7A3-4B37-BB66-CD4173382421}" destId="{9840E6F4-A081-46C0-B7B8-F60C7B4FBF66}" srcOrd="0" destOrd="0" presId="urn:microsoft.com/office/officeart/2005/8/layout/process2"/>
+    <dgm:cxn modelId="{C9125403-E2F2-4575-AA4A-CE929E39B604}" type="presParOf" srcId="{A8D09840-35BA-4546-BFC0-22E31DC65F00}" destId="{B4A874E3-3543-4EF3-A2EF-1D8BD03FAF25}" srcOrd="4" destOrd="0" presId="urn:microsoft.com/office/officeart/2005/8/layout/process2"/>
+  </dgm:cxnLst>
+  <dgm:bg/>
+  <dgm:whole/>
+  <dgm:extLst>
+    <a:ext uri="http://schemas.microsoft.com/office/drawing/2008/diagram">
+      <dsp:dataModelExt xmlns:dsp="http://schemas.microsoft.com/office/drawing/2008/diagram" relId="rId7" minVer="http://schemas.openxmlformats.org/drawingml/2006/diagram"/>
+    </a:ext>
+  </dgm:extLst>
+</dgm:dataModel>
+</file>
+
+<file path=ppt/diagrams/drawing1.xml><?xml version="1.0" encoding="utf-8"?>
+<dsp:drawing xmlns:dgm="http://schemas.openxmlformats.org/drawingml/2006/diagram" xmlns:dsp="http://schemas.microsoft.com/office/drawing/2008/diagram" xmlns:a="http://schemas.openxmlformats.org/drawingml/2006/main">
+  <dsp:spTree>
+    <dsp:nvGrpSpPr>
+      <dsp:cNvPr id="0" name=""/>
+      <dsp:cNvGrpSpPr/>
+    </dsp:nvGrpSpPr>
+    <dsp:grpSpPr/>
+    <dsp:sp modelId="{1A64C22A-7F74-4882-A2BE-B3614657D198}">
+      <dsp:nvSpPr>
+        <dsp:cNvPr id="0" name=""/>
+        <dsp:cNvSpPr/>
+      </dsp:nvSpPr>
+      <dsp:spPr>
+        <a:xfrm>
+          <a:off x="1825981" y="0"/>
+          <a:ext cx="6863637" cy="1293415"/>
+        </a:xfrm>
+        <a:prstGeom prst="roundRect">
+          <a:avLst>
+            <a:gd name="adj" fmla="val 10000"/>
+          </a:avLst>
+        </a:prstGeom>
+        <a:solidFill>
+          <a:schemeClr val="accent1">
+            <a:hueOff val="0"/>
+            <a:satOff val="0"/>
+            <a:lumOff val="0"/>
+            <a:alphaOff val="0"/>
+          </a:schemeClr>
+        </a:solidFill>
+        <a:ln w="12700" cap="flat" cmpd="sng" algn="ctr">
+          <a:solidFill>
+            <a:schemeClr val="lt1">
+              <a:hueOff val="0"/>
+              <a:satOff val="0"/>
+              <a:lumOff val="0"/>
+              <a:alphaOff val="0"/>
+            </a:schemeClr>
+          </a:solidFill>
+          <a:prstDash val="solid"/>
+          <a:miter lim="800000"/>
+        </a:ln>
+        <a:effectLst/>
+      </dsp:spPr>
+      <dsp:style>
+        <a:lnRef idx="2">
+          <a:scrgbClr r="0" g="0" b="0"/>
+        </a:lnRef>
+        <a:fillRef idx="1">
+          <a:scrgbClr r="0" g="0" b="0"/>
+        </a:fillRef>
+        <a:effectRef idx="0">
+          <a:scrgbClr r="0" g="0" b="0"/>
+        </a:effectRef>
+        <a:fontRef idx="minor">
+          <a:schemeClr val="lt1"/>
+        </a:fontRef>
+      </dsp:style>
+      <dsp:txBody>
+        <a:bodyPr spcFirstLastPara="0" vert="horz" wrap="square" lIns="182880" tIns="182880" rIns="182880" bIns="182880" numCol="1" spcCol="1270" anchor="ctr" anchorCtr="0">
+          <a:noAutofit/>
+        </a:bodyPr>
+        <a:lstStyle/>
+        <a:p>
+          <a:pPr marL="0" lvl="0" indent="0" algn="ctr" defTabSz="2133600">
+            <a:lnSpc>
+              <a:spcPct val="90000"/>
+            </a:lnSpc>
+            <a:spcBef>
+              <a:spcPct val="0"/>
+            </a:spcBef>
+            <a:spcAft>
+              <a:spcPct val="35000"/>
+            </a:spcAft>
+            <a:buNone/>
+          </a:pPr>
+          <a:r>
+            <a:rPr lang="en-GB" sz="4800" kern="1200" dirty="0"/>
+            <a:t>Decide on the metrics</a:t>
+          </a:r>
+        </a:p>
+      </dsp:txBody>
+      <dsp:txXfrm>
+        <a:off x="1863864" y="37883"/>
+        <a:ext cx="6787871" cy="1217649"/>
+      </dsp:txXfrm>
+    </dsp:sp>
+    <dsp:sp modelId="{BB4994C8-0C80-4F5E-A126-808D720E169F}">
+      <dsp:nvSpPr>
+        <dsp:cNvPr id="0" name=""/>
+        <dsp:cNvSpPr/>
+      </dsp:nvSpPr>
+      <dsp:spPr>
+        <a:xfrm rot="5400000">
+          <a:off x="5015284" y="1325751"/>
+          <a:ext cx="485030" cy="582037"/>
+        </a:xfrm>
+        <a:prstGeom prst="rightArrow">
+          <a:avLst>
+            <a:gd name="adj1" fmla="val 60000"/>
+            <a:gd name="adj2" fmla="val 50000"/>
+          </a:avLst>
+        </a:prstGeom>
+        <a:solidFill>
+          <a:schemeClr val="accent1">
+            <a:tint val="60000"/>
+            <a:hueOff val="0"/>
+            <a:satOff val="0"/>
+            <a:lumOff val="0"/>
+            <a:alphaOff val="0"/>
+          </a:schemeClr>
+        </a:solidFill>
+        <a:ln>
+          <a:noFill/>
+        </a:ln>
+        <a:effectLst/>
+      </dsp:spPr>
+      <dsp:style>
+        <a:lnRef idx="0">
+          <a:scrgbClr r="0" g="0" b="0"/>
+        </a:lnRef>
+        <a:fillRef idx="1">
+          <a:scrgbClr r="0" g="0" b="0"/>
+        </a:fillRef>
+        <a:effectRef idx="0">
+          <a:scrgbClr r="0" g="0" b="0"/>
+        </a:effectRef>
+        <a:fontRef idx="minor">
+          <a:schemeClr val="lt1"/>
+        </a:fontRef>
+      </dsp:style>
+      <dsp:txBody>
+        <a:bodyPr spcFirstLastPara="0" vert="horz" wrap="square" lIns="0" tIns="0" rIns="0" bIns="0" numCol="1" spcCol="1270" anchor="ctr" anchorCtr="0">
+          <a:noAutofit/>
+        </a:bodyPr>
+        <a:lstStyle/>
+        <a:p>
+          <a:pPr marL="0" lvl="0" indent="0" algn="ctr" defTabSz="1066800">
+            <a:lnSpc>
+              <a:spcPct val="90000"/>
+            </a:lnSpc>
+            <a:spcBef>
+              <a:spcPct val="0"/>
+            </a:spcBef>
+            <a:spcAft>
+              <a:spcPct val="35000"/>
+            </a:spcAft>
+            <a:buNone/>
+          </a:pPr>
+          <a:endParaRPr lang="en-GB" sz="2400" kern="1200"/>
+        </a:p>
+      </dsp:txBody>
+      <dsp:txXfrm rot="-5400000">
+        <a:off x="5083188" y="1374255"/>
+        <a:ext cx="349223" cy="339521"/>
+      </dsp:txXfrm>
+    </dsp:sp>
+    <dsp:sp modelId="{BF381821-568C-4FD8-9D63-C6DD14BD9395}">
+      <dsp:nvSpPr>
+        <dsp:cNvPr id="0" name=""/>
+        <dsp:cNvSpPr/>
+      </dsp:nvSpPr>
+      <dsp:spPr>
+        <a:xfrm>
+          <a:off x="1825981" y="1940123"/>
+          <a:ext cx="6863637" cy="1293415"/>
+        </a:xfrm>
+        <a:prstGeom prst="roundRect">
+          <a:avLst>
+            <a:gd name="adj" fmla="val 10000"/>
+          </a:avLst>
+        </a:prstGeom>
+        <a:solidFill>
+          <a:schemeClr val="accent1">
+            <a:hueOff val="0"/>
+            <a:satOff val="0"/>
+            <a:lumOff val="0"/>
+            <a:alphaOff val="0"/>
+          </a:schemeClr>
+        </a:solidFill>
+        <a:ln w="12700" cap="flat" cmpd="sng" algn="ctr">
+          <a:solidFill>
+            <a:schemeClr val="lt1">
+              <a:hueOff val="0"/>
+              <a:satOff val="0"/>
+              <a:lumOff val="0"/>
+              <a:alphaOff val="0"/>
+            </a:schemeClr>
+          </a:solidFill>
+          <a:prstDash val="solid"/>
+          <a:miter lim="800000"/>
+        </a:ln>
+        <a:effectLst/>
+      </dsp:spPr>
+      <dsp:style>
+        <a:lnRef idx="2">
+          <a:scrgbClr r="0" g="0" b="0"/>
+        </a:lnRef>
+        <a:fillRef idx="1">
+          <a:scrgbClr r="0" g="0" b="0"/>
+        </a:fillRef>
+        <a:effectRef idx="0">
+          <a:scrgbClr r="0" g="0" b="0"/>
+        </a:effectRef>
+        <a:fontRef idx="minor">
+          <a:schemeClr val="lt1"/>
+        </a:fontRef>
+      </dsp:style>
+      <dsp:txBody>
+        <a:bodyPr spcFirstLastPara="0" vert="horz" wrap="square" lIns="179070" tIns="179070" rIns="179070" bIns="179070" numCol="1" spcCol="1270" anchor="ctr" anchorCtr="0">
+          <a:noAutofit/>
+        </a:bodyPr>
+        <a:lstStyle/>
+        <a:p>
+          <a:pPr marL="0" lvl="0" indent="0" algn="ctr" defTabSz="2089150">
+            <a:lnSpc>
+              <a:spcPct val="90000"/>
+            </a:lnSpc>
+            <a:spcBef>
+              <a:spcPct val="0"/>
+            </a:spcBef>
+            <a:spcAft>
+              <a:spcPct val="35000"/>
+            </a:spcAft>
+            <a:buNone/>
+          </a:pPr>
+          <a:r>
+            <a:rPr lang="en-GB" sz="4700" kern="1200" dirty="0" err="1"/>
+            <a:t>dbachecks</a:t>
+          </a:r>
+          <a:r>
+            <a:rPr lang="en-GB" sz="4700" kern="1200" dirty="0"/>
+            <a:t>: run the test</a:t>
+          </a:r>
+        </a:p>
+      </dsp:txBody>
+      <dsp:txXfrm>
+        <a:off x="1863864" y="1978006"/>
+        <a:ext cx="6787871" cy="1217649"/>
+      </dsp:txXfrm>
+    </dsp:sp>
+    <dsp:sp modelId="{33D315D9-F7A3-4B37-BB66-CD4173382421}">
+      <dsp:nvSpPr>
+        <dsp:cNvPr id="0" name=""/>
+        <dsp:cNvSpPr/>
+      </dsp:nvSpPr>
+      <dsp:spPr>
+        <a:xfrm rot="5400000">
+          <a:off x="5015284" y="3265874"/>
+          <a:ext cx="485030" cy="582037"/>
+        </a:xfrm>
+        <a:prstGeom prst="rightArrow">
+          <a:avLst>
+            <a:gd name="adj1" fmla="val 60000"/>
+            <a:gd name="adj2" fmla="val 50000"/>
+          </a:avLst>
+        </a:prstGeom>
+        <a:solidFill>
+          <a:schemeClr val="accent1">
+            <a:tint val="60000"/>
+            <a:hueOff val="0"/>
+            <a:satOff val="0"/>
+            <a:lumOff val="0"/>
+            <a:alphaOff val="0"/>
+          </a:schemeClr>
+        </a:solidFill>
+        <a:ln>
+          <a:noFill/>
+        </a:ln>
+        <a:effectLst/>
+      </dsp:spPr>
+      <dsp:style>
+        <a:lnRef idx="0">
+          <a:scrgbClr r="0" g="0" b="0"/>
+        </a:lnRef>
+        <a:fillRef idx="1">
+          <a:scrgbClr r="0" g="0" b="0"/>
+        </a:fillRef>
+        <a:effectRef idx="0">
+          <a:scrgbClr r="0" g="0" b="0"/>
+        </a:effectRef>
+        <a:fontRef idx="minor">
+          <a:schemeClr val="lt1"/>
+        </a:fontRef>
+      </dsp:style>
+      <dsp:txBody>
+        <a:bodyPr spcFirstLastPara="0" vert="horz" wrap="square" lIns="0" tIns="0" rIns="0" bIns="0" numCol="1" spcCol="1270" anchor="ctr" anchorCtr="0">
+          <a:noAutofit/>
+        </a:bodyPr>
+        <a:lstStyle/>
+        <a:p>
+          <a:pPr marL="0" lvl="0" indent="0" algn="ctr" defTabSz="1066800">
+            <a:lnSpc>
+              <a:spcPct val="90000"/>
+            </a:lnSpc>
+            <a:spcBef>
+              <a:spcPct val="0"/>
+            </a:spcBef>
+            <a:spcAft>
+              <a:spcPct val="35000"/>
+            </a:spcAft>
+            <a:buNone/>
+          </a:pPr>
+          <a:endParaRPr lang="en-GB" sz="2400" kern="1200"/>
+        </a:p>
+      </dsp:txBody>
+      <dsp:txXfrm rot="-5400000">
+        <a:off x="5083188" y="3314378"/>
+        <a:ext cx="349223" cy="339521"/>
+      </dsp:txXfrm>
+    </dsp:sp>
+    <dsp:sp modelId="{B4A874E3-3543-4EF3-A2EF-1D8BD03FAF25}">
+      <dsp:nvSpPr>
+        <dsp:cNvPr id="0" name=""/>
+        <dsp:cNvSpPr/>
+      </dsp:nvSpPr>
+      <dsp:spPr>
+        <a:xfrm>
+          <a:off x="1825981" y="3880247"/>
+          <a:ext cx="6863637" cy="1293415"/>
+        </a:xfrm>
+        <a:prstGeom prst="roundRect">
+          <a:avLst>
+            <a:gd name="adj" fmla="val 10000"/>
+          </a:avLst>
+        </a:prstGeom>
+        <a:solidFill>
+          <a:schemeClr val="accent1">
+            <a:hueOff val="0"/>
+            <a:satOff val="0"/>
+            <a:lumOff val="0"/>
+            <a:alphaOff val="0"/>
+          </a:schemeClr>
+        </a:solidFill>
+        <a:ln w="12700" cap="flat" cmpd="sng" algn="ctr">
+          <a:solidFill>
+            <a:schemeClr val="lt1">
+              <a:hueOff val="0"/>
+              <a:satOff val="0"/>
+              <a:lumOff val="0"/>
+              <a:alphaOff val="0"/>
+            </a:schemeClr>
+          </a:solidFill>
+          <a:prstDash val="solid"/>
+          <a:miter lim="800000"/>
+        </a:ln>
+        <a:effectLst/>
+      </dsp:spPr>
+      <dsp:style>
+        <a:lnRef idx="2">
+          <a:scrgbClr r="0" g="0" b="0"/>
+        </a:lnRef>
+        <a:fillRef idx="1">
+          <a:scrgbClr r="0" g="0" b="0"/>
+        </a:fillRef>
+        <a:effectRef idx="0">
+          <a:scrgbClr r="0" g="0" b="0"/>
+        </a:effectRef>
+        <a:fontRef idx="minor">
+          <a:schemeClr val="lt1"/>
+        </a:fontRef>
+      </dsp:style>
+      <dsp:txBody>
+        <a:bodyPr spcFirstLastPara="0" vert="horz" wrap="square" lIns="175260" tIns="175260" rIns="175260" bIns="175260" numCol="1" spcCol="1270" anchor="ctr" anchorCtr="0">
+          <a:noAutofit/>
+        </a:bodyPr>
+        <a:lstStyle/>
+        <a:p>
+          <a:pPr marL="0" lvl="0" indent="0" algn="ctr" defTabSz="2044700">
+            <a:lnSpc>
+              <a:spcPct val="90000"/>
+            </a:lnSpc>
+            <a:spcBef>
+              <a:spcPct val="0"/>
+            </a:spcBef>
+            <a:spcAft>
+              <a:spcPct val="35000"/>
+            </a:spcAft>
+            <a:buNone/>
+          </a:pPr>
+          <a:r>
+            <a:rPr lang="en-GB" sz="4600" kern="1200" dirty="0" err="1"/>
+            <a:t>dbatools</a:t>
+          </a:r>
+          <a:r>
+            <a:rPr lang="en-GB" sz="4600" kern="1200" dirty="0"/>
+            <a:t>: fix issues</a:t>
+          </a:r>
+        </a:p>
+      </dsp:txBody>
+      <dsp:txXfrm>
+        <a:off x="1863864" y="3918130"/>
+        <a:ext cx="6787871" cy="1217649"/>
+      </dsp:txXfrm>
+    </dsp:sp>
+  </dsp:spTree>
+</dsp:drawing>
+</file>
+
+<file path=ppt/diagrams/layout1.xml><?xml version="1.0" encoding="utf-8"?>
+<dgm:layoutDef xmlns:dgm="http://schemas.openxmlformats.org/drawingml/2006/diagram" xmlns:a="http://schemas.openxmlformats.org/drawingml/2006/main" uniqueId="urn:microsoft.com/office/officeart/2005/8/layout/process2">
+  <dgm:title val=""/>
+  <dgm:desc val=""/>
+  <dgm:catLst>
+    <dgm:cat type="process" pri="13000"/>
+  </dgm:catLst>
+  <dgm:sampData useDef="1">
+    <dgm:dataModel>
+      <dgm:ptLst/>
+      <dgm:bg/>
+      <dgm:whole/>
+    </dgm:dataModel>
+  </dgm:sampData>
+  <dgm:styleData>
+    <dgm:dataModel>
+      <dgm:ptLst>
+        <dgm:pt modelId="0" type="doc"/>
+        <dgm:pt modelId="1"/>
+        <dgm:pt modelId="2"/>
+      </dgm:ptLst>
+      <dgm:cxnLst>
+        <dgm:cxn modelId="3" srcId="0" destId="1" srcOrd="0" destOrd="0"/>
+        <dgm:cxn modelId="4" srcId="0" destId="2" srcOrd="1" destOrd="0"/>
+      </dgm:cxnLst>
+      <dgm:bg/>
+      <dgm:whole/>
+    </dgm:dataModel>
+  </dgm:styleData>
+  <dgm:clrData>
+    <dgm:dataModel>
+      <dgm:ptLst>
+        <dgm:pt modelId="0" type="doc"/>
+        <dgm:pt modelId="1"/>
+        <dgm:pt modelId="2"/>
+        <dgm:pt modelId="3"/>
+        <dgm:pt modelId="4"/>
+      </dgm:ptLst>
+      <dgm:cxnLst>
+        <dgm:cxn modelId="5" srcId="0" destId="1" srcOrd="0" destOrd="0"/>
+        <dgm:cxn modelId="6" srcId="0" destId="2" srcOrd="1" destOrd="0"/>
+        <dgm:cxn modelId="7" srcId="0" destId="3" srcOrd="2" destOrd="0"/>
+        <dgm:cxn modelId="8" srcId="0" destId="4" srcOrd="3" destOrd="0"/>
+      </dgm:cxnLst>
+      <dgm:bg/>
+      <dgm:whole/>
+    </dgm:dataModel>
+  </dgm:clrData>
+  <dgm:layoutNode name="linearFlow">
+    <dgm:varLst>
+      <dgm:resizeHandles val="exact"/>
+    </dgm:varLst>
+    <dgm:alg type="lin">
+      <dgm:param type="linDir" val="fromT"/>
+    </dgm:alg>
+    <dgm:shape xmlns:r="http://schemas.openxmlformats.org/officeDocument/2006/relationships" r:blip="">
+      <dgm:adjLst/>
+    </dgm:shape>
+    <dgm:presOf/>
+    <dgm:constrLst>
+      <dgm:constr type="h" for="ch" ptType="node" refType="h"/>
+      <dgm:constr type="h" for="ch" ptType="sibTrans" refType="h" refFor="ch" refPtType="node" fact="0.5"/>
+      <dgm:constr type="w" for="ch" ptType="node" op="equ"/>
+      <dgm:constr type="primFontSz" for="ch" ptType="node" op="equ" val="65"/>
+      <dgm:constr type="primFontSz" for="des" forName="connectorText" op="equ" val="55"/>
+      <dgm:constr type="primFontSz" for="des" forName="connectorText" refType="primFontSz" refFor="ch" refPtType="node" op="lte" fact="0.8"/>
+    </dgm:constrLst>
+    <dgm:ruleLst/>
+    <dgm:forEach name="nodesForEach" axis="ch" ptType="node">
+      <dgm:layoutNode name="node">
+        <dgm:varLst>
+          <dgm:bulletEnabled val="1"/>
+        </dgm:varLst>
+        <dgm:choose name="Name0">
+          <dgm:if name="Name1" axis="root des" ptType="all node" func="maxDepth" op="gt" val="1">
+            <dgm:alg type="tx">
+              <dgm:param type="parTxLTRAlign" val="l"/>
+              <dgm:param type="parTxRTLAlign" val="r"/>
+              <dgm:param type="txAnchorVertCh" val="mid"/>
+            </dgm:alg>
+          </dgm:if>
+          <dgm:else name="Name2">
+            <dgm:alg type="tx"/>
+          </dgm:else>
+        </dgm:choose>
+        <dgm:shape xmlns:r="http://schemas.openxmlformats.org/officeDocument/2006/relationships" type="roundRect" r:blip="">
+          <dgm:adjLst>
+            <dgm:adj idx="1" val="0.1"/>
+          </dgm:adjLst>
+        </dgm:shape>
+        <dgm:presOf axis="desOrSelf" ptType="node"/>
+        <dgm:constrLst>
+          <dgm:constr type="w" refType="h" fact="1.8"/>
+          <dgm:constr type="tMarg" refType="primFontSz" fact="0.3"/>
+          <dgm:constr type="bMarg" refType="primFontSz" fact="0.3"/>
+          <dgm:constr type="lMarg" refType="primFontSz" fact="0.3"/>
+          <dgm:constr type="rMarg" refType="primFontSz" fact="0.3"/>
+        </dgm:constrLst>
+        <dgm:ruleLst>
+          <dgm:rule type="primFontSz" val="18" fact="NaN" max="NaN"/>
+          <dgm:rule type="w" val="NaN" fact="4" max="NaN"/>
+          <dgm:rule type="primFontSz" val="5" fact="NaN" max="NaN"/>
+        </dgm:ruleLst>
+      </dgm:layoutNode>
+      <dgm:forEach name="sibTransForEach" axis="followSib" ptType="sibTrans" cnt="1">
+        <dgm:layoutNode name="sibTrans">
+          <dgm:alg type="conn">
+            <dgm:param type="begPts" val="auto"/>
+            <dgm:param type="endPts" val="auto"/>
+          </dgm:alg>
+          <dgm:shape xmlns:r="http://schemas.openxmlformats.org/officeDocument/2006/relationships" type="conn" r:blip="">
+            <dgm:adjLst/>
+          </dgm:shape>
+          <dgm:presOf axis="self"/>
+          <dgm:constrLst>
+            <dgm:constr type="w" refType="h" fact="0.9"/>
+            <dgm:constr type="connDist"/>
+            <dgm:constr type="wArH" refType="w" fact="0.5"/>
+            <dgm:constr type="hArH" refType="w"/>
+            <dgm:constr type="stemThick" refType="w" fact="0.6"/>
+            <dgm:constr type="begPad" refType="connDist" fact="0.125"/>
+            <dgm:constr type="endPad" refType="connDist" fact="0.125"/>
+          </dgm:constrLst>
+          <dgm:ruleLst/>
+          <dgm:layoutNode name="connectorText">
+            <dgm:alg type="tx">
+              <dgm:param type="autoTxRot" val="upr"/>
+            </dgm:alg>
+            <dgm:shape xmlns:r="http://schemas.openxmlformats.org/officeDocument/2006/relationships" type="conn" r:blip="" hideGeom="1">
+              <dgm:adjLst/>
+            </dgm:shape>
+            <dgm:presOf axis="self"/>
+            <dgm:constrLst>
+              <dgm:constr type="lMarg"/>
+              <dgm:constr type="rMarg"/>
+              <dgm:constr type="tMarg"/>
+              <dgm:constr type="bMarg"/>
+            </dgm:constrLst>
+            <dgm:ruleLst>
+              <dgm:rule type="primFontSz" val="5" fact="NaN" max="NaN"/>
+            </dgm:ruleLst>
+          </dgm:layoutNode>
+        </dgm:layoutNode>
+      </dgm:forEach>
+    </dgm:forEach>
+  </dgm:layoutNode>
+</dgm:layoutDef>
+</file>
+
+<file path=ppt/diagrams/quickStyle1.xml><?xml version="1.0" encoding="utf-8"?>
+<dgm:styleDef xmlns:dgm="http://schemas.openxmlformats.org/drawingml/2006/diagram" xmlns:a="http://schemas.openxmlformats.org/drawingml/2006/main" uniqueId="urn:microsoft.com/office/officeart/2005/8/quickstyle/simple1">
+  <dgm:title val=""/>
+  <dgm:desc val=""/>
+  <dgm:catLst>
+    <dgm:cat type="simple" pri="10100"/>
+  </dgm:catLst>
+  <dgm:scene3d>
+    <a:camera prst="orthographicFront"/>
+    <a:lightRig rig="threePt" dir="t"/>
+  </dgm:scene3d>
+  <dgm:styleLbl name="node0">
+    <dgm:scene3d>
+      <a:camera prst="orthographicFront"/>
+      <a:lightRig rig="threePt" dir="t"/>
+    </dgm:scene3d>
+    <dgm:sp3d/>
+    <dgm:txPr/>
+    <dgm:style>
+      <a:lnRef idx="2">
+        <a:scrgbClr r="0" g="0" b="0"/>
+      </a:lnRef>
+      <a:fillRef idx="1">
+        <a:scrgbClr r="0" g="0" b="0"/>
+      </a:fillRef>
+      <a:effectRef idx="0">
+        <a:scrgbClr r="0" g="0" b="0"/>
+      </a:effectRef>
+      <a:fontRef idx="minor">
+        <a:schemeClr val="lt1"/>
+      </a:fontRef>
+    </dgm:style>
+  </dgm:styleLbl>
+  <dgm:styleLbl name="lnNode1">
+    <dgm:scene3d>
+      <a:camera prst="orthographicFront"/>
+      <a:lightRig rig="threePt" dir="t"/>
+    </dgm:scene3d>
+    <dgm:sp3d/>
+    <dgm:txPr/>
+    <dgm:style>
+      <a:lnRef idx="2">
+        <a:scrgbClr r="0" g="0" b="0"/>
+      </a:lnRef>
+      <a:fillRef idx="1">
+        <a:scrgbClr r="0" g="0" b="0"/>
+      </a:fillRef>
+      <a:effectRef idx="0">
+        <a:scrgbClr r="0" g="0" b="0"/>
+      </a:effectRef>
+      <a:fontRef idx="minor">
+        <a:schemeClr val="lt1"/>
+      </a:fontRef>
+    </dgm:style>
+  </dgm:styleLbl>
+  <dgm:styleLbl name="vennNode1">
+    <dgm:scene3d>
+      <a:camera prst="orthographicFront"/>
+      <a:lightRig rig="threePt" dir="t"/>
+    </dgm:scene3d>
+    <dgm:sp3d/>
+    <dgm:txPr/>
+    <dgm:style>
+      <a:lnRef idx="2">
+        <a:scrgbClr r="0" g="0" b="0"/>
+      </a:lnRef>
+      <a:fillRef idx="1">
+        <a:scrgbClr r="0" g="0" b="0"/>
+      </a:fillRef>
+      <a:effectRef idx="0">
+        <a:scrgbClr r="0" g="0" b="0"/>
+      </a:effectRef>
+      <a:fontRef idx="minor">
+        <a:schemeClr val="tx1"/>
+      </a:fontRef>
+    </dgm:style>
+  </dgm:styleLbl>
+  <dgm:styleLbl name="alignNode1">
+    <dgm:scene3d>
+      <a:camera prst="orthographicFront"/>
+      <a:lightRig rig="threePt" dir="t"/>
+    </dgm:scene3d>
+    <dgm:sp3d/>
+    <dgm:txPr/>
+    <dgm:style>
+      <a:lnRef idx="2">
+        <a:scrgbClr r="0" g="0" b="0"/>
+      </a:lnRef>
+      <a:fillRef idx="1">
+        <a:scrgbClr r="0" g="0" b="0"/>
+      </a:fillRef>
+      <a:effectRef idx="0">
+        <a:scrgbClr r="0" g="0" b="0"/>
+      </a:effectRef>
+      <a:fontRef idx="minor">
+        <a:schemeClr val="lt1"/>
+      </a:fontRef>
+    </dgm:style>
+  </dgm:styleLbl>
+  <dgm:styleLbl name="node1">
+    <dgm:scene3d>
+      <a:camera prst="orthographicFront"/>
+      <a:lightRig rig="threePt" dir="t"/>
+    </dgm:scene3d>
+    <dgm:sp3d/>
+    <dgm:txPr/>
+    <dgm:style>
+      <a:lnRef idx="2">
+        <a:scrgbClr r="0" g="0" b="0"/>
+      </a:lnRef>
+      <a:fillRef idx="1">
+        <a:scrgbClr r="0" g="0" b="0"/>
+      </a:fillRef>
+      <a:effectRef idx="0">
+        <a:scrgbClr r="0" g="0" b="0"/>
+      </a:effectRef>
+      <a:fontRef idx="minor">
+        <a:schemeClr val="lt1"/>
+      </a:fontRef>
+    </dgm:style>
+  </dgm:styleLbl>
+  <dgm:styleLbl name="node2">
+    <dgm:scene3d>
+      <a:camera prst="orthographicFront"/>
+      <a:lightRig rig="threePt" dir="t"/>
+    </dgm:scene3d>
+    <dgm:sp3d/>
+    <dgm:txPr/>
+    <dgm:style>
+      <a:lnRef idx="2">
+        <a:scrgbClr r="0" g="0" b="0"/>
+      </a:lnRef>
+      <a:fillRef idx="1">
+        <a:scrgbClr r="0" g="0" b="0"/>
+      </a:fillRef>
+      <a:effectRef idx="0">
+        <a:scrgbClr r="0" g="0" b="0"/>
+      </a:effectRef>
+      <a:fontRef idx="minor">
+        <a:schemeClr val="lt1"/>
+      </a:fontRef>
+    </dgm:style>
+  </dgm:styleLbl>
+  <dgm:styleLbl name="node3">
+    <dgm:scene3d>
+      <a:camera prst="orthographicFront"/>
+      <a:lightRig rig="threePt" dir="t"/>
+    </dgm:scene3d>
+    <dgm:sp3d/>
+    <dgm:txPr/>
+    <dgm:style>
+      <a:lnRef idx="2">
+        <a:scrgbClr r="0" g="0" b="0"/>
+      </a:lnRef>
+      <a:fillRef idx="1">
+        <a:scrgbClr r="0" g="0" b="0"/>
+      </a:fillRef>
+      <a:effectRef idx="0">
+        <a:scrgbClr r="0" g="0" b="0"/>
+      </a:effectRef>
+      <a:fontRef idx="minor">
+        <a:schemeClr val="lt1"/>
+      </a:fontRef>
+    </dgm:style>
+  </dgm:styleLbl>
+  <dgm:styleLbl name="node4">
+    <dgm:scene3d>
+      <a:camera prst="orthographicFront"/>
+      <a:lightRig rig="threePt" dir="t"/>
+    </dgm:scene3d>
+    <dgm:sp3d/>
+    <dgm:txPr/>
+    <dgm:style>
+      <a:lnRef idx="2">
+        <a:scrgbClr r="0" g="0" b="0"/>
+      </a:lnRef>
+      <a:fillRef idx="1">
+        <a:scrgbClr r="0" g="0" b="0"/>
+      </a:fillRef>
+      <a:effectRef idx="0">
+        <a:scrgbClr r="0" g="0" b="0"/>
+      </a:effectRef>
+      <a:fontRef idx="minor">
+        <a:schemeClr val="lt1"/>
+      </a:fontRef>
+    </dgm:style>
+  </dgm:styleLbl>
+  <dgm:styleLbl name="fgImgPlace1">
+    <dgm:scene3d>
+      <a:camera prst="orthographicFront"/>
+      <a:lightRig rig="threePt" dir="t"/>
+    </dgm:scene3d>
+    <dgm:sp3d/>
+    <dgm:txPr/>
+    <dgm:style>
+      <a:lnRef idx="2">
+        <a:scrgbClr r="0" g="0" b="0"/>
+      </a:lnRef>
+      <a:fillRef idx="1">
+        <a:scrgbClr r="0" g="0" b="0"/>
+      </a:fillRef>
+      <a:effectRef idx="0">
+        <a:scrgbClr r="0" g="0" b="0"/>
+      </a:effectRef>
+      <a:fontRef idx="minor"/>
+    </dgm:style>
+  </dgm:styleLbl>
+  <dgm:styleLbl name="alignImgPlace1">
+    <dgm:scene3d>
+      <a:camera prst="orthographicFront"/>
+      <a:lightRig rig="threePt" dir="t"/>
+    </dgm:scene3d>
+    <dgm:sp3d/>
+    <dgm:txPr/>
+    <dgm:style>
+      <a:lnRef idx="2">
+        <a:scrgbClr r="0" g="0" b="0"/>
+      </a:lnRef>
+      <a:fillRef idx="1">
+        <a:scrgbClr r="0" g="0" b="0"/>
+      </a:fillRef>
+      <a:effectRef idx="0">
+        <a:scrgbClr r="0" g="0" b="0"/>
+      </a:effectRef>
+      <a:fontRef idx="minor"/>
+    </dgm:style>
+  </dgm:styleLbl>
+  <dgm:styleLbl name="bgImgPlace1">
+    <dgm:scene3d>
+      <a:camera prst="orthographicFront"/>
+      <a:lightRig rig="threePt" dir="t"/>
+    </dgm:scene3d>
+    <dgm:sp3d/>
+    <dgm:txPr/>
+    <dgm:style>
+      <a:lnRef idx="2">
+        <a:scrgbClr r="0" g="0" b="0"/>
+      </a:lnRef>
+      <a:fillRef idx="1">
+        <a:scrgbClr r="0" g="0" b="0"/>
+      </a:fillRef>
+      <a:effectRef idx="0">
+        <a:scrgbClr r="0" g="0" b="0"/>
+      </a:effectRef>
+      <a:fontRef idx="minor"/>
+    </dgm:style>
+  </dgm:styleLbl>
+  <dgm:styleLbl name="sibTrans2D1">
+    <dgm:scene3d>
+      <a:camera prst="orthographicFront"/>
+      <a:lightRig rig="threePt" dir="t"/>
+    </dgm:scene3d>
+    <dgm:sp3d/>
+    <dgm:txPr/>
+    <dgm:style>
+      <a:lnRef idx="0">
+        <a:scrgbClr r="0" g="0" b="0"/>
+      </a:lnRef>
+      <a:fillRef idx="1">
+        <a:scrgbClr r="0" g="0" b="0"/>
+      </a:fillRef>
+      <a:effectRef idx="0">
+        <a:scrgbClr r="0" g="0" b="0"/>
+      </a:effectRef>
+      <a:fontRef idx="minor">
+        <a:schemeClr val="lt1"/>
+      </a:fontRef>
+    </dgm:style>
+  </dgm:styleLbl>
+  <dgm:styleLbl name="fgSibTrans2D1">
+    <dgm:scene3d>
+      <a:camera prst="orthographicFront"/>
+      <a:lightRig rig="threePt" dir="t"/>
+    </dgm:scene3d>
+    <dgm:sp3d/>
+    <dgm:txPr/>
+    <dgm:style>
+      <a:lnRef idx="0">
+        <a:scrgbClr r="0" g="0" b="0"/>
+      </a:lnRef>
+      <a:fillRef idx="1">
+        <a:scrgbClr r="0" g="0" b="0"/>
+      </a:fillRef>
+      <a:effectRef idx="0">
+        <a:scrgbClr r="0" g="0" b="0"/>
+      </a:effectRef>
+      <a:fontRef idx="minor">
+        <a:schemeClr val="lt1"/>
+      </a:fontRef>
+    </dgm:style>
+  </dgm:styleLbl>
+  <dgm:styleLbl name="bgSibTrans2D1">
+    <dgm:scene3d>
+      <a:camera prst="orthographicFront"/>
+      <a:lightRig rig="threePt" dir="t"/>
+    </dgm:scene3d>
+    <dgm:sp3d/>
+    <dgm:txPr/>
+    <dgm:style>
+      <a:lnRef idx="0">
+        <a:scrgbClr r="0" g="0" b="0"/>
+      </a:lnRef>
+      <a:fillRef idx="1">
+        <a:scrgbClr r="0" g="0" b="0"/>
+      </a:fillRef>
+      <a:effectRef idx="0">
+        <a:scrgbClr r="0" g="0" b="0"/>
+      </a:effectRef>
+      <a:fontRef idx="minor">
+        <a:schemeClr val="lt1"/>
+      </a:fontRef>
+    </dgm:style>
+  </dgm:styleLbl>
+  <dgm:styleLbl name="sibTrans1D1">
+    <dgm:scene3d>
+      <a:camera prst="orthographicFront"/>
+      <a:lightRig rig="threePt" dir="t"/>
+    </dgm:scene3d>
+    <dgm:sp3d/>
+    <dgm:txPr/>
+    <dgm:style>
+      <a:lnRef idx="1">
+        <a:scrgbClr r="0" g="0" b="0"/>
+      </a:lnRef>
+      <a:fillRef idx="0">
+        <a:scrgbClr r="0" g="0" b="0"/>
+      </a:fillRef>
+      <a:effectRef idx="0">
+        <a:scrgbClr r="0" g="0" b="0"/>
+      </a:effectRef>
+      <a:fontRef idx="minor"/>
+    </dgm:style>
+  </dgm:styleLbl>
+  <dgm:styleLbl name="callout">
+    <dgm:scene3d>
+      <a:camera prst="orthographicFront"/>
+      <a:lightRig rig="threePt" dir="t"/>
+    </dgm:scene3d>
+    <dgm:sp3d/>
+    <dgm:txPr/>
+    <dgm:style>
+      <a:lnRef idx="2">
+        <a:scrgbClr r="0" g="0" b="0"/>
+      </a:lnRef>
+      <a:fillRef idx="1">
+        <a:scrgbClr r="0" g="0" b="0"/>
+      </a:fillRef>
+      <a:effectRef idx="0">
+        <a:scrgbClr r="0" g="0" b="0"/>
+      </a:effectRef>
+      <a:fontRef idx="minor"/>
+    </dgm:style>
+  </dgm:styleLbl>
+  <dgm:styleLbl name="asst0">
+    <dgm:scene3d>
+      <a:camera prst="orthographicFront"/>
+      <a:lightRig rig="threePt" dir="t"/>
+    </dgm:scene3d>
+    <dgm:sp3d/>
+    <dgm:txPr/>
+    <dgm:style>
+      <a:lnRef idx="2">
+        <a:scrgbClr r="0" g="0" b="0"/>
+      </a:lnRef>
+      <a:fillRef idx="1">
+        <a:scrgbClr r="0" g="0" b="0"/>
+      </a:fillRef>
+      <a:effectRef idx="0">
+        <a:scrgbClr r="0" g="0" b="0"/>
+      </a:effectRef>
+      <a:fontRef idx="minor">
+        <a:schemeClr val="lt1"/>
+      </a:fontRef>
+    </dgm:style>
+  </dgm:styleLbl>
+  <dgm:styleLbl name="asst1">
+    <dgm:scene3d>
+      <a:camera prst="orthographicFront"/>
+      <a:lightRig rig="threePt" dir="t"/>
+    </dgm:scene3d>
+    <dgm:sp3d/>
+    <dgm:txPr/>
+    <dgm:style>
+      <a:lnRef idx="2">
+        <a:scrgbClr r="0" g="0" b="0"/>
+      </a:lnRef>
+      <a:fillRef idx="1">
+        <a:scrgbClr r="0" g="0" b="0"/>
+      </a:fillRef>
+      <a:effectRef idx="0">
+        <a:scrgbClr r="0" g="0" b="0"/>
+      </a:effectRef>
+      <a:fontRef idx="minor">
+        <a:schemeClr val="lt1"/>
+      </a:fontRef>
+    </dgm:style>
+  </dgm:styleLbl>
+  <dgm:styleLbl name="asst2">
+    <dgm:scene3d>
+      <a:camera prst="orthographicFront"/>
+      <a:lightRig rig="threePt" dir="t"/>
+    </dgm:scene3d>
+    <dgm:sp3d/>
+    <dgm:txPr/>
+    <dgm:style>
+      <a:lnRef idx="2">
+        <a:scrgbClr r="0" g="0" b="0"/>
+      </a:lnRef>
+      <a:fillRef idx="1">
+        <a:scrgbClr r="0" g="0" b="0"/>
+      </a:fillRef>
+      <a:effectRef idx="0">
+        <a:scrgbClr r="0" g="0" b="0"/>
+      </a:effectRef>
+      <a:fontRef idx="minor">
+        <a:schemeClr val="lt1"/>
+      </a:fontRef>
+    </dgm:style>
+  </dgm:styleLbl>
+  <dgm:styleLbl name="asst3">
+    <dgm:scene3d>
+      <a:camera prst="orthographicFront"/>
+      <a:lightRig rig="threePt" dir="t"/>
+    </dgm:scene3d>
+    <dgm:sp3d/>
+    <dgm:txPr/>
+    <dgm:style>
+      <a:lnRef idx="2">
+        <a:scrgbClr r="0" g="0" b="0"/>
+      </a:lnRef>
+      <a:fillRef idx="1">
+        <a:scrgbClr r="0" g="0" b="0"/>
+      </a:fillRef>
+      <a:effectRef idx="0">
+        <a:scrgbClr r="0" g="0" b="0"/>
+      </a:effectRef>
+      <a:fontRef idx="minor">
+        <a:schemeClr val="lt1"/>
+      </a:fontRef>
+    </dgm:style>
+  </dgm:styleLbl>
+  <dgm:styleLbl name="asst4">
+    <dgm:scene3d>
+      <a:camera prst="orthographicFront"/>
+      <a:lightRig rig="threePt" dir="t"/>
+    </dgm:scene3d>
+    <dgm:sp3d/>
+    <dgm:txPr/>
+    <dgm:style>
+      <a:lnRef idx="2">
+        <a:scrgbClr r="0" g="0" b="0"/>
+      </a:lnRef>
+      <a:fillRef idx="1">
+        <a:scrgbClr r="0" g="0" b="0"/>
+      </a:fillRef>
+      <a:effectRef idx="0">
+        <a:scrgbClr r="0" g="0" b="0"/>
+      </a:effectRef>
+      <a:fontRef idx="minor">
+        <a:schemeClr val="lt1"/>
+      </a:fontRef>
+    </dgm:style>
+  </dgm:styleLbl>
+  <dgm:styleLbl name="parChTrans2D1">
+    <dgm:scene3d>
+      <a:camera prst="orthographicFront"/>
+      <a:lightRig rig="threePt" dir="t"/>
+    </dgm:scene3d>
+    <dgm:sp3d/>
+    <dgm:txPr/>
+    <dgm:style>
+      <a:lnRef idx="2">
+        <a:scrgbClr r="0" g="0" b="0"/>
+      </a:lnRef>
+      <a:fillRef idx="1">
+        <a:scrgbClr r="0" g="0" b="0"/>
+      </a:fillRef>
+      <a:effectRef idx="0">
+        <a:scrgbClr r="0" g="0" b="0"/>
+      </a:effectRef>
+      <a:fontRef idx="minor">
+        <a:schemeClr val="lt1"/>
+      </a:fontRef>
+    </dgm:style>
+  </dgm:styleLbl>
+  <dgm:styleLbl name="parChTrans2D2">
+    <dgm:scene3d>
+      <a:camera prst="orthographicFront"/>
+      <a:lightRig rig="threePt" dir="t"/>
+    </dgm:scene3d>
+    <dgm:sp3d/>
+    <dgm:txPr/>
+    <dgm:style>
+      <a:lnRef idx="2">
+        <a:scrgbClr r="0" g="0" b="0"/>
+      </a:lnRef>
+      <a:fillRef idx="1">
+        <a:scrgbClr r="0" g="0" b="0"/>
+      </a:fillRef>
+      <a:effectRef idx="0">
+        <a:scrgbClr r="0" g="0" b="0"/>
+      </a:effectRef>
+      <a:fontRef idx="minor">
+        <a:schemeClr val="lt1"/>
+      </a:fontRef>
+    </dgm:style>
+  </dgm:styleLbl>
+  <dgm:styleLbl name="parChTrans2D3">
+    <dgm:scene3d>
+      <a:camera prst="orthographicFront"/>
+      <a:lightRig rig="threePt" dir="t"/>
+    </dgm:scene3d>
+    <dgm:sp3d/>
+    <dgm:txPr/>
+    <dgm:style>
+      <a:lnRef idx="2">
+        <a:scrgbClr r="0" g="0" b="0"/>
+      </a:lnRef>
+      <a:fillRef idx="1">
+        <a:scrgbClr r="0" g="0" b="0"/>
+      </a:fillRef>
+      <a:effectRef idx="0">
+        <a:scrgbClr r="0" g="0" b="0"/>
+      </a:effectRef>
+      <a:fontRef idx="minor">
+        <a:schemeClr val="lt1"/>
+      </a:fontRef>
+    </dgm:style>
+  </dgm:styleLbl>
+  <dgm:styleLbl name="parChTrans2D4">
+    <dgm:scene3d>
+      <a:camera prst="orthographicFront"/>
+      <a:lightRig rig="threePt" dir="t"/>
+    </dgm:scene3d>
+    <dgm:sp3d/>
+    <dgm:txPr/>
+    <dgm:style>
+      <a:lnRef idx="2">
+        <a:scrgbClr r="0" g="0" b="0"/>
+      </a:lnRef>
+      <a:fillRef idx="1">
+        <a:scrgbClr r="0" g="0" b="0"/>
+      </a:fillRef>
+      <a:effectRef idx="0">
+        <a:scrgbClr r="0" g="0" b="0"/>
+      </a:effectRef>
+      <a:fontRef idx="minor">
+        <a:schemeClr val="lt1"/>
+      </a:fontRef>
+    </dgm:style>
+  </dgm:styleLbl>
+  <dgm:styleLbl name="parChTrans1D1">
+    <dgm:scene3d>
+      <a:camera prst="orthographicFront"/>
+      <a:lightRig rig="threePt" dir="t"/>
+    </dgm:scene3d>
+    <dgm:sp3d/>
+    <dgm:txPr/>
+    <dgm:style>
+      <a:lnRef idx="2">
+        <a:scrgbClr r="0" g="0" b="0"/>
+      </a:lnRef>
+      <a:fillRef idx="0">
+        <a:scrgbClr r="0" g="0" b="0"/>
+      </a:fillRef>
+      <a:effectRef idx="0">
+        <a:scrgbClr r="0" g="0" b="0"/>
+      </a:effectRef>
+      <a:fontRef idx="minor"/>
+    </dgm:style>
+  </dgm:styleLbl>
+  <dgm:styleLbl name="parChTrans1D2">
+    <dgm:scene3d>
+      <a:camera prst="orthographicFront"/>
+      <a:lightRig rig="threePt" dir="t"/>
+    </dgm:scene3d>
+    <dgm:sp3d/>
+    <dgm:txPr/>
+    <dgm:style>
+      <a:lnRef idx="2">
+        <a:scrgbClr r="0" g="0" b="0"/>
+      </a:lnRef>
+      <a:fillRef idx="0">
+        <a:scrgbClr r="0" g="0" b="0"/>
+      </a:fillRef>
+      <a:effectRef idx="0">
+        <a:scrgbClr r="0" g="0" b="0"/>
+      </a:effectRef>
+      <a:fontRef idx="minor"/>
+    </dgm:style>
+  </dgm:styleLbl>
+  <dgm:styleLbl name="parChTrans1D3">
+    <dgm:scene3d>
+      <a:camera prst="orthographicFront"/>
+      <a:lightRig rig="threePt" dir="t"/>
+    </dgm:scene3d>
+    <dgm:sp3d/>
+    <dgm:txPr/>
+    <dgm:style>
+      <a:lnRef idx="2">
+        <a:scrgbClr r="0" g="0" b="0"/>
+      </a:lnRef>
+      <a:fillRef idx="0">
+        <a:scrgbClr r="0" g="0" b="0"/>
+      </a:fillRef>
+      <a:effectRef idx="0">
+        <a:scrgbClr r="0" g="0" b="0"/>
+      </a:effectRef>
+      <a:fontRef idx="minor"/>
+    </dgm:style>
+  </dgm:styleLbl>
+  <dgm:styleLbl name="parChTrans1D4">
+    <dgm:scene3d>
+      <a:camera prst="orthographicFront"/>
+      <a:lightRig rig="threePt" dir="t"/>
+    </dgm:scene3d>
+    <dgm:sp3d/>
+    <dgm:txPr/>
+    <dgm:style>
+      <a:lnRef idx="2">
+        <a:scrgbClr r="0" g="0" b="0"/>
+      </a:lnRef>
+      <a:fillRef idx="0">
+        <a:scrgbClr r="0" g="0" b="0"/>
+      </a:fillRef>
+      <a:effectRef idx="0">
+        <a:scrgbClr r="0" g="0" b="0"/>
+      </a:effectRef>
+      <a:fontRef idx="minor"/>
+    </dgm:style>
+  </dgm:styleLbl>
+  <dgm:styleLbl name="fgAcc1">
+    <dgm:scene3d>
+      <a:camera prst="orthographicFront"/>
+      <a:lightRig rig="threePt" dir="t"/>
+    </dgm:scene3d>
+    <dgm:sp3d/>
+    <dgm:txPr/>
+    <dgm:style>
+      <a:lnRef idx="2">
+        <a:scrgbClr r="0" g="0" b="0"/>
+      </a:lnRef>
+      <a:fillRef idx="1">
+        <a:scrgbClr r="0" g="0" b="0"/>
+      </a:fillRef>
+      <a:effectRef idx="0">
+        <a:scrgbClr r="0" g="0" b="0"/>
+      </a:effectRef>
+      <a:fontRef idx="minor"/>
+    </dgm:style>
+  </dgm:styleLbl>
+  <dgm:styleLbl name="conFgAcc1">
+    <dgm:scene3d>
+      <a:camera prst="orthographicFront"/>
+      <a:lightRig rig="threePt" dir="t"/>
+    </dgm:scene3d>
+    <dgm:sp3d/>
+    <dgm:txPr/>
+    <dgm:style>
+      <a:lnRef idx="2">
+        <a:scrgbClr r="0" g="0" b="0"/>
+      </a:lnRef>
+      <a:fillRef idx="1">
+        <a:scrgbClr r="0" g="0" b="0"/>
+      </a:fillRef>
+      <a:effectRef idx="0">
+        <a:scrgbClr r="0" g="0" b="0"/>
+      </a:effectRef>
+      <a:fontRef idx="minor"/>
+    </dgm:style>
+  </dgm:styleLbl>
+  <dgm:styleLbl name="alignAcc1">
+    <dgm:scene3d>
+      <a:camera prst="orthographicFront"/>
+      <a:lightRig rig="threePt" dir="t"/>
+    </dgm:scene3d>
+    <dgm:sp3d/>
+    <dgm:txPr/>
+    <dgm:style>
+      <a:lnRef idx="2">
+        <a:scrgbClr r="0" g="0" b="0"/>
+      </a:lnRef>
+      <a:fillRef idx="1">
+        <a:scrgbClr r="0" g="0" b="0"/>
+      </a:fillRef>
+      <a:effectRef idx="0">
+        <a:scrgbClr r="0" g="0" b="0"/>
+      </a:effectRef>
+      <a:fontRef idx="minor"/>
+    </dgm:style>
+  </dgm:styleLbl>
+  <dgm:styleLbl name="trAlignAcc1">
+    <dgm:scene3d>
+      <a:camera prst="orthographicFront"/>
+      <a:lightRig rig="threePt" dir="t"/>
+    </dgm:scene3d>
+    <dgm:sp3d/>
+    <dgm:txPr/>
+    <dgm:style>
+      <a:lnRef idx="1">
+        <a:scrgbClr r="0" g="0" b="0"/>
+      </a:lnRef>
+      <a:fillRef idx="1">
+        <a:scrgbClr r="0" g="0" b="0"/>
+      </a:fillRef>
+      <a:effectRef idx="0">
+        <a:scrgbClr r="0" g="0" b="0"/>
+      </a:effectRef>
+      <a:fontRef idx="minor"/>
+    </dgm:style>
+  </dgm:styleLbl>
+  <dgm:styleLbl name="bgAcc1">
+    <dgm:scene3d>
+      <a:camera prst="orthographicFront"/>
+      <a:lightRig rig="threePt" dir="t"/>
+    </dgm:scene3d>
+    <dgm:sp3d/>
+    <dgm:txPr/>
+    <dgm:style>
+      <a:lnRef idx="2">
+        <a:scrgbClr r="0" g="0" b="0"/>
+      </a:lnRef>
+      <a:fillRef idx="1">
+        <a:scrgbClr r="0" g="0" b="0"/>
+      </a:fillRef>
+      <a:effectRef idx="0">
+        <a:scrgbClr r="0" g="0" b="0"/>
+      </a:effectRef>
+      <a:fontRef idx="minor"/>
+    </dgm:style>
+  </dgm:styleLbl>
+  <dgm:styleLbl name="solidFgAcc1">
+    <dgm:scene3d>
+      <a:camera prst="orthographicFront"/>
+      <a:lightRig rig="threePt" dir="t"/>
+    </dgm:scene3d>
+    <dgm:sp3d/>
+    <dgm:txPr/>
+    <dgm:style>
+      <a:lnRef idx="2">
+        <a:scrgbClr r="0" g="0" b="0"/>
+      </a:lnRef>
+      <a:fillRef idx="1">
+        <a:scrgbClr r="0" g="0" b="0"/>
+      </a:fillRef>
+      <a:effectRef idx="0">
+        <a:scrgbClr r="0" g="0" b="0"/>
+      </a:effectRef>
+      <a:fontRef idx="minor"/>
+    </dgm:style>
+  </dgm:styleLbl>
+  <dgm:styleLbl name="solidAlignAcc1">
+    <dgm:scene3d>
+      <a:camera prst="orthographicFront"/>
+      <a:lightRig rig="threePt" dir="t"/>
+    </dgm:scene3d>
+    <dgm:sp3d/>
+    <dgm:txPr/>
+    <dgm:style>
+      <a:lnRef idx="2">
+        <a:scrgbClr r="0" g="0" b="0"/>
+      </a:lnRef>
+      <a:fillRef idx="1">
+        <a:scrgbClr r="0" g="0" b="0"/>
+      </a:fillRef>
+      <a:effectRef idx="0">
+        <a:scrgbClr r="0" g="0" b="0"/>
+      </a:effectRef>
+      <a:fontRef idx="minor"/>
+    </dgm:style>
+  </dgm:styleLbl>
+  <dgm:styleLbl name="solidBgAcc1">
+    <dgm:scene3d>
+      <a:camera prst="orthographicFront"/>
+      <a:lightRig rig="threePt" dir="t"/>
+    </dgm:scene3d>
+    <dgm:sp3d/>
+    <dgm:txPr/>
+    <dgm:style>
+      <a:lnRef idx="2">
+        <a:scrgbClr r="0" g="0" b="0"/>
+      </a:lnRef>
+      <a:fillRef idx="1">
+        <a:scrgbClr r="0" g="0" b="0"/>
+      </a:fillRef>
+      <a:effectRef idx="0">
+        <a:scrgbClr r="0" g="0" b="0"/>
+      </a:effectRef>
+      <a:fontRef idx="minor"/>
+    </dgm:style>
+  </dgm:styleLbl>
+  <dgm:styleLbl name="fgAccFollowNode1">
+    <dgm:scene3d>
+      <a:camera prst="orthographicFront"/>
+      <a:lightRig rig="threePt" dir="t"/>
+    </dgm:scene3d>
+    <dgm:sp3d/>
+    <dgm:txPr/>
+    <dgm:style>
+      <a:lnRef idx="2">
+        <a:scrgbClr r="0" g="0" b="0"/>
+      </a:lnRef>
+      <a:fillRef idx="1">
+        <a:scrgbClr r="0" g="0" b="0"/>
+      </a:fillRef>
+      <a:effectRef idx="0">
+        <a:scrgbClr r="0" g="0" b="0"/>
+      </a:effectRef>
+      <a:fontRef idx="minor"/>
+    </dgm:style>
+  </dgm:styleLbl>
+  <dgm:styleLbl name="alignAccFollowNode1">
+    <dgm:scene3d>
+      <a:camera prst="orthographicFront"/>
+      <a:lightRig rig="threePt" dir="t"/>
+    </dgm:scene3d>
+    <dgm:sp3d/>
+    <dgm:txPr/>
+    <dgm:style>
+      <a:lnRef idx="2">
+        <a:scrgbClr r="0" g="0" b="0"/>
+      </a:lnRef>
+      <a:fillRef idx="1">
+        <a:scrgbClr r="0" g="0" b="0"/>
+      </a:fillRef>
+      <a:effectRef idx="0">
+        <a:scrgbClr r="0" g="0" b="0"/>
+      </a:effectRef>
+      <a:fontRef idx="minor"/>
+    </dgm:style>
+  </dgm:styleLbl>
+  <dgm:styleLbl name="bgAccFollowNode1">
+    <dgm:scene3d>
+      <a:camera prst="orthographicFront"/>
+      <a:lightRig rig="threePt" dir="t"/>
+    </dgm:scene3d>
+    <dgm:sp3d/>
+    <dgm:txPr/>
+    <dgm:style>
+      <a:lnRef idx="2">
+        <a:scrgbClr r="0" g="0" b="0"/>
+      </a:lnRef>
+      <a:fillRef idx="1">
+        <a:scrgbClr r="0" g="0" b="0"/>
+      </a:fillRef>
+      <a:effectRef idx="0">
+        <a:scrgbClr r="0" g="0" b="0"/>
+      </a:effectRef>
+      <a:fontRef idx="minor"/>
+    </dgm:style>
+  </dgm:styleLbl>
+  <dgm:styleLbl name="fgAcc0">
+    <dgm:scene3d>
+      <a:camera prst="orthographicFront"/>
+      <a:lightRig rig="threePt" dir="t"/>
+    </dgm:scene3d>
+    <dgm:sp3d/>
+    <dgm:txPr/>
+    <dgm:style>
+      <a:lnRef idx="2">
+        <a:scrgbClr r="0" g="0" b="0"/>
+      </a:lnRef>
+      <a:fillRef idx="1">
+        <a:scrgbClr r="0" g="0" b="0"/>
+      </a:fillRef>
+      <a:effectRef idx="0">
+        <a:scrgbClr r="0" g="0" b="0"/>
+      </a:effectRef>
+      <a:fontRef idx="minor"/>
+    </dgm:style>
+  </dgm:styleLbl>
+  <dgm:styleLbl name="fgAcc2">
+    <dgm:scene3d>
+      <a:camera prst="orthographicFront"/>
+      <a:lightRig rig="threePt" dir="t"/>
+    </dgm:scene3d>
+    <dgm:sp3d/>
+    <dgm:txPr/>
+    <dgm:style>
+      <a:lnRef idx="2">
+        <a:scrgbClr r="0" g="0" b="0"/>
+      </a:lnRef>
+      <a:fillRef idx="1">
+        <a:scrgbClr r="0" g="0" b="0"/>
+      </a:fillRef>
+      <a:effectRef idx="0">
+        <a:scrgbClr r="0" g="0" b="0"/>
+      </a:effectRef>
+      <a:fontRef idx="minor"/>
+    </dgm:style>
+  </dgm:styleLbl>
+  <dgm:styleLbl name="fgAcc3">
+    <dgm:scene3d>
+      <a:camera prst="orthographicFront"/>
+      <a:lightRig rig="threePt" dir="t"/>
+    </dgm:scene3d>
+    <dgm:sp3d/>
+    <dgm:txPr/>
+    <dgm:style>
+      <a:lnRef idx="2">
+        <a:scrgbClr r="0" g="0" b="0"/>
+      </a:lnRef>
+      <a:fillRef idx="1">
+        <a:scrgbClr r="0" g="0" b="0"/>
+      </a:fillRef>
+      <a:effectRef idx="0">
+        <a:scrgbClr r="0" g="0" b="0"/>
+      </a:effectRef>
+      <a:fontRef idx="minor"/>
+    </dgm:style>
+  </dgm:styleLbl>
+  <dgm:styleLbl name="fgAcc4">
+    <dgm:scene3d>
+      <a:camera prst="orthographicFront"/>
+      <a:lightRig rig="threePt" dir="t"/>
+    </dgm:scene3d>
+    <dgm:sp3d/>
+    <dgm:txPr/>
+    <dgm:style>
+      <a:lnRef idx="2">
+        <a:scrgbClr r="0" g="0" b="0"/>
+      </a:lnRef>
+      <a:fillRef idx="1">
+        <a:scrgbClr r="0" g="0" b="0"/>
+      </a:fillRef>
+      <a:effectRef idx="0">
+        <a:scrgbClr r="0" g="0" b="0"/>
+      </a:effectRef>
+      <a:fontRef idx="minor"/>
+    </dgm:style>
+  </dgm:styleLbl>
+  <dgm:styleLbl name="bgShp">
+    <dgm:scene3d>
+      <a:camera prst="orthographicFront"/>
+      <a:lightRig rig="threePt" dir="t"/>
+    </dgm:scene3d>
+    <dgm:sp3d/>
+    <dgm:txPr/>
+    <dgm:style>
+      <a:lnRef idx="0">
+        <a:scrgbClr r="0" g="0" b="0"/>
+      </a:lnRef>
+      <a:fillRef idx="1">
+        <a:scrgbClr r="0" g="0" b="0"/>
+      </a:fillRef>
+      <a:effectRef idx="0">
+        <a:scrgbClr r="0" g="0" b="0"/>
+      </a:effectRef>
+      <a:fontRef idx="minor"/>
+    </dgm:style>
+  </dgm:styleLbl>
+  <dgm:styleLbl name="dkBgShp">
+    <dgm:scene3d>
+      <a:camera prst="orthographicFront"/>
+      <a:lightRig rig="threePt" dir="t"/>
+    </dgm:scene3d>
+    <dgm:sp3d/>
+    <dgm:txPr/>
+    <dgm:style>
+      <a:lnRef idx="0">
+        <a:scrgbClr r="0" g="0" b="0"/>
+      </a:lnRef>
+      <a:fillRef idx="1">
+        <a:scrgbClr r="0" g="0" b="0"/>
+      </a:fillRef>
+      <a:effectRef idx="0">
+        <a:scrgbClr r="0" g="0" b="0"/>
+      </a:effectRef>
+      <a:fontRef idx="minor"/>
+    </dgm:style>
+  </dgm:styleLbl>
+  <dgm:styleLbl name="trBgShp">
+    <dgm:scene3d>
+      <a:camera prst="orthographicFront"/>
+      <a:lightRig rig="threePt" dir="t"/>
+    </dgm:scene3d>
+    <dgm:sp3d/>
+    <dgm:txPr/>
+    <dgm:style>
+      <a:lnRef idx="0">
+        <a:scrgbClr r="0" g="0" b="0"/>
+      </a:lnRef>
+      <a:fillRef idx="1">
+        <a:scrgbClr r="0" g="0" b="0"/>
+      </a:fillRef>
+      <a:effectRef idx="0">
+        <a:scrgbClr r="0" g="0" b="0"/>
+      </a:effectRef>
+      <a:fontRef idx="minor"/>
+    </dgm:style>
+  </dgm:styleLbl>
+  <dgm:styleLbl name="fgShp">
+    <dgm:scene3d>
+      <a:camera prst="orthographicFront"/>
+      <a:lightRig rig="threePt" dir="t"/>
+    </dgm:scene3d>
+    <dgm:sp3d/>
+    <dgm:txPr/>
+    <dgm:style>
+      <a:lnRef idx="2">
+        <a:scrgbClr r="0" g="0" b="0"/>
+      </a:lnRef>
+      <a:fillRef idx="1">
+        <a:scrgbClr r="0" g="0" b="0"/>
+      </a:fillRef>
+      <a:effectRef idx="0">
+        <a:scrgbClr r="0" g="0" b="0"/>
+      </a:effectRef>
+      <a:fontRef idx="minor"/>
+    </dgm:style>
+  </dgm:styleLbl>
+  <dgm:styleLbl name="revTx">
+    <dgm:scene3d>
+      <a:camera prst="orthographicFront"/>
+      <a:lightRig rig="threePt" dir="t"/>
+    </dgm:scene3d>
+    <dgm:sp3d/>
+    <dgm:txPr/>
+    <dgm:style>
+      <a:lnRef idx="0">
+        <a:scrgbClr r="0" g="0" b="0"/>
+      </a:lnRef>
+      <a:fillRef idx="0">
+        <a:scrgbClr r="0" g="0" b="0"/>
+      </a:fillRef>
+      <a:effectRef idx="0">
+        <a:scrgbClr r="0" g="0" b="0"/>
+      </a:effectRef>
+      <a:fontRef idx="minor"/>
+    </dgm:style>
+  </dgm:styleLbl>
+</dgm:styleDef>
+</file>
+
 <file path=ppt/notesMasters/notesMaster1.xml><?xml version="1.0" encoding="utf-8"?>
 <p:notesMaster xmlns:a="http://schemas.openxmlformats.org/drawingml/2006/main" xmlns:r="http://schemas.openxmlformats.org/officeDocument/2006/relationships" xmlns:p="http://schemas.openxmlformats.org/presentationml/2006/main">
   <p:cSld>
@@ -220,7 +2761,7 @@
           <a:p>
             <a:fld id="{1F8C9BAC-5605-4961-A752-FD19D2B395B1}" type="datetimeFigureOut">
               <a:rPr lang="en-US" smtClean="0"/>
-              <a:t>10/15/2020</a:t>
+              <a:t>11/21/2020</a:t>
             </a:fld>
             <a:endParaRPr lang="en-US" dirty="0"/>
           </a:p>
@@ -635,7 +3176,21 @@
                 <a:ea typeface="+mn-ea"/>
                 <a:cs typeface="+mn-cs"/>
               </a:rPr>
-              <a:t>Identify the issues we want to resolve in this plan/sprint if you’re doing agile or something similar</a:t>
+              <a:t>Couch to 5k</a:t>
+            </a:r>
+          </a:p>
+          <a:p>
+            <a:r>
+              <a:rPr lang="en-US" sz="1200" b="0" i="0" kern="1200" dirty="0">
+                <a:solidFill>
+                  <a:schemeClr val="tx1"/>
+                </a:solidFill>
+                <a:effectLst/>
+                <a:latin typeface="+mn-lt"/>
+                <a:ea typeface="+mn-ea"/>
+                <a:cs typeface="+mn-cs"/>
+              </a:rPr>
+              <a:t>Marathon Training</a:t>
             </a:r>
           </a:p>
           <a:p>
@@ -660,67 +3215,7 @@
                 <a:ea typeface="+mn-ea"/>
                 <a:cs typeface="+mn-cs"/>
               </a:rPr>
-              <a:t>Identify the scope – we can’t necessarily fix everything in one go – coordinating downtime for 300 </a:t>
-            </a:r>
-            <a:r>
-              <a:rPr lang="en-US" sz="1200" b="0" i="0" kern="1200" dirty="0" err="1">
-                <a:solidFill>
-                  <a:schemeClr val="tx1"/>
-                </a:solidFill>
-                <a:effectLst/>
-                <a:latin typeface="+mn-lt"/>
-                <a:ea typeface="+mn-ea"/>
-                <a:cs typeface="+mn-cs"/>
-              </a:rPr>
-              <a:t>sql</a:t>
-            </a:r>
-            <a:r>
-              <a:rPr lang="en-US" sz="1200" b="0" i="0" kern="1200" dirty="0">
-                <a:solidFill>
-                  <a:schemeClr val="tx1"/>
-                </a:solidFill>
-                <a:effectLst/>
-                <a:latin typeface="+mn-lt"/>
-                <a:ea typeface="+mn-ea"/>
-                <a:cs typeface="+mn-cs"/>
-              </a:rPr>
-              <a:t> instances at once sounds like a bad nightmare</a:t>
-            </a:r>
-          </a:p>
-          <a:p>
-            <a:pPr marL="171450" indent="-171450">
-              <a:buFontTx/>
-              <a:buChar char="-"/>
-            </a:pPr>
-            <a:r>
-              <a:rPr lang="en-US" sz="1200" b="0" i="0" kern="1200" dirty="0">
-                <a:solidFill>
-                  <a:schemeClr val="tx1"/>
-                </a:solidFill>
-                <a:effectLst/>
-                <a:latin typeface="+mn-lt"/>
-                <a:ea typeface="+mn-ea"/>
-                <a:cs typeface="+mn-cs"/>
-              </a:rPr>
-              <a:t>Perhaps we split it into nonproduction and then production</a:t>
-            </a:r>
-          </a:p>
-          <a:p>
-            <a:pPr marL="171450" indent="-171450">
-              <a:buFontTx/>
-              <a:buChar char="-"/>
-            </a:pPr>
-            <a:r>
-              <a:rPr lang="en-US" sz="1200" b="0" i="0" kern="1200" dirty="0">
-                <a:solidFill>
-                  <a:schemeClr val="tx1"/>
-                </a:solidFill>
-                <a:effectLst/>
-                <a:latin typeface="+mn-lt"/>
-                <a:ea typeface="+mn-ea"/>
-                <a:cs typeface="+mn-cs"/>
-              </a:rPr>
-              <a:t>Or split by application support tea,</a:t>
+              <a:t>If you’re ‘there’ is running a marathon – you need some kind of plan to get from being able to run 1 mile today, to 26.2 miles in 6 months time</a:t>
             </a:r>
           </a:p>
           <a:p>
@@ -734,93 +3229,6 @@
               <a:cs typeface="+mn-cs"/>
             </a:endParaRPr>
           </a:p>
-          <a:p>
-            <a:r>
-              <a:rPr lang="en-US" sz="1200" b="0" i="0" kern="1200" dirty="0">
-                <a:solidFill>
-                  <a:schemeClr val="tx1"/>
-                </a:solidFill>
-                <a:effectLst/>
-                <a:latin typeface="+mn-lt"/>
-                <a:ea typeface="+mn-ea"/>
-                <a:cs typeface="+mn-cs"/>
-              </a:rPr>
-              <a:t>Clearly define the plan</a:t>
-            </a:r>
-          </a:p>
-          <a:p>
-            <a:r>
-              <a:rPr lang="en-US" sz="1200" b="0" i="0" kern="1200" dirty="0">
-                <a:solidFill>
-                  <a:schemeClr val="tx1"/>
-                </a:solidFill>
-                <a:effectLst/>
-                <a:latin typeface="+mn-lt"/>
-                <a:ea typeface="+mn-ea"/>
-                <a:cs typeface="+mn-cs"/>
-              </a:rPr>
-              <a:t>	Install Ola – how will we do it?</a:t>
-            </a:r>
-          </a:p>
-          <a:p>
-            <a:r>
-              <a:rPr lang="en-US" sz="1200" b="0" i="0" kern="1200" dirty="0">
-                <a:solidFill>
-                  <a:schemeClr val="tx1"/>
-                </a:solidFill>
-                <a:effectLst/>
-                <a:latin typeface="+mn-lt"/>
-                <a:ea typeface="+mn-ea"/>
-                <a:cs typeface="+mn-cs"/>
-              </a:rPr>
-              <a:t>	How will we configure – when will full backups run, index maintenance, </a:t>
-            </a:r>
-            <a:r>
-              <a:rPr lang="en-US" sz="1200" b="0" i="0" kern="1200" dirty="0" err="1">
-                <a:solidFill>
-                  <a:schemeClr val="tx1"/>
-                </a:solidFill>
-                <a:effectLst/>
-                <a:latin typeface="+mn-lt"/>
-                <a:ea typeface="+mn-ea"/>
-                <a:cs typeface="+mn-cs"/>
-              </a:rPr>
-              <a:t>checkdb</a:t>
-            </a:r>
-            <a:r>
-              <a:rPr lang="en-US" sz="1200" b="0" i="0" kern="1200" dirty="0">
-                <a:solidFill>
-                  <a:schemeClr val="tx1"/>
-                </a:solidFill>
-                <a:effectLst/>
-                <a:latin typeface="+mn-lt"/>
-                <a:ea typeface="+mn-ea"/>
-                <a:cs typeface="+mn-cs"/>
-              </a:rPr>
-              <a:t>, </a:t>
-            </a:r>
-            <a:r>
-              <a:rPr lang="en-US" sz="1200" b="0" i="0" kern="1200" dirty="0" err="1">
-                <a:solidFill>
-                  <a:schemeClr val="tx1"/>
-                </a:solidFill>
-                <a:effectLst/>
-                <a:latin typeface="+mn-lt"/>
-                <a:ea typeface="+mn-ea"/>
-                <a:cs typeface="+mn-cs"/>
-              </a:rPr>
-              <a:t>etc</a:t>
-            </a:r>
-            <a:endParaRPr lang="en-US" sz="1200" b="0" i="0" kern="1200" dirty="0">
-              <a:solidFill>
-                <a:schemeClr val="tx1"/>
-              </a:solidFill>
-              <a:effectLst/>
-              <a:latin typeface="+mn-lt"/>
-              <a:ea typeface="+mn-ea"/>
-              <a:cs typeface="+mn-cs"/>
-            </a:endParaRPr>
-          </a:p>
         </p:txBody>
       </p:sp>
       <p:sp>
@@ -840,7 +3248,7 @@
           <a:p>
             <a:fld id="{0888DEC1-F2AB-4DD2-8E1F-AE80EFAA4036}" type="slidenum">
               <a:rPr lang="en-US" smtClean="0"/>
-              <a:t>12</a:t>
+              <a:t>11</a:t>
             </a:fld>
             <a:endParaRPr lang="en-US" dirty="0"/>
           </a:p>
@@ -849,7 +3257,7 @@
     </p:spTree>
     <p:extLst>
       <p:ext uri="{BB962C8B-B14F-4D97-AF65-F5344CB8AC3E}">
-        <p14:creationId xmlns:p14="http://schemas.microsoft.com/office/powerpoint/2010/main" val="894279624"/>
+        <p14:creationId xmlns:p14="http://schemas.microsoft.com/office/powerpoint/2010/main" val="1518799751"/>
       </p:ext>
     </p:extLst>
   </p:cSld>
@@ -913,7 +3321,32 @@
                 <a:ea typeface="+mn-ea"/>
                 <a:cs typeface="+mn-cs"/>
               </a:rPr>
-              <a:t>Code Vs </a:t>
+              <a:t>Identify the issues we want to resolve in this plan/sprint if you’re doing agile or something similar</a:t>
+            </a:r>
+          </a:p>
+          <a:p>
+            <a:endParaRPr lang="en-US" sz="1200" b="0" i="0" kern="1200" dirty="0">
+              <a:solidFill>
+                <a:schemeClr val="tx1"/>
+              </a:solidFill>
+              <a:effectLst/>
+              <a:latin typeface="+mn-lt"/>
+              <a:ea typeface="+mn-ea"/>
+              <a:cs typeface="+mn-cs"/>
+            </a:endParaRPr>
+          </a:p>
+          <a:p>
+            <a:r>
+              <a:rPr lang="en-US" sz="1200" b="0" i="0" kern="1200" dirty="0">
+                <a:solidFill>
+                  <a:schemeClr val="tx1"/>
+                </a:solidFill>
+                <a:effectLst/>
+                <a:latin typeface="+mn-lt"/>
+                <a:ea typeface="+mn-ea"/>
+                <a:cs typeface="+mn-cs"/>
+              </a:rPr>
+              <a:t>Identify the scope – we can’t necessarily fix everything in one go – coordinating downtime for 300 </a:t>
             </a:r>
             <a:r>
               <a:rPr lang="en-US" sz="1200" b="0" i="0" kern="1200" dirty="0" err="1">
@@ -925,8 +3358,58 @@
                 <a:ea typeface="+mn-ea"/>
                 <a:cs typeface="+mn-cs"/>
               </a:rPr>
-              <a:t>Gui</a:t>
-            </a:r>
+              <a:t>sql</a:t>
+            </a:r>
+            <a:r>
+              <a:rPr lang="en-US" sz="1200" b="0" i="0" kern="1200" dirty="0">
+                <a:solidFill>
+                  <a:schemeClr val="tx1"/>
+                </a:solidFill>
+                <a:effectLst/>
+                <a:latin typeface="+mn-lt"/>
+                <a:ea typeface="+mn-ea"/>
+                <a:cs typeface="+mn-cs"/>
+              </a:rPr>
+              <a:t> instances at once sounds like a bad nightmare</a:t>
+            </a:r>
+          </a:p>
+          <a:p>
+            <a:pPr marL="171450" indent="-171450">
+              <a:buFontTx/>
+              <a:buChar char="-"/>
+            </a:pPr>
+            <a:r>
+              <a:rPr lang="en-US" sz="1200" b="0" i="0" kern="1200" dirty="0">
+                <a:solidFill>
+                  <a:schemeClr val="tx1"/>
+                </a:solidFill>
+                <a:effectLst/>
+                <a:latin typeface="+mn-lt"/>
+                <a:ea typeface="+mn-ea"/>
+                <a:cs typeface="+mn-cs"/>
+              </a:rPr>
+              <a:t>Perhaps we split it into nonproduction and then production</a:t>
+            </a:r>
+          </a:p>
+          <a:p>
+            <a:pPr marL="171450" indent="-171450">
+              <a:buFontTx/>
+              <a:buChar char="-"/>
+            </a:pPr>
+            <a:r>
+              <a:rPr lang="en-US" sz="1200" b="0" i="0" kern="1200" dirty="0">
+                <a:solidFill>
+                  <a:schemeClr val="tx1"/>
+                </a:solidFill>
+                <a:effectLst/>
+                <a:latin typeface="+mn-lt"/>
+                <a:ea typeface="+mn-ea"/>
+                <a:cs typeface="+mn-cs"/>
+              </a:rPr>
+              <a:t>Or split by application support tea,</a:t>
+            </a:r>
+          </a:p>
+          <a:p>
             <a:endParaRPr lang="en-US" sz="1200" b="0" i="0" kern="1200" dirty="0">
               <a:solidFill>
                 <a:schemeClr val="tx1"/>
@@ -938,10 +3421,6 @@
             </a:endParaRPr>
           </a:p>
           <a:p>
-            <a:pPr marL="171450" indent="-171450">
-              <a:buFontTx/>
-              <a:buChar char="-"/>
-            </a:pPr>
             <a:r>
               <a:rPr lang="en-US" sz="1200" b="0" i="0" kern="1200" dirty="0">
                 <a:solidFill>
@@ -952,14 +3431,10 @@
                 <a:ea typeface="+mn-ea"/>
                 <a:cs typeface="+mn-cs"/>
               </a:rPr>
-              <a:t>Documented</a:t>
-            </a:r>
-          </a:p>
-          <a:p>
-            <a:pPr marL="171450" indent="-171450">
-              <a:buFontTx/>
-              <a:buChar char="-"/>
-            </a:pPr>
+              <a:t>Clearly define the plan</a:t>
+            </a:r>
+          </a:p>
+          <a:p>
             <a:r>
               <a:rPr lang="en-US" sz="1200" b="0" i="0" kern="1200" dirty="0">
                 <a:solidFill>
@@ -970,14 +3445,10 @@
                 <a:ea typeface="+mn-ea"/>
                 <a:cs typeface="+mn-cs"/>
               </a:rPr>
-              <a:t>Repeatable</a:t>
-            </a:r>
-          </a:p>
-          <a:p>
-            <a:pPr marL="171450" indent="-171450">
-              <a:buFontTx/>
-              <a:buChar char="-"/>
-            </a:pPr>
+              <a:t>	Install Ola – how will we do it?</a:t>
+            </a:r>
+          </a:p>
+          <a:p>
             <a:r>
               <a:rPr lang="en-US" sz="1200" b="0" i="0" kern="1200" dirty="0">
                 <a:solidFill>
@@ -988,14 +3459,44 @@
                 <a:ea typeface="+mn-ea"/>
                 <a:cs typeface="+mn-cs"/>
               </a:rPr>
-              <a:t>Source controlled</a:t>
-            </a:r>
-          </a:p>
-          <a:p>
-            <a:pPr marL="171450" indent="-171450">
-              <a:buFontTx/>
-              <a:buChar char="-"/>
-            </a:pPr>
+              <a:t>	How will we configure – when will full backups run, index maintenance, </a:t>
+            </a:r>
+            <a:r>
+              <a:rPr lang="en-US" sz="1200" b="0" i="0" kern="1200" dirty="0" err="1">
+                <a:solidFill>
+                  <a:schemeClr val="tx1"/>
+                </a:solidFill>
+                <a:effectLst/>
+                <a:latin typeface="+mn-lt"/>
+                <a:ea typeface="+mn-ea"/>
+                <a:cs typeface="+mn-cs"/>
+              </a:rPr>
+              <a:t>checkdb</a:t>
+            </a:r>
+            <a:r>
+              <a:rPr lang="en-US" sz="1200" b="0" i="0" kern="1200" dirty="0">
+                <a:solidFill>
+                  <a:schemeClr val="tx1"/>
+                </a:solidFill>
+                <a:effectLst/>
+                <a:latin typeface="+mn-lt"/>
+                <a:ea typeface="+mn-ea"/>
+                <a:cs typeface="+mn-cs"/>
+              </a:rPr>
+              <a:t>, </a:t>
+            </a:r>
+            <a:r>
+              <a:rPr lang="en-US" sz="1200" b="0" i="0" kern="1200" dirty="0" err="1">
+                <a:solidFill>
+                  <a:schemeClr val="tx1"/>
+                </a:solidFill>
+                <a:effectLst/>
+                <a:latin typeface="+mn-lt"/>
+                <a:ea typeface="+mn-ea"/>
+                <a:cs typeface="+mn-cs"/>
+              </a:rPr>
+              <a:t>etc</a:t>
+            </a:r>
             <a:endParaRPr lang="en-US" sz="1200" b="0" i="0" kern="1200" dirty="0">
               <a:solidFill>
                 <a:schemeClr val="tx1"/>
@@ -1006,96 +3507,6 @@
               <a:cs typeface="+mn-cs"/>
             </a:endParaRPr>
           </a:p>
-          <a:p>
-            <a:pPr marL="171450" indent="-171450">
-              <a:buFontTx/>
-              <a:buChar char="-"/>
-            </a:pPr>
-            <a:endParaRPr lang="en-US" sz="1200" b="0" i="0" kern="1200" dirty="0">
-              <a:solidFill>
-                <a:schemeClr val="tx1"/>
-              </a:solidFill>
-              <a:effectLst/>
-              <a:latin typeface="+mn-lt"/>
-              <a:ea typeface="+mn-ea"/>
-              <a:cs typeface="+mn-cs"/>
-            </a:endParaRPr>
-          </a:p>
-          <a:p>
-            <a:pPr marL="0" indent="0">
-              <a:buFontTx/>
-              <a:buNone/>
-            </a:pPr>
-            <a:r>
-              <a:rPr lang="en-US" sz="1200" b="0" i="0" kern="1200" dirty="0">
-                <a:solidFill>
-                  <a:schemeClr val="tx1"/>
-                </a:solidFill>
-                <a:effectLst/>
-                <a:latin typeface="+mn-lt"/>
-                <a:ea typeface="+mn-ea"/>
-                <a:cs typeface="+mn-cs"/>
-              </a:rPr>
-              <a:t>Multiples</a:t>
-            </a:r>
-          </a:p>
-          <a:p>
-            <a:pPr marL="171450" indent="-171450">
-              <a:buFontTx/>
-              <a:buChar char="-"/>
-            </a:pPr>
-            <a:r>
-              <a:rPr lang="en-US" sz="1200" b="0" i="0" kern="1200" dirty="0">
-                <a:solidFill>
-                  <a:schemeClr val="tx1"/>
-                </a:solidFill>
-                <a:effectLst/>
-                <a:latin typeface="+mn-lt"/>
-                <a:ea typeface="+mn-ea"/>
-                <a:cs typeface="+mn-cs"/>
-              </a:rPr>
-              <a:t>Rolling out </a:t>
-            </a:r>
-            <a:r>
-              <a:rPr lang="en-US" sz="1200" b="0" i="0" kern="1200" dirty="0" err="1">
-                <a:solidFill>
-                  <a:schemeClr val="tx1"/>
-                </a:solidFill>
-                <a:effectLst/>
-                <a:latin typeface="+mn-lt"/>
-                <a:ea typeface="+mn-ea"/>
-                <a:cs typeface="+mn-cs"/>
-              </a:rPr>
-              <a:t>ola</a:t>
-            </a:r>
-            <a:r>
-              <a:rPr lang="en-US" sz="1200" b="0" i="0" kern="1200" dirty="0">
-                <a:solidFill>
-                  <a:schemeClr val="tx1"/>
-                </a:solidFill>
-                <a:effectLst/>
-                <a:latin typeface="+mn-lt"/>
-                <a:ea typeface="+mn-ea"/>
-                <a:cs typeface="+mn-cs"/>
-              </a:rPr>
-              <a:t> on 3 boxes at once</a:t>
-            </a:r>
-          </a:p>
-          <a:p>
-            <a:pPr marL="171450" indent="-171450">
-              <a:buFontTx/>
-              <a:buChar char="-"/>
-            </a:pPr>
-            <a:endParaRPr lang="en-US" sz="1200" b="0" i="0" kern="1200" dirty="0">
-              <a:solidFill>
-                <a:schemeClr val="tx1"/>
-              </a:solidFill>
-              <a:effectLst/>
-              <a:latin typeface="+mn-lt"/>
-              <a:ea typeface="+mn-ea"/>
-              <a:cs typeface="+mn-cs"/>
-            </a:endParaRPr>
-          </a:p>
         </p:txBody>
       </p:sp>
       <p:sp>
@@ -1115,7 +3526,7 @@
           <a:p>
             <a:fld id="{0888DEC1-F2AB-4DD2-8E1F-AE80EFAA4036}" type="slidenum">
               <a:rPr lang="en-US" smtClean="0"/>
-              <a:t>13</a:t>
+              <a:t>12</a:t>
             </a:fld>
             <a:endParaRPr lang="en-US" dirty="0"/>
           </a:p>
@@ -1124,7 +3535,7 @@
     </p:spTree>
     <p:extLst>
       <p:ext uri="{BB962C8B-B14F-4D97-AF65-F5344CB8AC3E}">
-        <p14:creationId xmlns:p14="http://schemas.microsoft.com/office/powerpoint/2010/main" val="3486214894"/>
+        <p14:creationId xmlns:p14="http://schemas.microsoft.com/office/powerpoint/2010/main" val="894279624"/>
       </p:ext>
     </p:extLst>
   </p:cSld>
@@ -1178,6 +3589,30 @@
           <a:bodyPr/>
           <a:lstStyle/>
           <a:p>
+            <a:r>
+              <a:rPr lang="en-US" sz="1200" b="0" i="0" kern="1200" dirty="0">
+                <a:solidFill>
+                  <a:schemeClr val="tx1"/>
+                </a:solidFill>
+                <a:effectLst/>
+                <a:latin typeface="+mn-lt"/>
+                <a:ea typeface="+mn-ea"/>
+                <a:cs typeface="+mn-cs"/>
+              </a:rPr>
+              <a:t>Code Vs </a:t>
+            </a:r>
+            <a:r>
+              <a:rPr lang="en-US" sz="1200" b="0" i="0" kern="1200" dirty="0" err="1">
+                <a:solidFill>
+                  <a:schemeClr val="tx1"/>
+                </a:solidFill>
+                <a:effectLst/>
+                <a:latin typeface="+mn-lt"/>
+                <a:ea typeface="+mn-ea"/>
+                <a:cs typeface="+mn-cs"/>
+              </a:rPr>
+              <a:t>Gui</a:t>
+            </a:r>
             <a:endParaRPr lang="en-US" sz="1200" b="0" i="0" kern="1200" dirty="0">
               <a:solidFill>
                 <a:schemeClr val="tx1"/>
@@ -1188,6 +3623,165 @@
               <a:cs typeface="+mn-cs"/>
             </a:endParaRPr>
           </a:p>
+          <a:p>
+            <a:pPr marL="171450" indent="-171450">
+              <a:buFontTx/>
+              <a:buChar char="-"/>
+            </a:pPr>
+            <a:r>
+              <a:rPr lang="en-US" sz="1200" b="0" i="0" kern="1200" dirty="0">
+                <a:solidFill>
+                  <a:schemeClr val="tx1"/>
+                </a:solidFill>
+                <a:effectLst/>
+                <a:latin typeface="+mn-lt"/>
+                <a:ea typeface="+mn-ea"/>
+                <a:cs typeface="+mn-cs"/>
+              </a:rPr>
+              <a:t>Documented</a:t>
+            </a:r>
+          </a:p>
+          <a:p>
+            <a:pPr marL="171450" indent="-171450">
+              <a:buFontTx/>
+              <a:buChar char="-"/>
+            </a:pPr>
+            <a:r>
+              <a:rPr lang="en-US" sz="1200" b="0" i="0" kern="1200" dirty="0">
+                <a:solidFill>
+                  <a:schemeClr val="tx1"/>
+                </a:solidFill>
+                <a:effectLst/>
+                <a:latin typeface="+mn-lt"/>
+                <a:ea typeface="+mn-ea"/>
+                <a:cs typeface="+mn-cs"/>
+              </a:rPr>
+              <a:t>Repeatable</a:t>
+            </a:r>
+          </a:p>
+          <a:p>
+            <a:pPr marL="171450" indent="-171450">
+              <a:buFontTx/>
+              <a:buChar char="-"/>
+            </a:pPr>
+            <a:r>
+              <a:rPr lang="en-US" sz="1200" b="0" i="0" kern="1200" dirty="0">
+                <a:solidFill>
+                  <a:schemeClr val="tx1"/>
+                </a:solidFill>
+                <a:effectLst/>
+                <a:latin typeface="+mn-lt"/>
+                <a:ea typeface="+mn-ea"/>
+                <a:cs typeface="+mn-cs"/>
+              </a:rPr>
+              <a:t>Source controlled</a:t>
+            </a:r>
+          </a:p>
+          <a:p>
+            <a:pPr marL="171450" indent="-171450">
+              <a:buFontTx/>
+              <a:buChar char="-"/>
+            </a:pPr>
+            <a:endParaRPr lang="en-US" sz="1200" b="0" i="0" kern="1200" dirty="0">
+              <a:solidFill>
+                <a:schemeClr val="tx1"/>
+              </a:solidFill>
+              <a:effectLst/>
+              <a:latin typeface="+mn-lt"/>
+              <a:ea typeface="+mn-ea"/>
+              <a:cs typeface="+mn-cs"/>
+            </a:endParaRPr>
+          </a:p>
+          <a:p>
+            <a:pPr marL="171450" indent="-171450">
+              <a:buFontTx/>
+              <a:buChar char="-"/>
+            </a:pPr>
+            <a:endParaRPr lang="en-US" sz="1200" b="0" i="0" kern="1200" dirty="0">
+              <a:solidFill>
+                <a:schemeClr val="tx1"/>
+              </a:solidFill>
+              <a:effectLst/>
+              <a:latin typeface="+mn-lt"/>
+              <a:ea typeface="+mn-ea"/>
+              <a:cs typeface="+mn-cs"/>
+            </a:endParaRPr>
+          </a:p>
+          <a:p>
+            <a:pPr marL="0" indent="0">
+              <a:buFontTx/>
+              <a:buNone/>
+            </a:pPr>
+            <a:r>
+              <a:rPr lang="en-US" sz="1200" b="0" i="0" kern="1200" dirty="0">
+                <a:solidFill>
+                  <a:schemeClr val="tx1"/>
+                </a:solidFill>
+                <a:effectLst/>
+                <a:latin typeface="+mn-lt"/>
+                <a:ea typeface="+mn-ea"/>
+                <a:cs typeface="+mn-cs"/>
+              </a:rPr>
+              <a:t>Multiples</a:t>
+            </a:r>
+          </a:p>
+          <a:p>
+            <a:pPr marL="171450" indent="-171450">
+              <a:buFontTx/>
+              <a:buChar char="-"/>
+            </a:pPr>
+            <a:r>
+              <a:rPr lang="en-US" sz="1200" b="0" i="0" kern="1200" dirty="0">
+                <a:solidFill>
+                  <a:schemeClr val="tx1"/>
+                </a:solidFill>
+                <a:effectLst/>
+                <a:latin typeface="+mn-lt"/>
+                <a:ea typeface="+mn-ea"/>
+                <a:cs typeface="+mn-cs"/>
+              </a:rPr>
+              <a:t>Rolling out </a:t>
+            </a:r>
+            <a:r>
+              <a:rPr lang="en-US" sz="1200" b="0" i="0" kern="1200" dirty="0" err="1">
+                <a:solidFill>
+                  <a:schemeClr val="tx1"/>
+                </a:solidFill>
+                <a:effectLst/>
+                <a:latin typeface="+mn-lt"/>
+                <a:ea typeface="+mn-ea"/>
+                <a:cs typeface="+mn-cs"/>
+              </a:rPr>
+              <a:t>ola</a:t>
+            </a:r>
+            <a:r>
+              <a:rPr lang="en-US" sz="1200" b="0" i="0" kern="1200" dirty="0">
+                <a:solidFill>
+                  <a:schemeClr val="tx1"/>
+                </a:solidFill>
+                <a:effectLst/>
+                <a:latin typeface="+mn-lt"/>
+                <a:ea typeface="+mn-ea"/>
+                <a:cs typeface="+mn-cs"/>
+              </a:rPr>
+              <a:t> on 3 boxes at once</a:t>
+            </a:r>
+          </a:p>
+          <a:p>
+            <a:pPr marL="171450" indent="-171450">
+              <a:buFontTx/>
+              <a:buChar char="-"/>
+            </a:pPr>
+            <a:endParaRPr lang="en-US" sz="1200" b="0" i="0" kern="1200" dirty="0">
+              <a:solidFill>
+                <a:schemeClr val="tx1"/>
+              </a:solidFill>
+              <a:effectLst/>
+              <a:latin typeface="+mn-lt"/>
+              <a:ea typeface="+mn-ea"/>
+              <a:cs typeface="+mn-cs"/>
+            </a:endParaRPr>
+          </a:p>
         </p:txBody>
       </p:sp>
       <p:sp>
@@ -1207,7 +3801,7 @@
           <a:p>
             <a:fld id="{0888DEC1-F2AB-4DD2-8E1F-AE80EFAA4036}" type="slidenum">
               <a:rPr lang="en-US" smtClean="0"/>
-              <a:t>14</a:t>
+              <a:t>13</a:t>
             </a:fld>
             <a:endParaRPr lang="en-US" dirty="0"/>
           </a:p>
@@ -1216,7 +3810,7 @@
     </p:spTree>
     <p:extLst>
       <p:ext uri="{BB962C8B-B14F-4D97-AF65-F5344CB8AC3E}">
-        <p14:creationId xmlns:p14="http://schemas.microsoft.com/office/powerpoint/2010/main" val="3711910762"/>
+        <p14:creationId xmlns:p14="http://schemas.microsoft.com/office/powerpoint/2010/main" val="3486214894"/>
       </p:ext>
     </p:extLst>
   </p:cSld>
@@ -1271,9 +3865,21 @@
           <a:lstStyle/>
           <a:p>
             <a:r>
-              <a:rPr lang="en-US" dirty="0"/>
-              <a:t>14:30 – 15:30</a:t>
-            </a:r>
+              <a:rPr lang="en-GB" dirty="0"/>
+              <a:t>What do we care about? </a:t>
+            </a:r>
+          </a:p>
+          <a:p>
+            <a:r>
+              <a:rPr lang="en-GB" dirty="0"/>
+              <a:t>What determines a healthy environment for us</a:t>
+            </a:r>
+          </a:p>
+          <a:p>
+            <a:endParaRPr lang="en-GB" dirty="0"/>
+          </a:p>
+          <a:p>
+            <a:endParaRPr lang="en-GB" dirty="0"/>
           </a:p>
         </p:txBody>
       </p:sp>
@@ -1292,9 +3898,188 @@
           <a:bodyPr/>
           <a:lstStyle/>
           <a:p>
+            <a:fld id="{0888DEC1-F2AB-4DD2-8E1F-AE80EFAA4036}" type="slidenum">
+              <a:rPr lang="en-US" smtClean="0"/>
+              <a:t>15</a:t>
+            </a:fld>
+            <a:endParaRPr lang="en-US" dirty="0"/>
+          </a:p>
+        </p:txBody>
+      </p:sp>
+    </p:spTree>
+    <p:extLst>
+      <p:ext uri="{BB962C8B-B14F-4D97-AF65-F5344CB8AC3E}">
+        <p14:creationId xmlns:p14="http://schemas.microsoft.com/office/powerpoint/2010/main" val="1934440667"/>
+      </p:ext>
+    </p:extLst>
+  </p:cSld>
+  <p:clrMapOvr>
+    <a:masterClrMapping/>
+  </p:clrMapOvr>
+</p:notes>
+</file>
+
+<file path=ppt/notesSlides/notesSlide14.xml><?xml version="1.0" encoding="utf-8"?>
+<p:notes xmlns:a="http://schemas.openxmlformats.org/drawingml/2006/main" xmlns:r="http://schemas.openxmlformats.org/officeDocument/2006/relationships" xmlns:p="http://schemas.openxmlformats.org/presentationml/2006/main">
+  <p:cSld>
+    <p:spTree>
+      <p:nvGrpSpPr>
+        <p:cNvPr id="1" name=""/>
+        <p:cNvGrpSpPr/>
+        <p:nvPr/>
+      </p:nvGrpSpPr>
+      <p:grpSpPr>
+        <a:xfrm>
+          <a:off x="0" y="0"/>
+          <a:ext cx="0" cy="0"/>
+          <a:chOff x="0" y="0"/>
+          <a:chExt cx="0" cy="0"/>
+        </a:xfrm>
+      </p:grpSpPr>
+      <p:sp>
+        <p:nvSpPr>
+          <p:cNvPr id="2" name="Slide Image Placeholder 1"/>
+          <p:cNvSpPr>
+            <a:spLocks noGrp="1" noRot="1" noChangeAspect="1"/>
+          </p:cNvSpPr>
+          <p:nvPr>
+            <p:ph type="sldImg"/>
+          </p:nvPr>
+        </p:nvSpPr>
+        <p:spPr/>
+      </p:sp>
+      <p:sp>
+        <p:nvSpPr>
+          <p:cNvPr id="3" name="Notes Placeholder 2"/>
+          <p:cNvSpPr>
+            <a:spLocks noGrp="1"/>
+          </p:cNvSpPr>
+          <p:nvPr>
+            <p:ph type="body" idx="1"/>
+          </p:nvPr>
+        </p:nvSpPr>
+        <p:spPr/>
+        <p:txBody>
+          <a:bodyPr/>
+          <a:lstStyle/>
+          <a:p>
+            <a:endParaRPr lang="en-US" sz="1200" b="0" i="0" kern="1200" dirty="0">
+              <a:solidFill>
+                <a:schemeClr val="tx1"/>
+              </a:solidFill>
+              <a:effectLst/>
+              <a:latin typeface="+mn-lt"/>
+              <a:ea typeface="+mn-ea"/>
+              <a:cs typeface="+mn-cs"/>
+            </a:endParaRPr>
+          </a:p>
+        </p:txBody>
+      </p:sp>
+      <p:sp>
+        <p:nvSpPr>
+          <p:cNvPr id="4" name="Slide Number Placeholder 3"/>
+          <p:cNvSpPr>
+            <a:spLocks noGrp="1"/>
+          </p:cNvSpPr>
+          <p:nvPr>
+            <p:ph type="sldNum" sz="quarter" idx="5"/>
+          </p:nvPr>
+        </p:nvSpPr>
+        <p:spPr/>
+        <p:txBody>
+          <a:bodyPr/>
+          <a:lstStyle/>
+          <a:p>
+            <a:fld id="{0888DEC1-F2AB-4DD2-8E1F-AE80EFAA4036}" type="slidenum">
+              <a:rPr lang="en-US" smtClean="0"/>
+              <a:t>16</a:t>
+            </a:fld>
+            <a:endParaRPr lang="en-US" dirty="0"/>
+          </a:p>
+        </p:txBody>
+      </p:sp>
+    </p:spTree>
+    <p:extLst>
+      <p:ext uri="{BB962C8B-B14F-4D97-AF65-F5344CB8AC3E}">
+        <p14:creationId xmlns:p14="http://schemas.microsoft.com/office/powerpoint/2010/main" val="3711910762"/>
+      </p:ext>
+    </p:extLst>
+  </p:cSld>
+  <p:clrMapOvr>
+    <a:masterClrMapping/>
+  </p:clrMapOvr>
+</p:notes>
+</file>
+
+<file path=ppt/notesSlides/notesSlide15.xml><?xml version="1.0" encoding="utf-8"?>
+<p:notes xmlns:a="http://schemas.openxmlformats.org/drawingml/2006/main" xmlns:r="http://schemas.openxmlformats.org/officeDocument/2006/relationships" xmlns:p="http://schemas.openxmlformats.org/presentationml/2006/main">
+  <p:cSld>
+    <p:spTree>
+      <p:nvGrpSpPr>
+        <p:cNvPr id="1" name=""/>
+        <p:cNvGrpSpPr/>
+        <p:nvPr/>
+      </p:nvGrpSpPr>
+      <p:grpSpPr>
+        <a:xfrm>
+          <a:off x="0" y="0"/>
+          <a:ext cx="0" cy="0"/>
+          <a:chOff x="0" y="0"/>
+          <a:chExt cx="0" cy="0"/>
+        </a:xfrm>
+      </p:grpSpPr>
+      <p:sp>
+        <p:nvSpPr>
+          <p:cNvPr id="2" name="Slide Image Placeholder 1"/>
+          <p:cNvSpPr>
+            <a:spLocks noGrp="1" noRot="1" noChangeAspect="1"/>
+          </p:cNvSpPr>
+          <p:nvPr>
+            <p:ph type="sldImg"/>
+          </p:nvPr>
+        </p:nvSpPr>
+        <p:spPr/>
+      </p:sp>
+      <p:sp>
+        <p:nvSpPr>
+          <p:cNvPr id="3" name="Notes Placeholder 2"/>
+          <p:cNvSpPr>
+            <a:spLocks noGrp="1"/>
+          </p:cNvSpPr>
+          <p:nvPr>
+            <p:ph type="body" idx="1"/>
+          </p:nvPr>
+        </p:nvSpPr>
+        <p:spPr/>
+        <p:txBody>
+          <a:bodyPr/>
+          <a:lstStyle/>
+          <a:p>
+            <a:r>
+              <a:rPr lang="en-US" dirty="0"/>
+              <a:t>14:30 – 15:30</a:t>
+            </a:r>
+          </a:p>
+        </p:txBody>
+      </p:sp>
+      <p:sp>
+        <p:nvSpPr>
+          <p:cNvPr id="4" name="Slide Number Placeholder 3"/>
+          <p:cNvSpPr>
+            <a:spLocks noGrp="1"/>
+          </p:cNvSpPr>
+          <p:nvPr>
+            <p:ph type="sldNum" sz="quarter" idx="5"/>
+          </p:nvPr>
+        </p:nvSpPr>
+        <p:spPr/>
+        <p:txBody>
+          <a:bodyPr/>
+          <a:lstStyle/>
+          <a:p>
             <a:fld id="{FE065C3E-6590-437D-A330-DEC8E2D2EEDE}" type="slidenum">
               <a:rPr lang="en-US" smtClean="0"/>
-              <a:t>16</a:t>
+              <a:t>18</a:t>
             </a:fld>
             <a:endParaRPr lang="en-US" dirty="0"/>
           </a:p>
@@ -1359,7 +4144,7 @@
           <a:p>
             <a:r>
               <a:rPr lang="en-GB" dirty="0"/>
-              <a:t>Both people are fit – but in specific disciplines</a:t>
+              <a:t>So let’s get right into it.</a:t>
             </a:r>
           </a:p>
           <a:p>
@@ -1368,7 +4153,25 @@
           <a:p>
             <a:r>
               <a:rPr lang="en-GB" dirty="0"/>
-              <a:t>We need a way of testing fitness across the board – through multiple disciplines</a:t>
+              <a:t>Imagine we’ve been gifted this database estate. </a:t>
+            </a:r>
+          </a:p>
+          <a:p>
+            <a:endParaRPr lang="en-GB" dirty="0"/>
+          </a:p>
+          <a:p>
+            <a:r>
+              <a:rPr lang="en-GB" dirty="0"/>
+              <a:t>Perhaps we’re walking into a new job, or someone discovered some new servers under a desk or in a closet somewhere – and we’re presented with this.</a:t>
+            </a:r>
+          </a:p>
+          <a:p>
+            <a:endParaRPr lang="en-GB" dirty="0"/>
+          </a:p>
+          <a:p>
+            <a:r>
+              <a:rPr lang="en-GB" dirty="0"/>
+              <a:t>How do we know if it’s in a good shape?</a:t>
             </a:r>
           </a:p>
         </p:txBody>
@@ -1390,7 +4193,7 @@
           <a:p>
             <a:fld id="{0888DEC1-F2AB-4DD2-8E1F-AE80EFAA4036}" type="slidenum">
               <a:rPr lang="en-US" smtClean="0"/>
-              <a:t>4</a:t>
+              <a:t>3</a:t>
             </a:fld>
             <a:endParaRPr lang="en-US" dirty="0"/>
           </a:p>
@@ -1399,7 +4202,7 @@
     </p:spTree>
     <p:extLst>
       <p:ext uri="{BB962C8B-B14F-4D97-AF65-F5344CB8AC3E}">
-        <p14:creationId xmlns:p14="http://schemas.microsoft.com/office/powerpoint/2010/main" val="2477187717"/>
+        <p14:creationId xmlns:p14="http://schemas.microsoft.com/office/powerpoint/2010/main" val="3874783969"/>
       </p:ext>
     </p:extLst>
   </p:cSld>
@@ -1454,41 +4257,17 @@
           <a:lstStyle/>
           <a:p>
             <a:r>
-              <a:rPr lang="en-US" sz="1200" b="0" i="0" kern="1200" dirty="0">
-                <a:solidFill>
-                  <a:schemeClr val="tx1"/>
-                </a:solidFill>
-                <a:effectLst/>
-                <a:latin typeface="+mn-lt"/>
-                <a:ea typeface="+mn-ea"/>
-                <a:cs typeface="+mn-cs"/>
-              </a:rPr>
-              <a:t>To test fitness you need to test across different domains</a:t>
-            </a:r>
-          </a:p>
-          <a:p>
-            <a:endParaRPr lang="en-US" sz="1200" b="0" i="0" kern="1200" dirty="0">
-              <a:solidFill>
-                <a:schemeClr val="tx1"/>
-              </a:solidFill>
-              <a:effectLst/>
-              <a:latin typeface="+mn-lt"/>
-              <a:ea typeface="+mn-ea"/>
-              <a:cs typeface="+mn-cs"/>
-            </a:endParaRPr>
-          </a:p>
-          <a:p>
-            <a:r>
-              <a:rPr lang="en-US" sz="1200" b="0" i="0" kern="1200" dirty="0">
-                <a:solidFill>
-                  <a:schemeClr val="tx1"/>
-                </a:solidFill>
-                <a:effectLst/>
-                <a:latin typeface="+mn-lt"/>
-                <a:ea typeface="+mn-ea"/>
-                <a:cs typeface="+mn-cs"/>
-              </a:rPr>
-              <a:t>We can use a fitness test to create a fitness score – which can be a great way to measure progress</a:t>
+              <a:rPr lang="en-GB" dirty="0"/>
+              <a:t>Both people are fit – but in specific disciplines</a:t>
+            </a:r>
+          </a:p>
+          <a:p>
+            <a:endParaRPr lang="en-GB" dirty="0"/>
+          </a:p>
+          <a:p>
+            <a:r>
+              <a:rPr lang="en-GB" dirty="0"/>
+              <a:t>We need a way of testing fitness across the board – through multiple disciplines</a:t>
             </a:r>
           </a:p>
         </p:txBody>
@@ -1510,7 +4289,7 @@
           <a:p>
             <a:fld id="{0888DEC1-F2AB-4DD2-8E1F-AE80EFAA4036}" type="slidenum">
               <a:rPr lang="en-US" smtClean="0"/>
-              <a:t>5</a:t>
+              <a:t>4</a:t>
             </a:fld>
             <a:endParaRPr lang="en-US" dirty="0"/>
           </a:p>
@@ -1519,7 +4298,7 @@
     </p:spTree>
     <p:extLst>
       <p:ext uri="{BB962C8B-B14F-4D97-AF65-F5344CB8AC3E}">
-        <p14:creationId xmlns:p14="http://schemas.microsoft.com/office/powerpoint/2010/main" val="4100532119"/>
+        <p14:creationId xmlns:p14="http://schemas.microsoft.com/office/powerpoint/2010/main" val="2477187717"/>
       </p:ext>
     </p:extLst>
   </p:cSld>
@@ -1574,17 +4353,41 @@
           <a:lstStyle/>
           <a:p>
             <a:r>
-              <a:rPr lang="en-US" dirty="0"/>
-              <a:t>So what if we could do something similar for our SQL Servers</a:t>
-            </a:r>
-          </a:p>
-          <a:p>
-            <a:endParaRPr lang="en-US" dirty="0"/>
-          </a:p>
-          <a:p>
-            <a:r>
-              <a:rPr lang="en-US" dirty="0"/>
-              <a:t>Once we have this score – we can work on weaknesses and improve things that’ll bring our overall fitness scores up</a:t>
+              <a:rPr lang="en-US" sz="1200" b="0" i="0" kern="1200" dirty="0">
+                <a:solidFill>
+                  <a:schemeClr val="tx1"/>
+                </a:solidFill>
+                <a:effectLst/>
+                <a:latin typeface="+mn-lt"/>
+                <a:ea typeface="+mn-ea"/>
+                <a:cs typeface="+mn-cs"/>
+              </a:rPr>
+              <a:t>To test fitness you need to test across different domains</a:t>
+            </a:r>
+          </a:p>
+          <a:p>
+            <a:endParaRPr lang="en-US" sz="1200" b="0" i="0" kern="1200" dirty="0">
+              <a:solidFill>
+                <a:schemeClr val="tx1"/>
+              </a:solidFill>
+              <a:effectLst/>
+              <a:latin typeface="+mn-lt"/>
+              <a:ea typeface="+mn-ea"/>
+              <a:cs typeface="+mn-cs"/>
+            </a:endParaRPr>
+          </a:p>
+          <a:p>
+            <a:r>
+              <a:rPr lang="en-US" sz="1200" b="0" i="0" kern="1200" dirty="0">
+                <a:solidFill>
+                  <a:schemeClr val="tx1"/>
+                </a:solidFill>
+                <a:effectLst/>
+                <a:latin typeface="+mn-lt"/>
+                <a:ea typeface="+mn-ea"/>
+                <a:cs typeface="+mn-cs"/>
+              </a:rPr>
+              <a:t>We can use a fitness test to create a fitness score – which can be a great way to measure progress</a:t>
             </a:r>
           </a:p>
         </p:txBody>
@@ -1606,7 +4409,7 @@
           <a:p>
             <a:fld id="{0888DEC1-F2AB-4DD2-8E1F-AE80EFAA4036}" type="slidenum">
               <a:rPr lang="en-US" smtClean="0"/>
-              <a:t>6</a:t>
+              <a:t>5</a:t>
             </a:fld>
             <a:endParaRPr lang="en-US" dirty="0"/>
           </a:p>
@@ -1615,7 +4418,7 @@
     </p:spTree>
     <p:extLst>
       <p:ext uri="{BB962C8B-B14F-4D97-AF65-F5344CB8AC3E}">
-        <p14:creationId xmlns:p14="http://schemas.microsoft.com/office/powerpoint/2010/main" val="759454230"/>
+        <p14:creationId xmlns:p14="http://schemas.microsoft.com/office/powerpoint/2010/main" val="4100532119"/>
       </p:ext>
     </p:extLst>
   </p:cSld>
@@ -1670,154 +4473,18 @@
           <a:lstStyle/>
           <a:p>
             <a:r>
-              <a:rPr lang="en-US" sz="1200" b="0" i="0" kern="1200" dirty="0">
-                <a:solidFill>
-                  <a:schemeClr val="tx1"/>
-                </a:solidFill>
-                <a:effectLst/>
-                <a:latin typeface="+mn-lt"/>
-                <a:ea typeface="+mn-ea"/>
-                <a:cs typeface="+mn-cs"/>
-              </a:rPr>
-              <a:t>First we need to decide what fitness for a SQL Server looks like</a:t>
-            </a:r>
-          </a:p>
-          <a:p>
-            <a:endParaRPr lang="en-US" sz="1200" b="0" i="0" kern="1200" dirty="0">
-              <a:solidFill>
-                <a:schemeClr val="tx1"/>
-              </a:solidFill>
-              <a:effectLst/>
-              <a:latin typeface="+mn-lt"/>
-              <a:ea typeface="+mn-ea"/>
-              <a:cs typeface="+mn-cs"/>
-            </a:endParaRPr>
-          </a:p>
-          <a:p>
-            <a:r>
-              <a:rPr lang="en-US" sz="1200" b="0" i="0" kern="1200" dirty="0">
-                <a:solidFill>
-                  <a:schemeClr val="tx1"/>
-                </a:solidFill>
-                <a:effectLst/>
-                <a:latin typeface="+mn-lt"/>
-                <a:ea typeface="+mn-ea"/>
-                <a:cs typeface="+mn-cs"/>
-              </a:rPr>
-              <a:t>We’ll start with three aspects of SQL Server fitness</a:t>
-            </a:r>
-          </a:p>
-          <a:p>
-            <a:endParaRPr lang="en-US" sz="1200" b="0" i="0" kern="1200" dirty="0">
-              <a:solidFill>
-                <a:schemeClr val="tx1"/>
-              </a:solidFill>
-              <a:effectLst/>
-              <a:latin typeface="+mn-lt"/>
-              <a:ea typeface="+mn-ea"/>
-              <a:cs typeface="+mn-cs"/>
-            </a:endParaRPr>
-          </a:p>
-          <a:p>
-            <a:r>
-              <a:rPr lang="en-US" sz="1200" b="0" i="0" kern="1200" dirty="0">
-                <a:solidFill>
-                  <a:schemeClr val="tx1"/>
-                </a:solidFill>
-                <a:effectLst/>
-                <a:latin typeface="+mn-lt"/>
-                <a:ea typeface="+mn-ea"/>
-                <a:cs typeface="+mn-cs"/>
-              </a:rPr>
-              <a:t>We can always add more on categories and tests</a:t>
-            </a:r>
-          </a:p>
-          <a:p>
-            <a:endParaRPr lang="en-US" sz="1200" b="0" i="0" kern="1200" dirty="0">
-              <a:solidFill>
-                <a:schemeClr val="tx1"/>
-              </a:solidFill>
-              <a:effectLst/>
-              <a:latin typeface="+mn-lt"/>
-              <a:ea typeface="+mn-ea"/>
-              <a:cs typeface="+mn-cs"/>
-            </a:endParaRPr>
-          </a:p>
-          <a:p>
-            <a:r>
-              <a:rPr lang="en-US" sz="1200" b="0" i="0" kern="1200" dirty="0">
-                <a:solidFill>
-                  <a:schemeClr val="tx1"/>
-                </a:solidFill>
-                <a:effectLst/>
-                <a:latin typeface="+mn-lt"/>
-                <a:ea typeface="+mn-ea"/>
-                <a:cs typeface="+mn-cs"/>
-              </a:rPr>
-              <a:t>Business specific </a:t>
-            </a:r>
-          </a:p>
-          <a:p>
-            <a:pPr marL="171450" indent="-171450">
-              <a:buFontTx/>
-              <a:buChar char="-"/>
-            </a:pPr>
-            <a:r>
-              <a:rPr lang="en-US" sz="1200" b="0" i="0" kern="1200" dirty="0">
-                <a:solidFill>
-                  <a:schemeClr val="tx1"/>
-                </a:solidFill>
-                <a:effectLst/>
-                <a:latin typeface="+mn-lt"/>
-                <a:ea typeface="+mn-ea"/>
-                <a:cs typeface="+mn-cs"/>
-              </a:rPr>
-              <a:t>rows need to get to down stream system in X mins</a:t>
-            </a:r>
-          </a:p>
-          <a:p>
-            <a:pPr marL="171450" indent="-171450">
-              <a:buFontTx/>
-              <a:buChar char="-"/>
-            </a:pPr>
-            <a:r>
-              <a:rPr lang="en-US" sz="1200" b="0" i="0" kern="1200" dirty="0">
-                <a:solidFill>
-                  <a:schemeClr val="tx1"/>
-                </a:solidFill>
-                <a:effectLst/>
-                <a:latin typeface="+mn-lt"/>
-                <a:ea typeface="+mn-ea"/>
-                <a:cs typeface="+mn-cs"/>
-              </a:rPr>
-              <a:t>Should be less than X rows in staging table</a:t>
-            </a:r>
-          </a:p>
-          <a:p>
-            <a:pPr marL="171450" indent="-171450">
-              <a:buFontTx/>
-              <a:buChar char="-"/>
-            </a:pPr>
-            <a:endParaRPr lang="en-US" sz="1200" b="0" i="0" kern="1200" dirty="0">
-              <a:solidFill>
-                <a:schemeClr val="tx1"/>
-              </a:solidFill>
-              <a:effectLst/>
-              <a:latin typeface="+mn-lt"/>
-              <a:ea typeface="+mn-ea"/>
-              <a:cs typeface="+mn-cs"/>
-            </a:endParaRPr>
-          </a:p>
-          <a:p>
-            <a:endParaRPr lang="en-US" sz="1200" b="0" i="0" kern="1200" dirty="0">
-              <a:solidFill>
-                <a:schemeClr val="tx1"/>
-              </a:solidFill>
-              <a:effectLst/>
-              <a:latin typeface="+mn-lt"/>
-              <a:ea typeface="+mn-ea"/>
-              <a:cs typeface="+mn-cs"/>
-            </a:endParaRPr>
+              <a:rPr lang="en-US" dirty="0"/>
+              <a:t>So what if we could do something similar for our SQL Servers</a:t>
+            </a:r>
+          </a:p>
+          <a:p>
+            <a:endParaRPr lang="en-US" dirty="0"/>
+          </a:p>
+          <a:p>
+            <a:r>
+              <a:rPr lang="en-US" dirty="0"/>
+              <a:t>Once we have this score – we can work on weaknesses and improve things that’ll bring our overall fitness scores up</a:t>
+            </a:r>
           </a:p>
         </p:txBody>
       </p:sp>
@@ -1838,7 +4505,7 @@
           <a:p>
             <a:fld id="{0888DEC1-F2AB-4DD2-8E1F-AE80EFAA4036}" type="slidenum">
               <a:rPr lang="en-US" smtClean="0"/>
-              <a:t>7</a:t>
+              <a:t>6</a:t>
             </a:fld>
             <a:endParaRPr lang="en-US" dirty="0"/>
           </a:p>
@@ -1847,7 +4514,7 @@
     </p:spTree>
     <p:extLst>
       <p:ext uri="{BB962C8B-B14F-4D97-AF65-F5344CB8AC3E}">
-        <p14:creationId xmlns:p14="http://schemas.microsoft.com/office/powerpoint/2010/main" val="544131739"/>
+        <p14:creationId xmlns:p14="http://schemas.microsoft.com/office/powerpoint/2010/main" val="759454230"/>
       </p:ext>
     </p:extLst>
   </p:cSld>
@@ -1902,9 +4569,154 @@
           <a:lstStyle/>
           <a:p>
             <a:r>
-              <a:rPr lang="en-GB" dirty="0"/>
-              <a:t>CHANGE THIS PICTURE</a:t>
-            </a:r>
+              <a:rPr lang="en-US" sz="1200" b="0" i="0" kern="1200" dirty="0">
+                <a:solidFill>
+                  <a:schemeClr val="tx1"/>
+                </a:solidFill>
+                <a:effectLst/>
+                <a:latin typeface="+mn-lt"/>
+                <a:ea typeface="+mn-ea"/>
+                <a:cs typeface="+mn-cs"/>
+              </a:rPr>
+              <a:t>First we need to decide what fitness for a SQL Server looks like</a:t>
+            </a:r>
+          </a:p>
+          <a:p>
+            <a:endParaRPr lang="en-US" sz="1200" b="0" i="0" kern="1200" dirty="0">
+              <a:solidFill>
+                <a:schemeClr val="tx1"/>
+              </a:solidFill>
+              <a:effectLst/>
+              <a:latin typeface="+mn-lt"/>
+              <a:ea typeface="+mn-ea"/>
+              <a:cs typeface="+mn-cs"/>
+            </a:endParaRPr>
+          </a:p>
+          <a:p>
+            <a:r>
+              <a:rPr lang="en-US" sz="1200" b="0" i="0" kern="1200" dirty="0">
+                <a:solidFill>
+                  <a:schemeClr val="tx1"/>
+                </a:solidFill>
+                <a:effectLst/>
+                <a:latin typeface="+mn-lt"/>
+                <a:ea typeface="+mn-ea"/>
+                <a:cs typeface="+mn-cs"/>
+              </a:rPr>
+              <a:t>We’ll start with three aspects of SQL Server fitness</a:t>
+            </a:r>
+          </a:p>
+          <a:p>
+            <a:endParaRPr lang="en-US" sz="1200" b="0" i="0" kern="1200" dirty="0">
+              <a:solidFill>
+                <a:schemeClr val="tx1"/>
+              </a:solidFill>
+              <a:effectLst/>
+              <a:latin typeface="+mn-lt"/>
+              <a:ea typeface="+mn-ea"/>
+              <a:cs typeface="+mn-cs"/>
+            </a:endParaRPr>
+          </a:p>
+          <a:p>
+            <a:r>
+              <a:rPr lang="en-US" sz="1200" b="0" i="0" kern="1200" dirty="0">
+                <a:solidFill>
+                  <a:schemeClr val="tx1"/>
+                </a:solidFill>
+                <a:effectLst/>
+                <a:latin typeface="+mn-lt"/>
+                <a:ea typeface="+mn-ea"/>
+                <a:cs typeface="+mn-cs"/>
+              </a:rPr>
+              <a:t>We can always add more on categories and tests</a:t>
+            </a:r>
+          </a:p>
+          <a:p>
+            <a:endParaRPr lang="en-US" sz="1200" b="0" i="0" kern="1200" dirty="0">
+              <a:solidFill>
+                <a:schemeClr val="tx1"/>
+              </a:solidFill>
+              <a:effectLst/>
+              <a:latin typeface="+mn-lt"/>
+              <a:ea typeface="+mn-ea"/>
+              <a:cs typeface="+mn-cs"/>
+            </a:endParaRPr>
+          </a:p>
+          <a:p>
+            <a:r>
+              <a:rPr lang="en-US" sz="1200" b="0" i="0" kern="1200" dirty="0">
+                <a:solidFill>
+                  <a:schemeClr val="tx1"/>
+                </a:solidFill>
+                <a:effectLst/>
+                <a:latin typeface="+mn-lt"/>
+                <a:ea typeface="+mn-ea"/>
+                <a:cs typeface="+mn-cs"/>
+              </a:rPr>
+              <a:t>Business specific </a:t>
+            </a:r>
+          </a:p>
+          <a:p>
+            <a:pPr marL="171450" indent="-171450">
+              <a:buFontTx/>
+              <a:buChar char="-"/>
+            </a:pPr>
+            <a:r>
+              <a:rPr lang="en-US" sz="1200" b="0" i="0" kern="1200" dirty="0">
+                <a:solidFill>
+                  <a:schemeClr val="tx1"/>
+                </a:solidFill>
+                <a:effectLst/>
+                <a:latin typeface="+mn-lt"/>
+                <a:ea typeface="+mn-ea"/>
+                <a:cs typeface="+mn-cs"/>
+              </a:rPr>
+              <a:t>rows need to get to down stream system in X mins</a:t>
+            </a:r>
+          </a:p>
+          <a:p>
+            <a:pPr marL="171450" indent="-171450">
+              <a:buFontTx/>
+              <a:buChar char="-"/>
+            </a:pPr>
+            <a:r>
+              <a:rPr lang="en-US" sz="1200" b="0" i="0" kern="1200" dirty="0">
+                <a:solidFill>
+                  <a:schemeClr val="tx1"/>
+                </a:solidFill>
+                <a:effectLst/>
+                <a:latin typeface="+mn-lt"/>
+                <a:ea typeface="+mn-ea"/>
+                <a:cs typeface="+mn-cs"/>
+              </a:rPr>
+              <a:t>Should be less than X rows in staging table</a:t>
+            </a:r>
+          </a:p>
+          <a:p>
+            <a:pPr marL="171450" indent="-171450">
+              <a:buFontTx/>
+              <a:buChar char="-"/>
+            </a:pPr>
+            <a:endParaRPr lang="en-US" sz="1200" b="0" i="0" kern="1200" dirty="0">
+              <a:solidFill>
+                <a:schemeClr val="tx1"/>
+              </a:solidFill>
+              <a:effectLst/>
+              <a:latin typeface="+mn-lt"/>
+              <a:ea typeface="+mn-ea"/>
+              <a:cs typeface="+mn-cs"/>
+            </a:endParaRPr>
+          </a:p>
+          <a:p>
+            <a:endParaRPr lang="en-US" sz="1200" b="0" i="0" kern="1200" dirty="0">
+              <a:solidFill>
+                <a:schemeClr val="tx1"/>
+              </a:solidFill>
+              <a:effectLst/>
+              <a:latin typeface="+mn-lt"/>
+              <a:ea typeface="+mn-ea"/>
+              <a:cs typeface="+mn-cs"/>
+            </a:endParaRPr>
           </a:p>
         </p:txBody>
       </p:sp>
@@ -1925,7 +4737,7 @@
           <a:p>
             <a:fld id="{0888DEC1-F2AB-4DD2-8E1F-AE80EFAA4036}" type="slidenum">
               <a:rPr lang="en-US" smtClean="0"/>
-              <a:t>8</a:t>
+              <a:t>7</a:t>
             </a:fld>
             <a:endParaRPr lang="en-US" dirty="0"/>
           </a:p>
@@ -1934,7 +4746,7 @@
     </p:spTree>
     <p:extLst>
       <p:ext uri="{BB962C8B-B14F-4D97-AF65-F5344CB8AC3E}">
-        <p14:creationId xmlns:p14="http://schemas.microsoft.com/office/powerpoint/2010/main" val="2721236398"/>
+        <p14:creationId xmlns:p14="http://schemas.microsoft.com/office/powerpoint/2010/main" val="544131739"/>
       </p:ext>
     </p:extLst>
   </p:cSld>
@@ -1989,157 +4801,9 @@
           <a:lstStyle/>
           <a:p>
             <a:r>
-              <a:rPr lang="en-US" dirty="0"/>
-              <a:t>dbatools </a:t>
-            </a:r>
-          </a:p>
-          <a:p>
-            <a:pPr marL="171450" indent="-171450">
-              <a:buFontTx/>
-              <a:buChar char="-"/>
-            </a:pPr>
-            <a:r>
-              <a:rPr lang="en-US" dirty="0"/>
-              <a:t>Open source PowerShell module for making Database Admin tasks easier</a:t>
-            </a:r>
-          </a:p>
-          <a:p>
-            <a:pPr marL="171450" indent="-171450">
-              <a:buFontTx/>
-              <a:buChar char="-"/>
-            </a:pPr>
-            <a:r>
-              <a:rPr lang="en-US" dirty="0"/>
-              <a:t>Command line SSMS</a:t>
-            </a:r>
-          </a:p>
-          <a:p>
-            <a:pPr marL="171450" indent="-171450">
-              <a:buFontTx/>
-              <a:buChar char="-"/>
-            </a:pPr>
-            <a:r>
-              <a:rPr lang="en-US" dirty="0"/>
-              <a:t>Powerful for handling multiples</a:t>
-            </a:r>
-          </a:p>
-          <a:p>
-            <a:pPr marL="0" indent="0">
-              <a:buFontTx/>
-              <a:buNone/>
-            </a:pPr>
-            <a:endParaRPr lang="en-US" dirty="0"/>
-          </a:p>
-          <a:p>
-            <a:pPr marL="0" indent="0">
-              <a:buFontTx/>
-              <a:buNone/>
-            </a:pPr>
-            <a:r>
-              <a:rPr lang="en-US" dirty="0"/>
-              <a:t>Pester</a:t>
-            </a:r>
-          </a:p>
-          <a:p>
-            <a:pPr marL="171450" indent="-171450">
-              <a:buFontTx/>
-              <a:buChar char="-"/>
-            </a:pPr>
-            <a:r>
-              <a:rPr lang="en-US" dirty="0"/>
-              <a:t>Testing framework</a:t>
-            </a:r>
-          </a:p>
-          <a:p>
-            <a:pPr marL="171450" indent="-171450">
-              <a:buFontTx/>
-              <a:buChar char="-"/>
-            </a:pPr>
-            <a:r>
-              <a:rPr lang="en-US" dirty="0"/>
-              <a:t>Written in a Domain Specific Language (DSL) – like PowerShell but has it’s own terminology and patterns</a:t>
-            </a:r>
-          </a:p>
-          <a:p>
-            <a:pPr marL="171450" indent="-171450">
-              <a:buFontTx/>
-              <a:buChar char="-"/>
-            </a:pPr>
-            <a:r>
-              <a:rPr lang="en-US" dirty="0"/>
-              <a:t>Main use is Unit and Integration Testing – but can test anything</a:t>
-            </a:r>
-          </a:p>
-          <a:p>
-            <a:pPr marL="0" indent="0">
-              <a:buFontTx/>
-              <a:buNone/>
-            </a:pPr>
-            <a:endParaRPr lang="en-US" dirty="0"/>
-          </a:p>
-          <a:p>
-            <a:pPr marL="0" indent="0">
-              <a:buFontTx/>
-              <a:buNone/>
-            </a:pPr>
-            <a:r>
-              <a:rPr lang="en-US" dirty="0" err="1"/>
-              <a:t>dbachecks</a:t>
-            </a:r>
-            <a:endParaRPr lang="en-US" dirty="0"/>
-          </a:p>
-          <a:p>
-            <a:pPr marL="171450" indent="-171450">
-              <a:buFontTx/>
-              <a:buChar char="-"/>
-            </a:pPr>
-            <a:r>
-              <a:rPr lang="en-US" dirty="0"/>
-              <a:t>Also an open source PowerShell module from </a:t>
-            </a:r>
-            <a:r>
-              <a:rPr lang="en-US" dirty="0" err="1"/>
-              <a:t>SqlCollaborative</a:t>
-            </a:r>
-            <a:endParaRPr lang="en-US" dirty="0"/>
-          </a:p>
-          <a:p>
-            <a:pPr marL="171450" indent="-171450">
-              <a:buFontTx/>
-              <a:buChar char="-"/>
-            </a:pPr>
-            <a:r>
-              <a:rPr lang="en-US" dirty="0"/>
-              <a:t>Pester test your database infrastructure</a:t>
-            </a:r>
-          </a:p>
-          <a:p>
-            <a:pPr marL="171450" indent="-171450">
-              <a:buFontTx/>
-              <a:buChar char="-"/>
-            </a:pPr>
-            <a:endParaRPr lang="en-US" dirty="0"/>
-          </a:p>
-          <a:p>
-            <a:pPr marL="171450" indent="-171450">
-              <a:buFontTx/>
-              <a:buChar char="-"/>
-            </a:pPr>
-            <a:endParaRPr lang="en-US" dirty="0"/>
-          </a:p>
-          <a:p>
-            <a:pPr marL="171450" indent="-171450">
-              <a:buFontTx/>
-              <a:buChar char="-"/>
-            </a:pPr>
-            <a:endParaRPr lang="en-US" dirty="0"/>
-          </a:p>
-          <a:p>
-            <a:pPr marL="171450" indent="-171450">
-              <a:buFontTx/>
-              <a:buChar char="-"/>
-            </a:pPr>
-            <a:endParaRPr lang="en-US" dirty="0"/>
+              <a:rPr lang="en-GB" dirty="0"/>
+              <a:t>CHANGE THIS PICTURE</a:t>
+            </a:r>
           </a:p>
         </p:txBody>
       </p:sp>
@@ -2160,7 +4824,7 @@
           <a:p>
             <a:fld id="{0888DEC1-F2AB-4DD2-8E1F-AE80EFAA4036}" type="slidenum">
               <a:rPr lang="en-US" smtClean="0"/>
-              <a:t>9</a:t>
+              <a:t>8</a:t>
             </a:fld>
             <a:endParaRPr lang="en-US" dirty="0"/>
           </a:p>
@@ -2169,7 +4833,7 @@
     </p:spTree>
     <p:extLst>
       <p:ext uri="{BB962C8B-B14F-4D97-AF65-F5344CB8AC3E}">
-        <p14:creationId xmlns:p14="http://schemas.microsoft.com/office/powerpoint/2010/main" val="538268827"/>
+        <p14:creationId xmlns:p14="http://schemas.microsoft.com/office/powerpoint/2010/main" val="2721236398"/>
       </p:ext>
     </p:extLst>
   </p:cSld>
@@ -2224,31 +4888,157 @@
           <a:lstStyle/>
           <a:p>
             <a:r>
-              <a:rPr lang="en-US" sz="1200" b="0" i="0" kern="1200" dirty="0">
-                <a:solidFill>
-                  <a:schemeClr val="tx1"/>
-                </a:solidFill>
-                <a:effectLst/>
-                <a:latin typeface="+mn-lt"/>
-                <a:ea typeface="+mn-ea"/>
-                <a:cs typeface="+mn-cs"/>
-              </a:rPr>
-              <a:t>We’ll start with three aspects of SQL Server fitness</a:t>
-            </a:r>
-          </a:p>
-          <a:p>
-            <a:r>
-              <a:rPr lang="en-US" sz="1200" b="0" i="0" kern="1200" dirty="0">
-                <a:solidFill>
-                  <a:schemeClr val="tx1"/>
-                </a:solidFill>
-                <a:effectLst/>
-                <a:latin typeface="+mn-lt"/>
-                <a:ea typeface="+mn-ea"/>
-                <a:cs typeface="+mn-cs"/>
-              </a:rPr>
-              <a:t>We can always add more on </a:t>
-            </a:r>
+              <a:rPr lang="en-US" dirty="0"/>
+              <a:t>dbatools </a:t>
+            </a:r>
+          </a:p>
+          <a:p>
+            <a:pPr marL="171450" indent="-171450">
+              <a:buFontTx/>
+              <a:buChar char="-"/>
+            </a:pPr>
+            <a:r>
+              <a:rPr lang="en-US" dirty="0"/>
+              <a:t>Open-source PowerShell module for making Database Admin tasks easier</a:t>
+            </a:r>
+          </a:p>
+          <a:p>
+            <a:pPr marL="171450" indent="-171450">
+              <a:buFontTx/>
+              <a:buChar char="-"/>
+            </a:pPr>
+            <a:r>
+              <a:rPr lang="en-US" dirty="0"/>
+              <a:t>Command line SSMS</a:t>
+            </a:r>
+          </a:p>
+          <a:p>
+            <a:pPr marL="171450" indent="-171450">
+              <a:buFontTx/>
+              <a:buChar char="-"/>
+            </a:pPr>
+            <a:r>
+              <a:rPr lang="en-US" dirty="0"/>
+              <a:t>Powerful for handling multiples</a:t>
+            </a:r>
+          </a:p>
+          <a:p>
+            <a:pPr marL="0" indent="0">
+              <a:buFontTx/>
+              <a:buNone/>
+            </a:pPr>
+            <a:endParaRPr lang="en-US" dirty="0"/>
+          </a:p>
+          <a:p>
+            <a:pPr marL="0" indent="0">
+              <a:buFontTx/>
+              <a:buNone/>
+            </a:pPr>
+            <a:r>
+              <a:rPr lang="en-US" dirty="0"/>
+              <a:t>Pester</a:t>
+            </a:r>
+          </a:p>
+          <a:p>
+            <a:pPr marL="171450" indent="-171450">
+              <a:buFontTx/>
+              <a:buChar char="-"/>
+            </a:pPr>
+            <a:r>
+              <a:rPr lang="en-US" dirty="0"/>
+              <a:t>Testing framework</a:t>
+            </a:r>
+          </a:p>
+          <a:p>
+            <a:pPr marL="171450" indent="-171450">
+              <a:buFontTx/>
+              <a:buChar char="-"/>
+            </a:pPr>
+            <a:r>
+              <a:rPr lang="en-US" dirty="0"/>
+              <a:t>Written in a Domain Specific Language (DSL) – like PowerShell but has it’s own terminology and patterns</a:t>
+            </a:r>
+          </a:p>
+          <a:p>
+            <a:pPr marL="171450" indent="-171450">
+              <a:buFontTx/>
+              <a:buChar char="-"/>
+            </a:pPr>
+            <a:r>
+              <a:rPr lang="en-US" dirty="0"/>
+              <a:t>Main use is Unit and Integration Testing – but can test anything</a:t>
+            </a:r>
+          </a:p>
+          <a:p>
+            <a:pPr marL="0" indent="0">
+              <a:buFontTx/>
+              <a:buNone/>
+            </a:pPr>
+            <a:endParaRPr lang="en-US" dirty="0"/>
+          </a:p>
+          <a:p>
+            <a:pPr marL="0" indent="0">
+              <a:buFontTx/>
+              <a:buNone/>
+            </a:pPr>
+            <a:r>
+              <a:rPr lang="en-US" dirty="0" err="1"/>
+              <a:t>dbachecks</a:t>
+            </a:r>
+            <a:endParaRPr lang="en-US" dirty="0"/>
+          </a:p>
+          <a:p>
+            <a:pPr marL="171450" indent="-171450">
+              <a:buFontTx/>
+              <a:buChar char="-"/>
+            </a:pPr>
+            <a:r>
+              <a:rPr lang="en-US" dirty="0"/>
+              <a:t>Also an open source PowerShell module from </a:t>
+            </a:r>
+            <a:r>
+              <a:rPr lang="en-US" dirty="0" err="1"/>
+              <a:t>SqlCollaborative</a:t>
+            </a:r>
+            <a:endParaRPr lang="en-US" dirty="0"/>
+          </a:p>
+          <a:p>
+            <a:pPr marL="171450" indent="-171450">
+              <a:buFontTx/>
+              <a:buChar char="-"/>
+            </a:pPr>
+            <a:r>
+              <a:rPr lang="en-US" dirty="0"/>
+              <a:t>Pester test your database infrastructure</a:t>
+            </a:r>
+          </a:p>
+          <a:p>
+            <a:pPr marL="171450" indent="-171450">
+              <a:buFontTx/>
+              <a:buChar char="-"/>
+            </a:pPr>
+            <a:endParaRPr lang="en-US" dirty="0"/>
+          </a:p>
+          <a:p>
+            <a:pPr marL="171450" indent="-171450">
+              <a:buFontTx/>
+              <a:buChar char="-"/>
+            </a:pPr>
+            <a:endParaRPr lang="en-US" dirty="0"/>
+          </a:p>
+          <a:p>
+            <a:pPr marL="171450" indent="-171450">
+              <a:buFontTx/>
+              <a:buChar char="-"/>
+            </a:pPr>
+            <a:endParaRPr lang="en-US" dirty="0"/>
+          </a:p>
+          <a:p>
+            <a:pPr marL="171450" indent="-171450">
+              <a:buFontTx/>
+              <a:buChar char="-"/>
+            </a:pPr>
+            <a:endParaRPr lang="en-US" dirty="0"/>
           </a:p>
         </p:txBody>
       </p:sp>
@@ -2269,7 +5059,7 @@
           <a:p>
             <a:fld id="{0888DEC1-F2AB-4DD2-8E1F-AE80EFAA4036}" type="slidenum">
               <a:rPr lang="en-US" smtClean="0"/>
-              <a:t>10</a:t>
+              <a:t>9</a:t>
             </a:fld>
             <a:endParaRPr lang="en-US" dirty="0"/>
           </a:p>
@@ -2278,7 +5068,7 @@
     </p:spTree>
     <p:extLst>
       <p:ext uri="{BB962C8B-B14F-4D97-AF65-F5344CB8AC3E}">
-        <p14:creationId xmlns:p14="http://schemas.microsoft.com/office/powerpoint/2010/main" val="3959968356"/>
+        <p14:creationId xmlns:p14="http://schemas.microsoft.com/office/powerpoint/2010/main" val="538268827"/>
       </p:ext>
     </p:extLst>
   </p:cSld>
@@ -2342,7 +5132,7 @@
                 <a:ea typeface="+mn-ea"/>
                 <a:cs typeface="+mn-cs"/>
               </a:rPr>
-              <a:t>Couch to 5k</a:t>
+              <a:t>We’ll start with three aspects of SQL Server fitness</a:t>
             </a:r>
           </a:p>
           <a:p>
@@ -2356,44 +5146,8 @@
                 <a:ea typeface="+mn-ea"/>
                 <a:cs typeface="+mn-cs"/>
               </a:rPr>
-              <a:t>Marathon Training</a:t>
-            </a:r>
-          </a:p>
-          <a:p>
-            <a:endParaRPr lang="en-US" sz="1200" b="0" i="0" kern="1200" dirty="0">
-              <a:solidFill>
-                <a:schemeClr val="tx1"/>
-              </a:solidFill>
-              <a:effectLst/>
-              <a:latin typeface="+mn-lt"/>
-              <a:ea typeface="+mn-ea"/>
-              <a:cs typeface="+mn-cs"/>
-            </a:endParaRPr>
-          </a:p>
-          <a:p>
-            <a:r>
-              <a:rPr lang="en-US" sz="1200" b="0" i="0" kern="1200" dirty="0">
-                <a:solidFill>
-                  <a:schemeClr val="tx1"/>
-                </a:solidFill>
-                <a:effectLst/>
-                <a:latin typeface="+mn-lt"/>
-                <a:ea typeface="+mn-ea"/>
-                <a:cs typeface="+mn-cs"/>
-              </a:rPr>
-              <a:t>If you’re ‘there’ is running a marathon – you need some kind of plan to get from being able to run 1 mile today, to 26.2 miles in 6 months time</a:t>
-            </a:r>
-          </a:p>
-          <a:p>
-            <a:endParaRPr lang="en-US" sz="1200" b="0" i="0" kern="1200" dirty="0">
-              <a:solidFill>
-                <a:schemeClr val="tx1"/>
-              </a:solidFill>
-              <a:effectLst/>
-              <a:latin typeface="+mn-lt"/>
-              <a:ea typeface="+mn-ea"/>
-              <a:cs typeface="+mn-cs"/>
-            </a:endParaRPr>
+              <a:t>We can always add more on </a:t>
+            </a:r>
           </a:p>
         </p:txBody>
       </p:sp>
@@ -2414,7 +5168,7 @@
           <a:p>
             <a:fld id="{0888DEC1-F2AB-4DD2-8E1F-AE80EFAA4036}" type="slidenum">
               <a:rPr lang="en-US" smtClean="0"/>
-              <a:t>11</a:t>
+              <a:t>10</a:t>
             </a:fld>
             <a:endParaRPr lang="en-US" dirty="0"/>
           </a:p>
@@ -2423,7 +5177,7 @@
     </p:spTree>
     <p:extLst>
       <p:ext uri="{BB962C8B-B14F-4D97-AF65-F5344CB8AC3E}">
-        <p14:creationId xmlns:p14="http://schemas.microsoft.com/office/powerpoint/2010/main" val="1518799751"/>
+        <p14:creationId xmlns:p14="http://schemas.microsoft.com/office/powerpoint/2010/main" val="3959968356"/>
       </p:ext>
     </p:extLst>
   </p:cSld>
@@ -4094,7 +6848,7 @@
           <a:p>
             <a:fld id="{6F7AEB39-490D-4470-BB4F-F7E09AA2B520}" type="datetimeFigureOut">
               <a:rPr lang="en-US" smtClean="0"/>
-              <a:t>10/15/2020</a:t>
+              <a:t>11/21/2020</a:t>
             </a:fld>
             <a:endParaRPr lang="en-US" dirty="0"/>
           </a:p>
@@ -4591,7 +7345,7 @@
           <a:p>
             <a:fld id="{6F7AEB39-490D-4470-BB4F-F7E09AA2B520}" type="datetimeFigureOut">
               <a:rPr lang="en-US" smtClean="0"/>
-              <a:t>10/15/2020</a:t>
+              <a:t>11/21/2020</a:t>
             </a:fld>
             <a:endParaRPr lang="en-US" dirty="0"/>
           </a:p>
@@ -8099,7 +10853,7 @@
 </file>
 
 <file path=ppt/slides/slide14.xml><?xml version="1.0" encoding="utf-8"?>
-<p:sld xmlns:a="http://schemas.openxmlformats.org/drawingml/2006/main" xmlns:r="http://schemas.openxmlformats.org/officeDocument/2006/relationships" xmlns:p="http://schemas.openxmlformats.org/presentationml/2006/main">
+<p:sld xmlns:a="http://schemas.openxmlformats.org/drawingml/2006/main" xmlns:r="http://schemas.openxmlformats.org/officeDocument/2006/relationships" xmlns:p="http://schemas.openxmlformats.org/presentationml/2006/main" show="0">
   <p:cSld>
     <p:spTree>
       <p:nvGrpSpPr>
@@ -8117,10 +10871,10 @@
       </p:grpSpPr>
       <p:sp>
         <p:nvSpPr>
-          <p:cNvPr id="2" name="Title 1">
+          <p:cNvPr id="12" name="Title 1">
             <a:extLst>
               <a:ext uri="{FF2B5EF4-FFF2-40B4-BE49-F238E27FC236}">
-                <a16:creationId xmlns:a16="http://schemas.microsoft.com/office/drawing/2014/main" id="{8D422263-0412-436C-BE7A-EF75789E4BDD}"/>
+                <a16:creationId xmlns:a16="http://schemas.microsoft.com/office/drawing/2014/main" id="{C7B52D2B-CD10-4CC8-AD6A-4E5359FF3CDB}"/>
               </a:ext>
             </a:extLst>
           </p:cNvPr>
@@ -8131,75 +10885,54 @@
             <p:ph type="title"/>
           </p:nvPr>
         </p:nvSpPr>
-        <p:spPr/>
+        <p:spPr>
+          <a:xfrm>
+            <a:off x="838200" y="1"/>
+            <a:ext cx="10515600" cy="818650"/>
+          </a:xfrm>
+        </p:spPr>
         <p:txBody>
           <a:bodyPr/>
           <a:lstStyle/>
           <a:p>
-            <a:r>
-              <a:rPr lang="en-US" dirty="0"/>
-              <a:t>Demo Time</a:t>
-            </a:r>
-          </a:p>
-        </p:txBody>
-      </p:sp>
-      <p:sp>
-        <p:nvSpPr>
-          <p:cNvPr id="3" name="Content Placeholder 2">
+            <a:endParaRPr lang="en-US" dirty="0"/>
+          </a:p>
+        </p:txBody>
+      </p:sp>
+      <p:pic>
+        <p:nvPicPr>
+          <p:cNvPr id="5" name="Picture 4">
             <a:extLst>
               <a:ext uri="{FF2B5EF4-FFF2-40B4-BE49-F238E27FC236}">
-                <a16:creationId xmlns:a16="http://schemas.microsoft.com/office/drawing/2014/main" id="{373F1335-4328-4E58-94A0-BDBC5F307700}"/>
+                <a16:creationId xmlns:a16="http://schemas.microsoft.com/office/drawing/2014/main" id="{D4FA5C96-93F2-4CC7-BB9F-F114FE759E70}"/>
               </a:ext>
             </a:extLst>
           </p:cNvPr>
-          <p:cNvSpPr>
-            <a:spLocks noGrp="1"/>
-          </p:cNvSpPr>
-          <p:nvPr>
-            <p:ph idx="1"/>
-          </p:nvPr>
-        </p:nvSpPr>
-        <p:spPr/>
-        <p:txBody>
-          <a:bodyPr/>
-          <a:lstStyle/>
-          <a:p>
-            <a:pPr marL="0" indent="0">
-              <a:buNone/>
-            </a:pPr>
-            <a:r>
-              <a:rPr lang="en-US" dirty="0"/>
-              <a:t>Demo Files available here:</a:t>
-            </a:r>
-          </a:p>
-          <a:p>
-            <a:pPr marL="0" indent="0">
-              <a:buNone/>
-            </a:pPr>
-            <a:r>
-              <a:rPr lang="en-US" sz="2800" dirty="0">
-                <a:hlinkClick r:id="rId3"/>
-              </a:rPr>
-              <a:t>https://github.com/jpomfret/demos/tree/master/SqlEstateShape</a:t>
-            </a:r>
-            <a:endParaRPr lang="en-US" sz="2800" dirty="0"/>
-          </a:p>
-          <a:p>
-            <a:pPr marL="0" indent="0">
-              <a:buNone/>
-            </a:pPr>
-            <a:endParaRPr lang="en-US" sz="2800" dirty="0">
-              <a:highlight>
-                <a:srgbClr val="FFFF00"/>
-              </a:highlight>
-            </a:endParaRPr>
-          </a:p>
-        </p:txBody>
-      </p:sp>
+          <p:cNvPicPr>
+            <a:picLocks noChangeAspect="1"/>
+          </p:cNvPicPr>
+          <p:nvPr/>
+        </p:nvPicPr>
+        <p:blipFill rotWithShape="1">
+          <a:blip r:embed="rId2"/>
+          <a:srcRect b="12543"/>
+          <a:stretch/>
+        </p:blipFill>
+        <p:spPr>
+          <a:xfrm>
+            <a:off x="838200" y="1003852"/>
+            <a:ext cx="10515600" cy="5173111"/>
+          </a:xfrm>
+          <a:prstGeom prst="rect">
+            <a:avLst/>
+          </a:prstGeom>
+          <a:noFill/>
+        </p:spPr>
+      </p:pic>
     </p:spTree>
     <p:extLst>
       <p:ext uri="{BB962C8B-B14F-4D97-AF65-F5344CB8AC3E}">
-        <p14:creationId xmlns:p14="http://schemas.microsoft.com/office/powerpoint/2010/main" val="1710610017"/>
+        <p14:creationId xmlns:p14="http://schemas.microsoft.com/office/powerpoint/2010/main" val="3514318746"/>
       </p:ext>
     </p:extLst>
   </p:cSld>
@@ -8231,6 +10964,354 @@
           <p:cNvPr id="2" name="Title 1">
             <a:extLst>
               <a:ext uri="{FF2B5EF4-FFF2-40B4-BE49-F238E27FC236}">
+                <a16:creationId xmlns:a16="http://schemas.microsoft.com/office/drawing/2014/main" id="{589D5FF0-0DA3-4A3C-A1AF-D4A4631C9032}"/>
+              </a:ext>
+            </a:extLst>
+          </p:cNvPr>
+          <p:cNvSpPr>
+            <a:spLocks noGrp="1"/>
+          </p:cNvSpPr>
+          <p:nvPr>
+            <p:ph type="title"/>
+          </p:nvPr>
+        </p:nvSpPr>
+        <p:spPr/>
+        <p:txBody>
+          <a:bodyPr/>
+          <a:lstStyle/>
+          <a:p>
+            <a:r>
+              <a:rPr lang="en-GB" dirty="0"/>
+              <a:t>Summary</a:t>
+            </a:r>
+          </a:p>
+        </p:txBody>
+      </p:sp>
+      <p:graphicFrame>
+        <p:nvGraphicFramePr>
+          <p:cNvPr id="10" name="Content Placeholder 9">
+            <a:extLst>
+              <a:ext uri="{FF2B5EF4-FFF2-40B4-BE49-F238E27FC236}">
+                <a16:creationId xmlns:a16="http://schemas.microsoft.com/office/drawing/2014/main" id="{8AFD992A-79E8-4DB8-858B-E0A982B03629}"/>
+              </a:ext>
+            </a:extLst>
+          </p:cNvPr>
+          <p:cNvGraphicFramePr>
+            <a:graphicFrameLocks noGrp="1"/>
+          </p:cNvGraphicFramePr>
+          <p:nvPr>
+            <p:ph idx="1"/>
+            <p:extLst>
+              <p:ext uri="{D42A27DB-BD31-4B8C-83A1-F6EECF244321}">
+                <p14:modId xmlns:p14="http://schemas.microsoft.com/office/powerpoint/2010/main" val="3835659157"/>
+              </p:ext>
+            </p:extLst>
+          </p:nvPr>
+        </p:nvGraphicFramePr>
+        <p:xfrm>
+          <a:off x="838200" y="1003300"/>
+          <a:ext cx="10515600" cy="5173663"/>
+        </p:xfrm>
+        <a:graphic>
+          <a:graphicData uri="http://schemas.openxmlformats.org/drawingml/2006/diagram">
+            <dgm:relIds xmlns:dgm="http://schemas.openxmlformats.org/drawingml/2006/diagram" xmlns:r="http://schemas.openxmlformats.org/officeDocument/2006/relationships" r:dm="rId3" r:lo="rId4" r:qs="rId5" r:cs="rId6"/>
+          </a:graphicData>
+        </a:graphic>
+      </p:graphicFrame>
+      <p:sp>
+        <p:nvSpPr>
+          <p:cNvPr id="15" name="Arrow: U-Turn 14">
+            <a:extLst>
+              <a:ext uri="{FF2B5EF4-FFF2-40B4-BE49-F238E27FC236}">
+                <a16:creationId xmlns:a16="http://schemas.microsoft.com/office/drawing/2014/main" id="{C3E7C856-B883-4350-89B9-E79C2C6744AA}"/>
+              </a:ext>
+            </a:extLst>
+          </p:cNvPr>
+          <p:cNvSpPr/>
+          <p:nvPr/>
+        </p:nvSpPr>
+        <p:spPr>
+          <a:xfrm rot="16200000" flipV="1">
+            <a:off x="9207503" y="3898898"/>
+            <a:ext cx="2401708" cy="1174045"/>
+          </a:xfrm>
+          <a:prstGeom prst="uturnArrow">
+            <a:avLst>
+              <a:gd name="adj1" fmla="val 25000"/>
+              <a:gd name="adj2" fmla="val 25000"/>
+              <a:gd name="adj3" fmla="val 25961"/>
+              <a:gd name="adj4" fmla="val 43750"/>
+              <a:gd name="adj5" fmla="val 100000"/>
+            </a:avLst>
+          </a:prstGeom>
+          <a:solidFill>
+            <a:srgbClr val="AAD2DE"/>
+          </a:solidFill>
+          <a:ln>
+            <a:noFill/>
+          </a:ln>
+        </p:spPr>
+        <p:style>
+          <a:lnRef idx="2">
+            <a:schemeClr val="accent1">
+              <a:shade val="50000"/>
+            </a:schemeClr>
+          </a:lnRef>
+          <a:fillRef idx="1">
+            <a:schemeClr val="accent1"/>
+          </a:fillRef>
+          <a:effectRef idx="0">
+            <a:schemeClr val="accent1"/>
+          </a:effectRef>
+          <a:fontRef idx="minor">
+            <a:schemeClr val="lt1"/>
+          </a:fontRef>
+        </p:style>
+        <p:txBody>
+          <a:bodyPr rtlCol="0" anchor="ctr"/>
+          <a:lstStyle/>
+          <a:p>
+            <a:pPr algn="ctr"/>
+            <a:endParaRPr lang="en-GB">
+              <a:solidFill>
+                <a:schemeClr val="tx1"/>
+              </a:solidFill>
+            </a:endParaRPr>
+          </a:p>
+        </p:txBody>
+      </p:sp>
+    </p:spTree>
+    <p:extLst>
+      <p:ext uri="{BB962C8B-B14F-4D97-AF65-F5344CB8AC3E}">
+        <p14:creationId xmlns:p14="http://schemas.microsoft.com/office/powerpoint/2010/main" val="2387657080"/>
+      </p:ext>
+    </p:extLst>
+  </p:cSld>
+  <p:clrMapOvr>
+    <a:masterClrMapping/>
+  </p:clrMapOvr>
+  <p:timing>
+    <p:tnLst>
+      <p:par>
+        <p:cTn id="1" dur="indefinite" restart="never" nodeType="tmRoot">
+          <p:childTnLst>
+            <p:seq concurrent="1" nextAc="seek">
+              <p:cTn id="2" dur="indefinite" nodeType="mainSeq">
+                <p:childTnLst>
+                  <p:par>
+                    <p:cTn id="3" fill="hold">
+                      <p:stCondLst>
+                        <p:cond delay="indefinite"/>
+                      </p:stCondLst>
+                      <p:childTnLst>
+                        <p:par>
+                          <p:cTn id="4" fill="hold">
+                            <p:stCondLst>
+                              <p:cond delay="0"/>
+                            </p:stCondLst>
+                            <p:childTnLst>
+                              <p:par>
+                                <p:cTn id="5" presetID="22" presetClass="entr" presetSubtype="4" fill="hold" grpId="0" nodeType="clickEffect">
+                                  <p:stCondLst>
+                                    <p:cond delay="0"/>
+                                  </p:stCondLst>
+                                  <p:childTnLst>
+                                    <p:set>
+                                      <p:cBhvr>
+                                        <p:cTn id="6" dur="1" fill="hold">
+                                          <p:stCondLst>
+                                            <p:cond delay="0"/>
+                                          </p:stCondLst>
+                                        </p:cTn>
+                                        <p:tgtEl>
+                                          <p:spTgt spid="15"/>
+                                        </p:tgtEl>
+                                        <p:attrNameLst>
+                                          <p:attrName>style.visibility</p:attrName>
+                                        </p:attrNameLst>
+                                      </p:cBhvr>
+                                      <p:to>
+                                        <p:strVal val="visible"/>
+                                      </p:to>
+                                    </p:set>
+                                    <p:animEffect transition="in" filter="wipe(down)">
+                                      <p:cBhvr>
+                                        <p:cTn id="7" dur="500"/>
+                                        <p:tgtEl>
+                                          <p:spTgt spid="15"/>
+                                        </p:tgtEl>
+                                      </p:cBhvr>
+                                    </p:animEffect>
+                                  </p:childTnLst>
+                                </p:cTn>
+                              </p:par>
+                            </p:childTnLst>
+                          </p:cTn>
+                        </p:par>
+                      </p:childTnLst>
+                    </p:cTn>
+                  </p:par>
+                </p:childTnLst>
+              </p:cTn>
+              <p:prevCondLst>
+                <p:cond evt="onPrev" delay="0">
+                  <p:tgtEl>
+                    <p:sldTgt/>
+                  </p:tgtEl>
+                </p:cond>
+              </p:prevCondLst>
+              <p:nextCondLst>
+                <p:cond evt="onNext" delay="0">
+                  <p:tgtEl>
+                    <p:sldTgt/>
+                  </p:tgtEl>
+                </p:cond>
+              </p:nextCondLst>
+            </p:seq>
+          </p:childTnLst>
+        </p:cTn>
+      </p:par>
+    </p:tnLst>
+    <p:bldLst>
+      <p:bldP spid="15" grpId="0" animBg="1"/>
+    </p:bldLst>
+  </p:timing>
+</p:sld>
+</file>
+
+<file path=ppt/slides/slide16.xml><?xml version="1.0" encoding="utf-8"?>
+<p:sld xmlns:a="http://schemas.openxmlformats.org/drawingml/2006/main" xmlns:r="http://schemas.openxmlformats.org/officeDocument/2006/relationships" xmlns:p="http://schemas.openxmlformats.org/presentationml/2006/main">
+  <p:cSld>
+    <p:spTree>
+      <p:nvGrpSpPr>
+        <p:cNvPr id="1" name=""/>
+        <p:cNvGrpSpPr/>
+        <p:nvPr/>
+      </p:nvGrpSpPr>
+      <p:grpSpPr>
+        <a:xfrm>
+          <a:off x="0" y="0"/>
+          <a:ext cx="0" cy="0"/>
+          <a:chOff x="0" y="0"/>
+          <a:chExt cx="0" cy="0"/>
+        </a:xfrm>
+      </p:grpSpPr>
+      <p:sp>
+        <p:nvSpPr>
+          <p:cNvPr id="2" name="Title 1">
+            <a:extLst>
+              <a:ext uri="{FF2B5EF4-FFF2-40B4-BE49-F238E27FC236}">
+                <a16:creationId xmlns:a16="http://schemas.microsoft.com/office/drawing/2014/main" id="{8D422263-0412-436C-BE7A-EF75789E4BDD}"/>
+              </a:ext>
+            </a:extLst>
+          </p:cNvPr>
+          <p:cNvSpPr>
+            <a:spLocks noGrp="1"/>
+          </p:cNvSpPr>
+          <p:nvPr>
+            <p:ph type="title"/>
+          </p:nvPr>
+        </p:nvSpPr>
+        <p:spPr/>
+        <p:txBody>
+          <a:bodyPr/>
+          <a:lstStyle/>
+          <a:p>
+            <a:r>
+              <a:rPr lang="en-US" dirty="0"/>
+              <a:t>Demo Time</a:t>
+            </a:r>
+          </a:p>
+        </p:txBody>
+      </p:sp>
+      <p:sp>
+        <p:nvSpPr>
+          <p:cNvPr id="3" name="Content Placeholder 2">
+            <a:extLst>
+              <a:ext uri="{FF2B5EF4-FFF2-40B4-BE49-F238E27FC236}">
+                <a16:creationId xmlns:a16="http://schemas.microsoft.com/office/drawing/2014/main" id="{373F1335-4328-4E58-94A0-BDBC5F307700}"/>
+              </a:ext>
+            </a:extLst>
+          </p:cNvPr>
+          <p:cNvSpPr>
+            <a:spLocks noGrp="1"/>
+          </p:cNvSpPr>
+          <p:nvPr>
+            <p:ph idx="1"/>
+          </p:nvPr>
+        </p:nvSpPr>
+        <p:spPr/>
+        <p:txBody>
+          <a:bodyPr/>
+          <a:lstStyle/>
+          <a:p>
+            <a:pPr marL="0" indent="0">
+              <a:buNone/>
+            </a:pPr>
+            <a:r>
+              <a:rPr lang="en-US" dirty="0"/>
+              <a:t>Demo Files available here:</a:t>
+            </a:r>
+          </a:p>
+          <a:p>
+            <a:pPr marL="0" indent="0">
+              <a:buNone/>
+            </a:pPr>
+            <a:r>
+              <a:rPr lang="en-US" sz="2800" dirty="0">
+                <a:hlinkClick r:id="rId3"/>
+              </a:rPr>
+              <a:t>https://github.com/jpomfret/demos/tree/master/SqlEstateShape</a:t>
+            </a:r>
+            <a:endParaRPr lang="en-US" sz="2800" dirty="0"/>
+          </a:p>
+          <a:p>
+            <a:pPr marL="0" indent="0">
+              <a:buNone/>
+            </a:pPr>
+            <a:endParaRPr lang="en-US" sz="2800" dirty="0">
+              <a:highlight>
+                <a:srgbClr val="FFFF00"/>
+              </a:highlight>
+            </a:endParaRPr>
+          </a:p>
+        </p:txBody>
+      </p:sp>
+    </p:spTree>
+    <p:extLst>
+      <p:ext uri="{BB962C8B-B14F-4D97-AF65-F5344CB8AC3E}">
+        <p14:creationId xmlns:p14="http://schemas.microsoft.com/office/powerpoint/2010/main" val="1710610017"/>
+      </p:ext>
+    </p:extLst>
+  </p:cSld>
+  <p:clrMapOvr>
+    <a:masterClrMapping/>
+  </p:clrMapOvr>
+</p:sld>
+</file>
+
+<file path=ppt/slides/slide17.xml><?xml version="1.0" encoding="utf-8"?>
+<p:sld xmlns:a="http://schemas.openxmlformats.org/drawingml/2006/main" xmlns:r="http://schemas.openxmlformats.org/officeDocument/2006/relationships" xmlns:p="http://schemas.openxmlformats.org/presentationml/2006/main">
+  <p:cSld>
+    <p:spTree>
+      <p:nvGrpSpPr>
+        <p:cNvPr id="1" name=""/>
+        <p:cNvGrpSpPr/>
+        <p:nvPr/>
+      </p:nvGrpSpPr>
+      <p:grpSpPr>
+        <a:xfrm>
+          <a:off x="0" y="0"/>
+          <a:ext cx="0" cy="0"/>
+          <a:chOff x="0" y="0"/>
+          <a:chExt cx="0" cy="0"/>
+        </a:xfrm>
+      </p:grpSpPr>
+      <p:sp>
+        <p:nvSpPr>
+          <p:cNvPr id="2" name="Title 1">
+            <a:extLst>
+              <a:ext uri="{FF2B5EF4-FFF2-40B4-BE49-F238E27FC236}">
                 <a16:creationId xmlns:a16="http://schemas.microsoft.com/office/drawing/2014/main" id="{4867FBAA-F213-4F01-B509-33CC7B3B7F47}"/>
               </a:ext>
             </a:extLst>
@@ -8424,7 +11505,7 @@
 </p:sld>
 </file>
 
-<file path=ppt/slides/slide16.xml><?xml version="1.0" encoding="utf-8"?>
+<file path=ppt/slides/slide18.xml><?xml version="1.0" encoding="utf-8"?>
 <p:sld xmlns:a="http://schemas.openxmlformats.org/drawingml/2006/main" xmlns:r="http://schemas.openxmlformats.org/officeDocument/2006/relationships" xmlns:p="http://schemas.openxmlformats.org/presentationml/2006/main">
   <p:cSld>
     <p:spTree>
@@ -8656,7 +11737,7 @@
           <a:p>
             <a:r>
               <a:rPr lang="en-US" dirty="0"/>
-              <a:t>Open Source Contributor</a:t>
+              <a:t>Open-Source Contributor</a:t>
             </a:r>
           </a:p>
           <a:p>
@@ -8837,13 +11918,13 @@
             <p:ph idx="1"/>
             <p:extLst>
               <p:ext uri="{D42A27DB-BD31-4B8C-83A1-F6EECF244321}">
-                <p14:modId xmlns:p14="http://schemas.microsoft.com/office/powerpoint/2010/main" val="1731403554"/>
+                <p14:modId xmlns:p14="http://schemas.microsoft.com/office/powerpoint/2010/main" val="3017873484"/>
               </p:ext>
             </p:extLst>
           </p:nvPr>
         </p:nvGraphicFramePr>
         <p:xfrm>
-          <a:off x="838199" y="1044863"/>
+          <a:off x="838199" y="1308099"/>
           <a:ext cx="10515601" cy="2804160"/>
         </p:xfrm>
         <a:graphic>
@@ -9955,16 +13036,16 @@
           <a:bodyPr/>
           <a:lstStyle/>
           <a:p>
-            <a:endParaRPr lang="en-US"/>
+            <a:endParaRPr lang="en-US" dirty="0"/>
           </a:p>
         </p:txBody>
       </p:sp>
       <p:pic>
         <p:nvPicPr>
-          <p:cNvPr id="5" name="Picture 4">
+          <p:cNvPr id="8" name="Picture 7">
             <a:extLst>
               <a:ext uri="{FF2B5EF4-FFF2-40B4-BE49-F238E27FC236}">
-                <a16:creationId xmlns:a16="http://schemas.microsoft.com/office/drawing/2014/main" id="{F7C7CCC6-4000-4F00-938E-3F12F173E74E}"/>
+                <a16:creationId xmlns:a16="http://schemas.microsoft.com/office/drawing/2014/main" id="{D35A01FA-1061-4B5F-B26D-1D027CE51E3B}"/>
               </a:ext>
             </a:extLst>
           </p:cNvPr>
@@ -9973,16 +13054,15 @@
           </p:cNvPicPr>
           <p:nvPr/>
         </p:nvPicPr>
-        <p:blipFill>
+        <p:blipFill rotWithShape="1">
           <a:blip r:embed="rId3"/>
-          <a:stretch>
-            <a:fillRect/>
-          </a:stretch>
+          <a:srcRect r="617"/>
+          <a:stretch/>
         </p:blipFill>
         <p:spPr>
           <a:xfrm>
-            <a:off x="1304256" y="818651"/>
-            <a:ext cx="9583487" cy="5410955"/>
+            <a:off x="1243901" y="847175"/>
+            <a:ext cx="9502758" cy="5406141"/>
           </a:xfrm>
           <a:prstGeom prst="rect">
             <a:avLst/>
